--- a/doc/Scanningday_20180316/plan_for_scanning_day_20180316.pptx
+++ b/doc/Scanningday_20180316/plan_for_scanning_day_20180316.pptx
@@ -5414,16 +5414,20 @@
             <a:pPr lvl="1"/>
             <a:r>
               <a:rPr lang="en-CA" dirty="0"/>
-              <a:t>ISSUM members: Pio, Yi-Chen, </a:t>
+              <a:t>ISSUM members: Pio, Yi-Chen, Afnan, Kang</a:t>
+            </a:r>
+          </a:p>
+          <a:p>
+            <a:pPr lvl="1"/>
+            <a:r>
+              <a:rPr lang="en-CA" dirty="0"/>
+              <a:t>Indoor expert: </a:t>
             </a:r>
             <a:r>
               <a:rPr lang="en-CA" dirty="0" err="1"/>
               <a:t>Kivanc</a:t>
             </a:r>
-            <a:r>
-              <a:rPr lang="en-CA" dirty="0"/>
-              <a:t>, Afnan, Kang</a:t>
-            </a:r>
+            <a:endParaRPr lang="en-CA" dirty="0"/>
           </a:p>
           <a:p>
             <a:pPr lvl="1"/>

--- a/doc/Scanningday_20180316/plan_for_scanning_day_20180316.pptx
+++ b/doc/Scanningday_20180316/plan_for_scanning_day_20180316.pptx
@@ -5420,8 +5420,12 @@
           <a:p>
             <a:pPr lvl="1"/>
             <a:r>
+              <a:rPr lang="en-CA"/>
+              <a:t>Indoor modeling expert</a:t>
+            </a:r>
+            <a:r>
               <a:rPr lang="en-CA" dirty="0"/>
-              <a:t>Indoor expert: </a:t>
+              <a:t>: </a:t>
             </a:r>
             <a:r>
               <a:rPr lang="en-CA" dirty="0" err="1"/>

--- a/doc/Scanningday_20180316/plan_for_scanning_day_20180316.pptx
+++ b/doc/Scanningday_20180316/plan_for_scanning_day_20180316.pptx
@@ -5,25 +5,28 @@
     <p:sldMasterId id="2147483660" r:id="rId1"/>
   </p:sldMasterIdLst>
   <p:notesMasterIdLst>
-    <p:notesMasterId r:id="rId15"/>
+    <p:notesMasterId r:id="rId18"/>
   </p:notesMasterIdLst>
   <p:handoutMasterIdLst>
-    <p:handoutMasterId r:id="rId16"/>
+    <p:handoutMasterId r:id="rId19"/>
   </p:handoutMasterIdLst>
   <p:sldIdLst>
     <p:sldId id="256" r:id="rId2"/>
     <p:sldId id="360" r:id="rId3"/>
     <p:sldId id="376" r:id="rId4"/>
-    <p:sldId id="377" r:id="rId5"/>
-    <p:sldId id="361" r:id="rId6"/>
-    <p:sldId id="368" r:id="rId7"/>
-    <p:sldId id="369" r:id="rId8"/>
-    <p:sldId id="370" r:id="rId9"/>
-    <p:sldId id="371" r:id="rId10"/>
-    <p:sldId id="372" r:id="rId11"/>
-    <p:sldId id="373" r:id="rId12"/>
-    <p:sldId id="374" r:id="rId13"/>
-    <p:sldId id="375" r:id="rId14"/>
+    <p:sldId id="378" r:id="rId5"/>
+    <p:sldId id="379" r:id="rId6"/>
+    <p:sldId id="377" r:id="rId7"/>
+    <p:sldId id="361" r:id="rId8"/>
+    <p:sldId id="368" r:id="rId9"/>
+    <p:sldId id="369" r:id="rId10"/>
+    <p:sldId id="370" r:id="rId11"/>
+    <p:sldId id="371" r:id="rId12"/>
+    <p:sldId id="372" r:id="rId13"/>
+    <p:sldId id="373" r:id="rId14"/>
+    <p:sldId id="374" r:id="rId15"/>
+    <p:sldId id="375" r:id="rId16"/>
+    <p:sldId id="380" r:id="rId17"/>
   </p:sldIdLst>
   <p:sldSz cx="9144000" cy="6858000" type="screen4x3"/>
   <p:notesSz cx="9926638" cy="6797675"/>
@@ -212,7 +215,7 @@
           <a:p>
             <a:fld id="{44610169-9691-4474-8A4B-19A90DE42561}" type="datetimeFigureOut">
               <a:rPr lang="ko-KR" altLang="en-US" smtClean="0"/>
-              <a:t>2018-03-14</a:t>
+              <a:t>2018-03-15</a:t>
             </a:fld>
             <a:endParaRPr lang="ko-KR" altLang="en-US"/>
           </a:p>
@@ -377,7 +380,7 @@
           <a:p>
             <a:fld id="{C09288F9-36DB-42F4-8D99-FC6C729829DC}" type="datetimeFigureOut">
               <a:rPr lang="ko-KR" altLang="en-US" smtClean="0"/>
-              <a:t>2018-03-14</a:t>
+              <a:t>2018-03-15</a:t>
             </a:fld>
             <a:endParaRPr lang="ko-KR" altLang="en-US"/>
           </a:p>
@@ -776,7 +779,7 @@
           <a:p>
             <a:fld id="{A577D285-97F1-4167-A1C0-877473EC5878}" type="datetime1">
               <a:rPr lang="ko-KR" altLang="en-US" smtClean="0"/>
-              <a:t>2018-03-14</a:t>
+              <a:t>2018-03-15</a:t>
             </a:fld>
             <a:endParaRPr lang="ko-KR" altLang="en-US"/>
           </a:p>
@@ -946,7 +949,7 @@
           <a:p>
             <a:fld id="{88DE0789-6DE7-4DEF-8D10-9C417EA2254D}" type="datetime1">
               <a:rPr lang="ko-KR" altLang="en-US" smtClean="0"/>
-              <a:t>2018-03-14</a:t>
+              <a:t>2018-03-15</a:t>
             </a:fld>
             <a:endParaRPr lang="ko-KR" altLang="en-US"/>
           </a:p>
@@ -1126,7 +1129,7 @@
           <a:p>
             <a:fld id="{F9AA1D02-23D4-400D-85E4-BA30CAD8977B}" type="datetime1">
               <a:rPr lang="ko-KR" altLang="en-US" smtClean="0"/>
-              <a:t>2018-03-14</a:t>
+              <a:t>2018-03-15</a:t>
             </a:fld>
             <a:endParaRPr lang="ko-KR" altLang="en-US"/>
           </a:p>
@@ -1348,7 +1351,7 @@
           <a:p>
             <a:fld id="{A7320C7E-E08F-4A60-8AC4-92BD9C8D7AB7}" type="datetime1">
               <a:rPr lang="ko-KR" altLang="en-US" smtClean="0"/>
-              <a:t>2018-03-14</a:t>
+              <a:t>2018-03-15</a:t>
             </a:fld>
             <a:endParaRPr lang="ko-KR" altLang="en-US"/>
           </a:p>
@@ -1608,7 +1611,7 @@
           <a:p>
             <a:fld id="{4F1A60F2-ABB1-4DFD-8496-BD501D720032}" type="datetime1">
               <a:rPr lang="ko-KR" altLang="en-US" smtClean="0"/>
-              <a:t>2018-03-14</a:t>
+              <a:t>2018-03-15</a:t>
             </a:fld>
             <a:endParaRPr lang="ko-KR" altLang="en-US"/>
           </a:p>
@@ -1840,7 +1843,7 @@
           <a:p>
             <a:fld id="{3577904F-5250-4828-AA9F-FD8D0F00958A}" type="datetime1">
               <a:rPr lang="ko-KR" altLang="en-US" smtClean="0"/>
-              <a:t>2018-03-14</a:t>
+              <a:t>2018-03-15</a:t>
             </a:fld>
             <a:endParaRPr lang="ko-KR" altLang="en-US"/>
           </a:p>
@@ -2207,7 +2210,7 @@
           <a:p>
             <a:fld id="{08789DEB-A34C-4644-BCD4-DCC4FF195F5F}" type="datetime1">
               <a:rPr lang="ko-KR" altLang="en-US" smtClean="0"/>
-              <a:t>2018-03-14</a:t>
+              <a:t>2018-03-15</a:t>
             </a:fld>
             <a:endParaRPr lang="ko-KR" altLang="en-US"/>
           </a:p>
@@ -2325,7 +2328,7 @@
           <a:p>
             <a:fld id="{73764EB7-E40E-402A-A75A-82B22610D114}" type="datetime1">
               <a:rPr lang="ko-KR" altLang="en-US" smtClean="0"/>
-              <a:t>2018-03-14</a:t>
+              <a:t>2018-03-15</a:t>
             </a:fld>
             <a:endParaRPr lang="ko-KR" altLang="en-US"/>
           </a:p>
@@ -2420,7 +2423,7 @@
           <a:p>
             <a:fld id="{2BEC69EC-6D12-4817-A0D1-B2EECA7FA19E}" type="datetime1">
               <a:rPr lang="ko-KR" altLang="en-US" smtClean="0"/>
-              <a:t>2018-03-14</a:t>
+              <a:t>2018-03-15</a:t>
             </a:fld>
             <a:endParaRPr lang="ko-KR" altLang="en-US"/>
           </a:p>
@@ -2697,7 +2700,7 @@
           <a:p>
             <a:fld id="{EA99E470-6514-4E29-99B7-E66E85A47A30}" type="datetime1">
               <a:rPr lang="ko-KR" altLang="en-US" smtClean="0"/>
-              <a:t>2018-03-14</a:t>
+              <a:t>2018-03-15</a:t>
             </a:fld>
             <a:endParaRPr lang="ko-KR" altLang="en-US"/>
           </a:p>
@@ -2954,7 +2957,7 @@
           <a:p>
             <a:fld id="{2EA45135-BA18-4F1C-92EA-97E459F62ACE}" type="datetime1">
               <a:rPr lang="ko-KR" altLang="en-US" smtClean="0"/>
-              <a:t>2018-03-14</a:t>
+              <a:t>2018-03-15</a:t>
             </a:fld>
             <a:endParaRPr lang="ko-KR" altLang="en-US"/>
           </a:p>
@@ -3167,7 +3170,7 @@
           <a:p>
             <a:fld id="{A468408C-7D7F-4A92-9491-E5C9D648456F}" type="datetime1">
               <a:rPr lang="ko-KR" altLang="en-US" smtClean="0"/>
-              <a:t>2018-03-14</a:t>
+              <a:t>2018-03-15</a:t>
             </a:fld>
             <a:endParaRPr lang="ko-KR" altLang="en-US"/>
           </a:p>
@@ -3658,7 +3661,7 @@
               <a:rPr lang="en-US" altLang="ko-KR" dirty="0">
                 <a:latin typeface="MS Reference Sans Serif" panose="020B0604030504040204" pitchFamily="34" charset="0"/>
               </a:rPr>
-              <a:t>Mar 14 2018</a:t>
+              <a:t>Mar 15 2018</a:t>
             </a:r>
             <a:endParaRPr lang="ko-KR" altLang="en-US" dirty="0">
               <a:latin typeface="MS Reference Sans Serif" panose="020B0604030504040204" pitchFamily="34" charset="0"/>
@@ -3747,7 +3750,7 @@
           <a:p>
             <a:r>
               <a:rPr lang="en-CA" dirty="0"/>
-              <a:t>Set 6: Ross Building</a:t>
+              <a:t>Set 4: York Lane</a:t>
             </a:r>
           </a:p>
         </p:txBody>
@@ -3771,7 +3774,7 @@
         <p:spPr>
           <a:xfrm>
             <a:off x="628650" y="735647"/>
-            <a:ext cx="7886700" cy="1440000"/>
+            <a:ext cx="7886700" cy="1800000"/>
           </a:xfrm>
         </p:spPr>
         <p:txBody>
@@ -3780,23 +3783,15 @@
           <a:p>
             <a:r>
               <a:rPr lang="en-CA" dirty="0"/>
-              <a:t>All Indoor Path</a:t>
+              <a:t>Indoor + Outdoor Path</a:t>
             </a:r>
           </a:p>
           <a:p>
             <a:pPr lvl="1"/>
             <a:r>
-              <a:rPr lang="en-CA" b="1" dirty="0">
-                <a:solidFill>
-                  <a:srgbClr val="FF0000"/>
-                </a:solidFill>
-              </a:rPr>
-              <a:t>Path: Not determined yet</a:t>
-            </a:r>
-          </a:p>
-          <a:p>
-            <a:pPr lvl="1"/>
-            <a:endParaRPr lang="en-CA" dirty="0"/>
+              <a:rPr lang="en-CA" dirty="0"/>
+              <a:t>Including all the corridors</a:t>
+            </a:r>
           </a:p>
           <a:p>
             <a:endParaRPr lang="en-CA" dirty="0"/>
@@ -3871,10 +3866,10 @@
       </p:pic>
       <p:sp>
         <p:nvSpPr>
-          <p:cNvPr id="7" name="Rectangle 6">
-            <a:extLst>
-              <a:ext uri="{FF2B5EF4-FFF2-40B4-BE49-F238E27FC236}">
-                <a16:creationId xmlns:a16="http://schemas.microsoft.com/office/drawing/2014/main" id="{7735F9C5-4567-4F55-8992-D2F27F1B45FB}"/>
+          <p:cNvPr id="7" name="Star: 5 Points 6">
+            <a:extLst>
+              <a:ext uri="{FF2B5EF4-FFF2-40B4-BE49-F238E27FC236}">
+                <a16:creationId xmlns:a16="http://schemas.microsoft.com/office/drawing/2014/main" id="{789983F1-606D-4E7E-B9A7-0243F4AD4DF6}"/>
               </a:ext>
             </a:extLst>
           </p:cNvPr>
@@ -3882,22 +3877,18 @@
           <p:nvPr/>
         </p:nvSpPr>
         <p:spPr>
-          <a:xfrm rot="20651112">
-            <a:off x="3427708" y="4308951"/>
-            <a:ext cx="1259638" cy="2254173"/>
-          </a:xfrm>
-          <a:prstGeom prst="rect">
+          <a:xfrm>
+            <a:off x="5863112" y="3674281"/>
+            <a:ext cx="262128" cy="249936"/>
+          </a:xfrm>
+          <a:prstGeom prst="star5">
             <a:avLst/>
           </a:prstGeom>
           <a:solidFill>
-            <a:srgbClr val="ED7D31">
-              <a:alpha val="69804"/>
-            </a:srgbClr>
+            <a:srgbClr val="66FF33"/>
           </a:solidFill>
-          <a:ln w="57150">
-            <a:solidFill>
-              <a:srgbClr val="FF0000"/>
-            </a:solidFill>
+          <a:ln>
+            <a:noFill/>
           </a:ln>
         </p:spPr>
         <p:style>
@@ -3925,10 +3916,230 @@
           </a:p>
         </p:txBody>
       </p:sp>
+      <p:cxnSp>
+        <p:nvCxnSpPr>
+          <p:cNvPr id="8" name="Straight Arrow Connector 7">
+            <a:extLst>
+              <a:ext uri="{FF2B5EF4-FFF2-40B4-BE49-F238E27FC236}">
+                <a16:creationId xmlns:a16="http://schemas.microsoft.com/office/drawing/2014/main" id="{CC37E179-BA7A-43B3-A829-87A825218F7B}"/>
+              </a:ext>
+            </a:extLst>
+          </p:cNvPr>
+          <p:cNvCxnSpPr>
+            <a:cxnSpLocks/>
+          </p:cNvCxnSpPr>
+          <p:nvPr/>
+        </p:nvCxnSpPr>
+        <p:spPr>
+          <a:xfrm flipV="1">
+            <a:off x="6129333" y="3438144"/>
+            <a:ext cx="1210251" cy="369303"/>
+          </a:xfrm>
+          <a:prstGeom prst="straightConnector1">
+            <a:avLst/>
+          </a:prstGeom>
+          <a:ln w="57150">
+            <a:solidFill>
+              <a:srgbClr val="FF0000"/>
+            </a:solidFill>
+            <a:tailEnd type="triangle"/>
+          </a:ln>
+        </p:spPr>
+        <p:style>
+          <a:lnRef idx="1">
+            <a:schemeClr val="accent1"/>
+          </a:lnRef>
+          <a:fillRef idx="0">
+            <a:schemeClr val="accent1"/>
+          </a:fillRef>
+          <a:effectRef idx="0">
+            <a:schemeClr val="accent1"/>
+          </a:effectRef>
+          <a:fontRef idx="minor">
+            <a:schemeClr val="tx1"/>
+          </a:fontRef>
+        </p:style>
+      </p:cxnSp>
+      <p:cxnSp>
+        <p:nvCxnSpPr>
+          <p:cNvPr id="9" name="Straight Arrow Connector 8">
+            <a:extLst>
+              <a:ext uri="{FF2B5EF4-FFF2-40B4-BE49-F238E27FC236}">
+                <a16:creationId xmlns:a16="http://schemas.microsoft.com/office/drawing/2014/main" id="{45324F4F-9799-475A-9C13-41519E73CBDD}"/>
+              </a:ext>
+            </a:extLst>
+          </p:cNvPr>
+          <p:cNvCxnSpPr>
+            <a:cxnSpLocks/>
+          </p:cNvCxnSpPr>
+          <p:nvPr/>
+        </p:nvCxnSpPr>
+        <p:spPr>
+          <a:xfrm flipH="1">
+            <a:off x="6071803" y="3340608"/>
+            <a:ext cx="1255589" cy="381495"/>
+          </a:xfrm>
+          <a:prstGeom prst="straightConnector1">
+            <a:avLst/>
+          </a:prstGeom>
+          <a:ln w="57150">
+            <a:solidFill>
+              <a:srgbClr val="0000FF"/>
+            </a:solidFill>
+            <a:tailEnd type="triangle"/>
+          </a:ln>
+        </p:spPr>
+        <p:style>
+          <a:lnRef idx="1">
+            <a:schemeClr val="accent1"/>
+          </a:lnRef>
+          <a:fillRef idx="0">
+            <a:schemeClr val="accent1"/>
+          </a:fillRef>
+          <a:effectRef idx="0">
+            <a:schemeClr val="accent1"/>
+          </a:effectRef>
+          <a:fontRef idx="minor">
+            <a:schemeClr val="tx1"/>
+          </a:fontRef>
+        </p:style>
+      </p:cxnSp>
+      <p:cxnSp>
+        <p:nvCxnSpPr>
+          <p:cNvPr id="11" name="Straight Arrow Connector 10">
+            <a:extLst>
+              <a:ext uri="{FF2B5EF4-FFF2-40B4-BE49-F238E27FC236}">
+                <a16:creationId xmlns:a16="http://schemas.microsoft.com/office/drawing/2014/main" id="{70858518-051B-454E-A35C-9E549A9873CF}"/>
+              </a:ext>
+            </a:extLst>
+          </p:cNvPr>
+          <p:cNvCxnSpPr>
+            <a:cxnSpLocks/>
+          </p:cNvCxnSpPr>
+          <p:nvPr/>
+        </p:nvCxnSpPr>
+        <p:spPr>
+          <a:xfrm flipV="1">
+            <a:off x="6077712" y="3273552"/>
+            <a:ext cx="310896" cy="377952"/>
+          </a:xfrm>
+          <a:prstGeom prst="straightConnector1">
+            <a:avLst/>
+          </a:prstGeom>
+          <a:ln w="57150">
+            <a:solidFill>
+              <a:srgbClr val="0000FF"/>
+            </a:solidFill>
+            <a:tailEnd type="triangle"/>
+          </a:ln>
+        </p:spPr>
+        <p:style>
+          <a:lnRef idx="1">
+            <a:schemeClr val="accent1"/>
+          </a:lnRef>
+          <a:fillRef idx="0">
+            <a:schemeClr val="accent1"/>
+          </a:fillRef>
+          <a:effectRef idx="0">
+            <a:schemeClr val="accent1"/>
+          </a:effectRef>
+          <a:fontRef idx="minor">
+            <a:schemeClr val="tx1"/>
+          </a:fontRef>
+        </p:style>
+      </p:cxnSp>
+      <p:cxnSp>
+        <p:nvCxnSpPr>
+          <p:cNvPr id="13" name="Straight Arrow Connector 12">
+            <a:extLst>
+              <a:ext uri="{FF2B5EF4-FFF2-40B4-BE49-F238E27FC236}">
+                <a16:creationId xmlns:a16="http://schemas.microsoft.com/office/drawing/2014/main" id="{0BA7CF2C-1A81-4BC0-A482-B48028E5060F}"/>
+              </a:ext>
+            </a:extLst>
+          </p:cNvPr>
+          <p:cNvCxnSpPr>
+            <a:cxnSpLocks/>
+          </p:cNvCxnSpPr>
+          <p:nvPr/>
+        </p:nvCxnSpPr>
+        <p:spPr>
+          <a:xfrm flipV="1">
+            <a:off x="6431281" y="2993136"/>
+            <a:ext cx="816863" cy="274320"/>
+          </a:xfrm>
+          <a:prstGeom prst="straightConnector1">
+            <a:avLst/>
+          </a:prstGeom>
+          <a:ln w="57150">
+            <a:solidFill>
+              <a:srgbClr val="0000FF"/>
+            </a:solidFill>
+            <a:tailEnd type="triangle"/>
+          </a:ln>
+        </p:spPr>
+        <p:style>
+          <a:lnRef idx="1">
+            <a:schemeClr val="accent1"/>
+          </a:lnRef>
+          <a:fillRef idx="0">
+            <a:schemeClr val="accent1"/>
+          </a:fillRef>
+          <a:effectRef idx="0">
+            <a:schemeClr val="accent1"/>
+          </a:effectRef>
+          <a:fontRef idx="minor">
+            <a:schemeClr val="tx1"/>
+          </a:fontRef>
+        </p:style>
+      </p:cxnSp>
+      <p:cxnSp>
+        <p:nvCxnSpPr>
+          <p:cNvPr id="17" name="Straight Arrow Connector 16">
+            <a:extLst>
+              <a:ext uri="{FF2B5EF4-FFF2-40B4-BE49-F238E27FC236}">
+                <a16:creationId xmlns:a16="http://schemas.microsoft.com/office/drawing/2014/main" id="{43640AAD-8428-491A-ADE5-EA6AAD9A83D4}"/>
+              </a:ext>
+            </a:extLst>
+          </p:cNvPr>
+          <p:cNvCxnSpPr>
+            <a:cxnSpLocks/>
+          </p:cNvCxnSpPr>
+          <p:nvPr/>
+        </p:nvCxnSpPr>
+        <p:spPr>
+          <a:xfrm>
+            <a:off x="7235952" y="3060192"/>
+            <a:ext cx="97536" cy="286512"/>
+          </a:xfrm>
+          <a:prstGeom prst="straightConnector1">
+            <a:avLst/>
+          </a:prstGeom>
+          <a:ln w="57150">
+            <a:solidFill>
+              <a:srgbClr val="0000FF"/>
+            </a:solidFill>
+            <a:tailEnd type="triangle"/>
+          </a:ln>
+        </p:spPr>
+        <p:style>
+          <a:lnRef idx="1">
+            <a:schemeClr val="accent1"/>
+          </a:lnRef>
+          <a:fillRef idx="0">
+            <a:schemeClr val="accent1"/>
+          </a:fillRef>
+          <a:effectRef idx="0">
+            <a:schemeClr val="accent1"/>
+          </a:effectRef>
+          <a:fontRef idx="minor">
+            <a:schemeClr val="tx1"/>
+          </a:fontRef>
+        </p:style>
+      </p:cxnSp>
     </p:spTree>
     <p:extLst>
       <p:ext uri="{BB962C8B-B14F-4D97-AF65-F5344CB8AC3E}">
-        <p14:creationId xmlns:p14="http://schemas.microsoft.com/office/powerpoint/2010/main" val="3454665671"/>
+        <p14:creationId xmlns:p14="http://schemas.microsoft.com/office/powerpoint/2010/main" val="2466632176"/>
       </p:ext>
     </p:extLst>
   </p:cSld>
@@ -3983,7 +4194,15 @@
           <a:p>
             <a:r>
               <a:rPr lang="en-CA" dirty="0"/>
-              <a:t>Set 7: Campus Walk</a:t>
+              <a:t>Set 5: </a:t>
+            </a:r>
+            <a:r>
+              <a:rPr lang="en-CA" dirty="0" err="1"/>
+              <a:t>Vari</a:t>
+            </a:r>
+            <a:r>
+              <a:rPr lang="en-CA" dirty="0"/>
+              <a:t> Hall</a:t>
             </a:r>
           </a:p>
         </p:txBody>
@@ -4016,11 +4235,19 @@
           <a:p>
             <a:r>
               <a:rPr lang="en-CA" dirty="0"/>
-              <a:t>All Outdoor Path</a:t>
-            </a:r>
-          </a:p>
-          <a:p>
-            <a:endParaRPr lang="en-CA" dirty="0"/>
+              <a:t>All Indoor Path</a:t>
+            </a:r>
+          </a:p>
+          <a:p>
+            <a:pPr lvl="1"/>
+            <a:r>
+              <a:rPr lang="en-CA" b="1" dirty="0">
+                <a:solidFill>
+                  <a:srgbClr val="FF0000"/>
+                </a:solidFill>
+              </a:rPr>
+              <a:t>Path: Not determined yet</a:t>
+            </a:r>
           </a:p>
         </p:txBody>
       </p:sp>
@@ -4092,10 +4319,10 @@
       </p:pic>
       <p:sp>
         <p:nvSpPr>
-          <p:cNvPr id="7" name="Star: 5 Points 6">
-            <a:extLst>
-              <a:ext uri="{FF2B5EF4-FFF2-40B4-BE49-F238E27FC236}">
-                <a16:creationId xmlns:a16="http://schemas.microsoft.com/office/drawing/2014/main" id="{FB1274EC-123B-4EF3-B562-113E8EFC50E0}"/>
+          <p:cNvPr id="5" name="Rectangle 4">
+            <a:extLst>
+              <a:ext uri="{FF2B5EF4-FFF2-40B4-BE49-F238E27FC236}">
+                <a16:creationId xmlns:a16="http://schemas.microsoft.com/office/drawing/2014/main" id="{049869DB-1A66-4AFC-8107-7EDACDAB439E}"/>
               </a:ext>
             </a:extLst>
           </p:cNvPr>
@@ -4103,18 +4330,22 @@
           <p:nvPr/>
         </p:nvSpPr>
         <p:spPr>
-          <a:xfrm>
-            <a:off x="7196328" y="2267755"/>
-            <a:ext cx="262128" cy="249936"/>
-          </a:xfrm>
-          <a:prstGeom prst="star5">
+          <a:xfrm rot="20651112">
+            <a:off x="4768589" y="4565256"/>
+            <a:ext cx="538480" cy="1624643"/>
+          </a:xfrm>
+          <a:prstGeom prst="rect">
             <a:avLst/>
           </a:prstGeom>
           <a:solidFill>
-            <a:srgbClr val="66FF33"/>
+            <a:srgbClr val="ED7D31">
+              <a:alpha val="69804"/>
+            </a:srgbClr>
           </a:solidFill>
-          <a:ln>
-            <a:noFill/>
+          <a:ln w="57150">
+            <a:solidFill>
+              <a:srgbClr val="FF0000"/>
+            </a:solidFill>
           </a:ln>
         </p:spPr>
         <p:style>
@@ -4142,670 +4373,10 @@
           </a:p>
         </p:txBody>
       </p:sp>
-      <p:cxnSp>
-        <p:nvCxnSpPr>
-          <p:cNvPr id="9" name="Straight Arrow Connector 8">
-            <a:extLst>
-              <a:ext uri="{FF2B5EF4-FFF2-40B4-BE49-F238E27FC236}">
-                <a16:creationId xmlns:a16="http://schemas.microsoft.com/office/drawing/2014/main" id="{5E505C69-1135-483F-BABF-EAFC045A700A}"/>
-              </a:ext>
-            </a:extLst>
-          </p:cNvPr>
-          <p:cNvCxnSpPr>
-            <a:cxnSpLocks/>
-          </p:cNvCxnSpPr>
-          <p:nvPr/>
-        </p:nvCxnSpPr>
-        <p:spPr>
-          <a:xfrm flipH="1">
-            <a:off x="6963060" y="2560320"/>
-            <a:ext cx="254604" cy="207264"/>
-          </a:xfrm>
-          <a:prstGeom prst="straightConnector1">
-            <a:avLst/>
-          </a:prstGeom>
-          <a:ln w="57150">
-            <a:solidFill>
-              <a:srgbClr val="FF0000"/>
-            </a:solidFill>
-            <a:tailEnd type="triangle"/>
-          </a:ln>
-        </p:spPr>
-        <p:style>
-          <a:lnRef idx="1">
-            <a:schemeClr val="accent1"/>
-          </a:lnRef>
-          <a:fillRef idx="0">
-            <a:schemeClr val="accent1"/>
-          </a:fillRef>
-          <a:effectRef idx="0">
-            <a:schemeClr val="accent1"/>
-          </a:effectRef>
-          <a:fontRef idx="minor">
-            <a:schemeClr val="tx1"/>
-          </a:fontRef>
-        </p:style>
-      </p:cxnSp>
-      <p:cxnSp>
-        <p:nvCxnSpPr>
-          <p:cNvPr id="11" name="Straight Arrow Connector 10">
-            <a:extLst>
-              <a:ext uri="{FF2B5EF4-FFF2-40B4-BE49-F238E27FC236}">
-                <a16:creationId xmlns:a16="http://schemas.microsoft.com/office/drawing/2014/main" id="{5B44C62A-000F-47BC-A214-D44CBC4728A8}"/>
-              </a:ext>
-            </a:extLst>
-          </p:cNvPr>
-          <p:cNvCxnSpPr>
-            <a:cxnSpLocks/>
-          </p:cNvCxnSpPr>
-          <p:nvPr/>
-        </p:nvCxnSpPr>
-        <p:spPr>
-          <a:xfrm flipH="1">
-            <a:off x="5894832" y="2740605"/>
-            <a:ext cx="1046698" cy="356163"/>
-          </a:xfrm>
-          <a:prstGeom prst="straightConnector1">
-            <a:avLst/>
-          </a:prstGeom>
-          <a:ln w="57150">
-            <a:solidFill>
-              <a:srgbClr val="FF0000"/>
-            </a:solidFill>
-            <a:tailEnd type="triangle"/>
-          </a:ln>
-        </p:spPr>
-        <p:style>
-          <a:lnRef idx="1">
-            <a:schemeClr val="accent1"/>
-          </a:lnRef>
-          <a:fillRef idx="0">
-            <a:schemeClr val="accent1"/>
-          </a:fillRef>
-          <a:effectRef idx="0">
-            <a:schemeClr val="accent1"/>
-          </a:effectRef>
-          <a:fontRef idx="minor">
-            <a:schemeClr val="tx1"/>
-          </a:fontRef>
-        </p:style>
-      </p:cxnSp>
-      <p:cxnSp>
-        <p:nvCxnSpPr>
-          <p:cNvPr id="13" name="Straight Arrow Connector 12">
-            <a:extLst>
-              <a:ext uri="{FF2B5EF4-FFF2-40B4-BE49-F238E27FC236}">
-                <a16:creationId xmlns:a16="http://schemas.microsoft.com/office/drawing/2014/main" id="{ADE33FB0-E524-49E8-B7FB-3626AABADA0A}"/>
-              </a:ext>
-            </a:extLst>
-          </p:cNvPr>
-          <p:cNvCxnSpPr>
-            <a:cxnSpLocks/>
-          </p:cNvCxnSpPr>
-          <p:nvPr/>
-        </p:nvCxnSpPr>
-        <p:spPr>
-          <a:xfrm flipH="1">
-            <a:off x="5401056" y="3140505"/>
-            <a:ext cx="493776" cy="352503"/>
-          </a:xfrm>
-          <a:prstGeom prst="straightConnector1">
-            <a:avLst/>
-          </a:prstGeom>
-          <a:ln w="57150">
-            <a:solidFill>
-              <a:srgbClr val="FF0000"/>
-            </a:solidFill>
-            <a:tailEnd type="triangle"/>
-          </a:ln>
-        </p:spPr>
-        <p:style>
-          <a:lnRef idx="1">
-            <a:schemeClr val="accent1"/>
-          </a:lnRef>
-          <a:fillRef idx="0">
-            <a:schemeClr val="accent1"/>
-          </a:fillRef>
-          <a:effectRef idx="0">
-            <a:schemeClr val="accent1"/>
-          </a:effectRef>
-          <a:fontRef idx="minor">
-            <a:schemeClr val="tx1"/>
-          </a:fontRef>
-        </p:style>
-      </p:cxnSp>
-      <p:cxnSp>
-        <p:nvCxnSpPr>
-          <p:cNvPr id="15" name="Straight Arrow Connector 14">
-            <a:extLst>
-              <a:ext uri="{FF2B5EF4-FFF2-40B4-BE49-F238E27FC236}">
-                <a16:creationId xmlns:a16="http://schemas.microsoft.com/office/drawing/2014/main" id="{450E5400-5F6F-4982-8D60-F379559B512B}"/>
-              </a:ext>
-            </a:extLst>
-          </p:cNvPr>
-          <p:cNvCxnSpPr>
-            <a:cxnSpLocks/>
-          </p:cNvCxnSpPr>
-          <p:nvPr/>
-        </p:nvCxnSpPr>
-        <p:spPr>
-          <a:xfrm flipH="1">
-            <a:off x="4145280" y="3512362"/>
-            <a:ext cx="1194816" cy="370790"/>
-          </a:xfrm>
-          <a:prstGeom prst="straightConnector1">
-            <a:avLst/>
-          </a:prstGeom>
-          <a:ln w="57150">
-            <a:solidFill>
-              <a:srgbClr val="FF0000"/>
-            </a:solidFill>
-            <a:tailEnd type="triangle"/>
-          </a:ln>
-        </p:spPr>
-        <p:style>
-          <a:lnRef idx="1">
-            <a:schemeClr val="accent1"/>
-          </a:lnRef>
-          <a:fillRef idx="0">
-            <a:schemeClr val="accent1"/>
-          </a:fillRef>
-          <a:effectRef idx="0">
-            <a:schemeClr val="accent1"/>
-          </a:effectRef>
-          <a:fontRef idx="minor">
-            <a:schemeClr val="tx1"/>
-          </a:fontRef>
-        </p:style>
-      </p:cxnSp>
-      <p:cxnSp>
-        <p:nvCxnSpPr>
-          <p:cNvPr id="17" name="Straight Arrow Connector 16">
-            <a:extLst>
-              <a:ext uri="{FF2B5EF4-FFF2-40B4-BE49-F238E27FC236}">
-                <a16:creationId xmlns:a16="http://schemas.microsoft.com/office/drawing/2014/main" id="{795274B9-67BF-4CB7-ADAA-FDC1A9D63FE5}"/>
-              </a:ext>
-            </a:extLst>
-          </p:cNvPr>
-          <p:cNvCxnSpPr>
-            <a:cxnSpLocks/>
-          </p:cNvCxnSpPr>
-          <p:nvPr/>
-        </p:nvCxnSpPr>
-        <p:spPr>
-          <a:xfrm flipH="1">
-            <a:off x="2200656" y="3919728"/>
-            <a:ext cx="1944624" cy="664464"/>
-          </a:xfrm>
-          <a:prstGeom prst="straightConnector1">
-            <a:avLst/>
-          </a:prstGeom>
-          <a:ln w="57150">
-            <a:solidFill>
-              <a:srgbClr val="FF0000"/>
-            </a:solidFill>
-            <a:tailEnd type="triangle"/>
-          </a:ln>
-        </p:spPr>
-        <p:style>
-          <a:lnRef idx="1">
-            <a:schemeClr val="accent1"/>
-          </a:lnRef>
-          <a:fillRef idx="0">
-            <a:schemeClr val="accent1"/>
-          </a:fillRef>
-          <a:effectRef idx="0">
-            <a:schemeClr val="accent1"/>
-          </a:effectRef>
-          <a:fontRef idx="minor">
-            <a:schemeClr val="tx1"/>
-          </a:fontRef>
-        </p:style>
-      </p:cxnSp>
-      <p:cxnSp>
-        <p:nvCxnSpPr>
-          <p:cNvPr id="24" name="Straight Arrow Connector 23">
-            <a:extLst>
-              <a:ext uri="{FF2B5EF4-FFF2-40B4-BE49-F238E27FC236}">
-                <a16:creationId xmlns:a16="http://schemas.microsoft.com/office/drawing/2014/main" id="{FD51844D-8092-4A54-9130-C88027CCE563}"/>
-              </a:ext>
-            </a:extLst>
-          </p:cNvPr>
-          <p:cNvCxnSpPr>
-            <a:cxnSpLocks/>
-          </p:cNvCxnSpPr>
-          <p:nvPr/>
-        </p:nvCxnSpPr>
-        <p:spPr>
-          <a:xfrm flipH="1" flipV="1">
-            <a:off x="1773936" y="4468368"/>
-            <a:ext cx="402336" cy="103632"/>
-          </a:xfrm>
-          <a:prstGeom prst="straightConnector1">
-            <a:avLst/>
-          </a:prstGeom>
-          <a:ln w="57150">
-            <a:solidFill>
-              <a:srgbClr val="FF0000"/>
-            </a:solidFill>
-            <a:tailEnd type="triangle"/>
-          </a:ln>
-        </p:spPr>
-        <p:style>
-          <a:lnRef idx="1">
-            <a:schemeClr val="accent1"/>
-          </a:lnRef>
-          <a:fillRef idx="0">
-            <a:schemeClr val="accent1"/>
-          </a:fillRef>
-          <a:effectRef idx="0">
-            <a:schemeClr val="accent1"/>
-          </a:effectRef>
-          <a:fontRef idx="minor">
-            <a:schemeClr val="tx1"/>
-          </a:fontRef>
-        </p:style>
-      </p:cxnSp>
-      <p:cxnSp>
-        <p:nvCxnSpPr>
-          <p:cNvPr id="26" name="Straight Arrow Connector 25">
-            <a:extLst>
-              <a:ext uri="{FF2B5EF4-FFF2-40B4-BE49-F238E27FC236}">
-                <a16:creationId xmlns:a16="http://schemas.microsoft.com/office/drawing/2014/main" id="{F89719F7-774E-49C7-9010-838490B3A24C}"/>
-              </a:ext>
-            </a:extLst>
-          </p:cNvPr>
-          <p:cNvCxnSpPr>
-            <a:cxnSpLocks/>
-          </p:cNvCxnSpPr>
-          <p:nvPr/>
-        </p:nvCxnSpPr>
-        <p:spPr>
-          <a:xfrm flipH="1">
-            <a:off x="530352" y="4498848"/>
-            <a:ext cx="1237488" cy="390144"/>
-          </a:xfrm>
-          <a:prstGeom prst="straightConnector1">
-            <a:avLst/>
-          </a:prstGeom>
-          <a:ln w="57150">
-            <a:solidFill>
-              <a:srgbClr val="FF0000"/>
-            </a:solidFill>
-            <a:tailEnd type="triangle"/>
-          </a:ln>
-        </p:spPr>
-        <p:style>
-          <a:lnRef idx="1">
-            <a:schemeClr val="accent1"/>
-          </a:lnRef>
-          <a:fillRef idx="0">
-            <a:schemeClr val="accent1"/>
-          </a:fillRef>
-          <a:effectRef idx="0">
-            <a:schemeClr val="accent1"/>
-          </a:effectRef>
-          <a:fontRef idx="minor">
-            <a:schemeClr val="tx1"/>
-          </a:fontRef>
-        </p:style>
-      </p:cxnSp>
-      <p:cxnSp>
-        <p:nvCxnSpPr>
-          <p:cNvPr id="31" name="Straight Arrow Connector 30">
-            <a:extLst>
-              <a:ext uri="{FF2B5EF4-FFF2-40B4-BE49-F238E27FC236}">
-                <a16:creationId xmlns:a16="http://schemas.microsoft.com/office/drawing/2014/main" id="{BB0297D5-F056-4A70-AADE-6585462F636A}"/>
-              </a:ext>
-            </a:extLst>
-          </p:cNvPr>
-          <p:cNvCxnSpPr>
-            <a:cxnSpLocks/>
-          </p:cNvCxnSpPr>
-          <p:nvPr/>
-        </p:nvCxnSpPr>
-        <p:spPr>
-          <a:xfrm>
-            <a:off x="615696" y="4956048"/>
-            <a:ext cx="304800" cy="835152"/>
-          </a:xfrm>
-          <a:prstGeom prst="straightConnector1">
-            <a:avLst/>
-          </a:prstGeom>
-          <a:ln w="57150">
-            <a:solidFill>
-              <a:srgbClr val="FF0000"/>
-            </a:solidFill>
-            <a:tailEnd type="triangle"/>
-          </a:ln>
-        </p:spPr>
-        <p:style>
-          <a:lnRef idx="1">
-            <a:schemeClr val="accent1"/>
-          </a:lnRef>
-          <a:fillRef idx="0">
-            <a:schemeClr val="accent1"/>
-          </a:fillRef>
-          <a:effectRef idx="0">
-            <a:schemeClr val="accent1"/>
-          </a:effectRef>
-          <a:fontRef idx="minor">
-            <a:schemeClr val="tx1"/>
-          </a:fontRef>
-        </p:style>
-      </p:cxnSp>
-      <p:cxnSp>
-        <p:nvCxnSpPr>
-          <p:cNvPr id="34" name="Straight Arrow Connector 33">
-            <a:extLst>
-              <a:ext uri="{FF2B5EF4-FFF2-40B4-BE49-F238E27FC236}">
-                <a16:creationId xmlns:a16="http://schemas.microsoft.com/office/drawing/2014/main" id="{F0E32B74-3483-4AFC-8C38-F7B2BCDD7656}"/>
-              </a:ext>
-            </a:extLst>
-          </p:cNvPr>
-          <p:cNvCxnSpPr>
-            <a:cxnSpLocks/>
-          </p:cNvCxnSpPr>
-          <p:nvPr/>
-        </p:nvCxnSpPr>
-        <p:spPr>
-          <a:xfrm flipV="1">
-            <a:off x="944880" y="5297424"/>
-            <a:ext cx="1389888" cy="493776"/>
-          </a:xfrm>
-          <a:prstGeom prst="straightConnector1">
-            <a:avLst/>
-          </a:prstGeom>
-          <a:ln w="57150">
-            <a:solidFill>
-              <a:srgbClr val="FF0000"/>
-            </a:solidFill>
-            <a:tailEnd type="triangle"/>
-          </a:ln>
-        </p:spPr>
-        <p:style>
-          <a:lnRef idx="1">
-            <a:schemeClr val="accent1"/>
-          </a:lnRef>
-          <a:fillRef idx="0">
-            <a:schemeClr val="accent1"/>
-          </a:fillRef>
-          <a:effectRef idx="0">
-            <a:schemeClr val="accent1"/>
-          </a:effectRef>
-          <a:fontRef idx="minor">
-            <a:schemeClr val="tx1"/>
-          </a:fontRef>
-        </p:style>
-      </p:cxnSp>
-      <p:cxnSp>
-        <p:nvCxnSpPr>
-          <p:cNvPr id="36" name="Straight Arrow Connector 35">
-            <a:extLst>
-              <a:ext uri="{FF2B5EF4-FFF2-40B4-BE49-F238E27FC236}">
-                <a16:creationId xmlns:a16="http://schemas.microsoft.com/office/drawing/2014/main" id="{C16F6500-CC6D-4DB2-9400-8DA6B6959042}"/>
-              </a:ext>
-            </a:extLst>
-          </p:cNvPr>
-          <p:cNvCxnSpPr>
-            <a:cxnSpLocks/>
-          </p:cNvCxnSpPr>
-          <p:nvPr/>
-        </p:nvCxnSpPr>
-        <p:spPr>
-          <a:xfrm flipH="1" flipV="1">
-            <a:off x="2261616" y="4651248"/>
-            <a:ext cx="24384" cy="573024"/>
-          </a:xfrm>
-          <a:prstGeom prst="straightConnector1">
-            <a:avLst/>
-          </a:prstGeom>
-          <a:ln w="57150">
-            <a:solidFill>
-              <a:srgbClr val="FF0000"/>
-            </a:solidFill>
-            <a:tailEnd type="triangle"/>
-          </a:ln>
-        </p:spPr>
-        <p:style>
-          <a:lnRef idx="1">
-            <a:schemeClr val="accent1"/>
-          </a:lnRef>
-          <a:fillRef idx="0">
-            <a:schemeClr val="accent1"/>
-          </a:fillRef>
-          <a:effectRef idx="0">
-            <a:schemeClr val="accent1"/>
-          </a:effectRef>
-          <a:fontRef idx="minor">
-            <a:schemeClr val="tx1"/>
-          </a:fontRef>
-        </p:style>
-      </p:cxnSp>
-      <p:cxnSp>
-        <p:nvCxnSpPr>
-          <p:cNvPr id="39" name="Straight Arrow Connector 38">
-            <a:extLst>
-              <a:ext uri="{FF2B5EF4-FFF2-40B4-BE49-F238E27FC236}">
-                <a16:creationId xmlns:a16="http://schemas.microsoft.com/office/drawing/2014/main" id="{07FEE7F3-76E6-4A85-A141-7648A62B395B}"/>
-              </a:ext>
-            </a:extLst>
-          </p:cNvPr>
-          <p:cNvCxnSpPr>
-            <a:cxnSpLocks/>
-          </p:cNvCxnSpPr>
-          <p:nvPr/>
-        </p:nvCxnSpPr>
-        <p:spPr>
-          <a:xfrm flipV="1">
-            <a:off x="2334768" y="4017264"/>
-            <a:ext cx="1859280" cy="640080"/>
-          </a:xfrm>
-          <a:prstGeom prst="straightConnector1">
-            <a:avLst/>
-          </a:prstGeom>
-          <a:ln w="57150">
-            <a:solidFill>
-              <a:srgbClr val="FF0000"/>
-            </a:solidFill>
-            <a:tailEnd type="triangle"/>
-          </a:ln>
-        </p:spPr>
-        <p:style>
-          <a:lnRef idx="1">
-            <a:schemeClr val="accent1"/>
-          </a:lnRef>
-          <a:fillRef idx="0">
-            <a:schemeClr val="accent1"/>
-          </a:fillRef>
-          <a:effectRef idx="0">
-            <a:schemeClr val="accent1"/>
-          </a:effectRef>
-          <a:fontRef idx="minor">
-            <a:schemeClr val="tx1"/>
-          </a:fontRef>
-        </p:style>
-      </p:cxnSp>
-      <p:cxnSp>
-        <p:nvCxnSpPr>
-          <p:cNvPr id="41" name="Straight Arrow Connector 40">
-            <a:extLst>
-              <a:ext uri="{FF2B5EF4-FFF2-40B4-BE49-F238E27FC236}">
-                <a16:creationId xmlns:a16="http://schemas.microsoft.com/office/drawing/2014/main" id="{298037CD-A51C-49FB-90E4-EA723FA1480A}"/>
-              </a:ext>
-            </a:extLst>
-          </p:cNvPr>
-          <p:cNvCxnSpPr>
-            <a:cxnSpLocks/>
-          </p:cNvCxnSpPr>
-          <p:nvPr/>
-        </p:nvCxnSpPr>
-        <p:spPr>
-          <a:xfrm flipV="1">
-            <a:off x="4230624" y="3608832"/>
-            <a:ext cx="1164336" cy="402336"/>
-          </a:xfrm>
-          <a:prstGeom prst="straightConnector1">
-            <a:avLst/>
-          </a:prstGeom>
-          <a:ln w="57150">
-            <a:solidFill>
-              <a:srgbClr val="FF0000"/>
-            </a:solidFill>
-            <a:tailEnd type="triangle"/>
-          </a:ln>
-        </p:spPr>
-        <p:style>
-          <a:lnRef idx="1">
-            <a:schemeClr val="accent1"/>
-          </a:lnRef>
-          <a:fillRef idx="0">
-            <a:schemeClr val="accent1"/>
-          </a:fillRef>
-          <a:effectRef idx="0">
-            <a:schemeClr val="accent1"/>
-          </a:effectRef>
-          <a:fontRef idx="minor">
-            <a:schemeClr val="tx1"/>
-          </a:fontRef>
-        </p:style>
-      </p:cxnSp>
-      <p:cxnSp>
-        <p:nvCxnSpPr>
-          <p:cNvPr id="43" name="Straight Arrow Connector 42">
-            <a:extLst>
-              <a:ext uri="{FF2B5EF4-FFF2-40B4-BE49-F238E27FC236}">
-                <a16:creationId xmlns:a16="http://schemas.microsoft.com/office/drawing/2014/main" id="{DA93D456-3475-4CD8-903E-8779B8CF3E96}"/>
-              </a:ext>
-            </a:extLst>
-          </p:cNvPr>
-          <p:cNvCxnSpPr>
-            <a:cxnSpLocks/>
-          </p:cNvCxnSpPr>
-          <p:nvPr/>
-        </p:nvCxnSpPr>
-        <p:spPr>
-          <a:xfrm flipV="1">
-            <a:off x="5449824" y="3230880"/>
-            <a:ext cx="554736" cy="371856"/>
-          </a:xfrm>
-          <a:prstGeom prst="straightConnector1">
-            <a:avLst/>
-          </a:prstGeom>
-          <a:ln w="57150">
-            <a:solidFill>
-              <a:srgbClr val="FF0000"/>
-            </a:solidFill>
-            <a:tailEnd type="triangle"/>
-          </a:ln>
-        </p:spPr>
-        <p:style>
-          <a:lnRef idx="1">
-            <a:schemeClr val="accent1"/>
-          </a:lnRef>
-          <a:fillRef idx="0">
-            <a:schemeClr val="accent1"/>
-          </a:fillRef>
-          <a:effectRef idx="0">
-            <a:schemeClr val="accent1"/>
-          </a:effectRef>
-          <a:fontRef idx="minor">
-            <a:schemeClr val="tx1"/>
-          </a:fontRef>
-        </p:style>
-      </p:cxnSp>
-      <p:cxnSp>
-        <p:nvCxnSpPr>
-          <p:cNvPr id="45" name="Straight Arrow Connector 44">
-            <a:extLst>
-              <a:ext uri="{FF2B5EF4-FFF2-40B4-BE49-F238E27FC236}">
-                <a16:creationId xmlns:a16="http://schemas.microsoft.com/office/drawing/2014/main" id="{12714248-8F29-4A57-9F0A-679C495DFA6E}"/>
-              </a:ext>
-            </a:extLst>
-          </p:cNvPr>
-          <p:cNvCxnSpPr>
-            <a:cxnSpLocks/>
-          </p:cNvCxnSpPr>
-          <p:nvPr/>
-        </p:nvCxnSpPr>
-        <p:spPr>
-          <a:xfrm flipV="1">
-            <a:off x="6028944" y="2852928"/>
-            <a:ext cx="981456" cy="359664"/>
-          </a:xfrm>
-          <a:prstGeom prst="straightConnector1">
-            <a:avLst/>
-          </a:prstGeom>
-          <a:ln w="57150">
-            <a:solidFill>
-              <a:srgbClr val="FF0000"/>
-            </a:solidFill>
-            <a:tailEnd type="triangle"/>
-          </a:ln>
-        </p:spPr>
-        <p:style>
-          <a:lnRef idx="1">
-            <a:schemeClr val="accent1"/>
-          </a:lnRef>
-          <a:fillRef idx="0">
-            <a:schemeClr val="accent1"/>
-          </a:fillRef>
-          <a:effectRef idx="0">
-            <a:schemeClr val="accent1"/>
-          </a:effectRef>
-          <a:fontRef idx="minor">
-            <a:schemeClr val="tx1"/>
-          </a:fontRef>
-        </p:style>
-      </p:cxnSp>
-      <p:cxnSp>
-        <p:nvCxnSpPr>
-          <p:cNvPr id="47" name="Straight Arrow Connector 46">
-            <a:extLst>
-              <a:ext uri="{FF2B5EF4-FFF2-40B4-BE49-F238E27FC236}">
-                <a16:creationId xmlns:a16="http://schemas.microsoft.com/office/drawing/2014/main" id="{DCC86058-7EC6-4D69-9C7A-B3667B3A7440}"/>
-              </a:ext>
-            </a:extLst>
-          </p:cNvPr>
-          <p:cNvCxnSpPr>
-            <a:cxnSpLocks/>
-          </p:cNvCxnSpPr>
-          <p:nvPr/>
-        </p:nvCxnSpPr>
-        <p:spPr>
-          <a:xfrm flipV="1">
-            <a:off x="7053072" y="2542032"/>
-            <a:ext cx="341376" cy="298704"/>
-          </a:xfrm>
-          <a:prstGeom prst="straightConnector1">
-            <a:avLst/>
-          </a:prstGeom>
-          <a:ln w="57150">
-            <a:solidFill>
-              <a:srgbClr val="FF0000"/>
-            </a:solidFill>
-            <a:tailEnd type="triangle"/>
-          </a:ln>
-        </p:spPr>
-        <p:style>
-          <a:lnRef idx="1">
-            <a:schemeClr val="accent1"/>
-          </a:lnRef>
-          <a:fillRef idx="0">
-            <a:schemeClr val="accent1"/>
-          </a:fillRef>
-          <a:effectRef idx="0">
-            <a:schemeClr val="accent1"/>
-          </a:effectRef>
-          <a:fontRef idx="minor">
-            <a:schemeClr val="tx1"/>
-          </a:fontRef>
-        </p:style>
-      </p:cxnSp>
     </p:spTree>
     <p:extLst>
       <p:ext uri="{BB962C8B-B14F-4D97-AF65-F5344CB8AC3E}">
-        <p14:creationId xmlns:p14="http://schemas.microsoft.com/office/powerpoint/2010/main" val="756587673"/>
+        <p14:creationId xmlns:p14="http://schemas.microsoft.com/office/powerpoint/2010/main" val="2429325989"/>
       </p:ext>
     </p:extLst>
   </p:cSld>
@@ -4860,7 +4431,7 @@
           <a:p>
             <a:r>
               <a:rPr lang="en-CA" dirty="0"/>
-              <a:t>Set 8: PSE Building</a:t>
+              <a:t>Set 6: Ross Building</a:t>
             </a:r>
           </a:p>
         </p:txBody>
@@ -4884,7 +4455,7 @@
         <p:spPr>
           <a:xfrm>
             <a:off x="628650" y="735647"/>
-            <a:ext cx="7886700" cy="1800000"/>
+            <a:ext cx="7886700" cy="1440000"/>
           </a:xfrm>
         </p:spPr>
         <p:txBody>
@@ -4899,9 +4470,17 @@
           <a:p>
             <a:pPr lvl="1"/>
             <a:r>
-              <a:rPr lang="en-CA" dirty="0"/>
-              <a:t>Scanning all floors (B, G, 2, 3, 4)</a:t>
-            </a:r>
+              <a:rPr lang="en-CA" b="1" dirty="0">
+                <a:solidFill>
+                  <a:srgbClr val="FF0000"/>
+                </a:solidFill>
+              </a:rPr>
+              <a:t>Path: Not determined yet</a:t>
+            </a:r>
+          </a:p>
+          <a:p>
+            <a:pPr lvl="1"/>
+            <a:endParaRPr lang="en-CA" dirty="0"/>
           </a:p>
           <a:p>
             <a:endParaRPr lang="en-CA" dirty="0"/>
@@ -4979,7 +4558,7 @@
           <p:cNvPr id="7" name="Rectangle 6">
             <a:extLst>
               <a:ext uri="{FF2B5EF4-FFF2-40B4-BE49-F238E27FC236}">
-                <a16:creationId xmlns:a16="http://schemas.microsoft.com/office/drawing/2014/main" id="{2BF0DE2A-3BEC-4342-818A-252020DBA67D}"/>
+                <a16:creationId xmlns:a16="http://schemas.microsoft.com/office/drawing/2014/main" id="{7735F9C5-4567-4F55-8992-D2F27F1B45FB}"/>
               </a:ext>
             </a:extLst>
           </p:cNvPr>
@@ -4987,9 +4566,9 @@
           <p:nvPr/>
         </p:nvSpPr>
         <p:spPr>
-          <a:xfrm rot="20590258">
-            <a:off x="1323167" y="3771730"/>
-            <a:ext cx="700576" cy="655199"/>
+          <a:xfrm rot="20651112">
+            <a:off x="3427708" y="4308951"/>
+            <a:ext cx="1259638" cy="2254173"/>
           </a:xfrm>
           <a:prstGeom prst="rect">
             <a:avLst/>
@@ -5033,7 +4612,7 @@
     </p:spTree>
     <p:extLst>
       <p:ext uri="{BB962C8B-B14F-4D97-AF65-F5344CB8AC3E}">
-        <p14:creationId xmlns:p14="http://schemas.microsoft.com/office/powerpoint/2010/main" val="2479446583"/>
+        <p14:creationId xmlns:p14="http://schemas.microsoft.com/office/powerpoint/2010/main" val="3454665671"/>
       </p:ext>
     </p:extLst>
   </p:cSld>
@@ -5088,7 +4667,7 @@
           <a:p>
             <a:r>
               <a:rPr lang="en-CA" dirty="0"/>
-              <a:t>Set 9: Chemistry Building</a:t>
+              <a:t>Set 7: Campus Walk</a:t>
             </a:r>
           </a:p>
         </p:txBody>
@@ -5112,7 +4691,7 @@
         <p:spPr>
           <a:xfrm>
             <a:off x="628650" y="735647"/>
-            <a:ext cx="7886700" cy="4809717"/>
+            <a:ext cx="7886700" cy="1800000"/>
           </a:xfrm>
         </p:spPr>
         <p:txBody>
@@ -5121,18 +4700,10 @@
           <a:p>
             <a:r>
               <a:rPr lang="en-CA" dirty="0"/>
-              <a:t>All Indoor Path</a:t>
-            </a:r>
-          </a:p>
-          <a:p>
-            <a:pPr lvl="1"/>
-            <a:r>
-              <a:rPr lang="en-CA" dirty="0"/>
-              <a:t>Scanning all floors (G, 2, 3, 4)</a:t>
-            </a:r>
-          </a:p>
-          <a:p>
-            <a:pPr lvl="1"/>
+              <a:t>All Outdoor Path</a:t>
+            </a:r>
+          </a:p>
+          <a:p>
             <a:endParaRPr lang="en-CA" dirty="0"/>
           </a:p>
         </p:txBody>
@@ -5205,10 +4776,10 @@
       </p:pic>
       <p:sp>
         <p:nvSpPr>
-          <p:cNvPr id="7" name="Rectangle 6">
-            <a:extLst>
-              <a:ext uri="{FF2B5EF4-FFF2-40B4-BE49-F238E27FC236}">
-                <a16:creationId xmlns:a16="http://schemas.microsoft.com/office/drawing/2014/main" id="{59ABA43B-FAFD-4A88-988D-9A4B42DD2668}"/>
+          <p:cNvPr id="7" name="Star: 5 Points 6">
+            <a:extLst>
+              <a:ext uri="{FF2B5EF4-FFF2-40B4-BE49-F238E27FC236}">
+                <a16:creationId xmlns:a16="http://schemas.microsoft.com/office/drawing/2014/main" id="{FB1274EC-123B-4EF3-B562-113E8EFC50E0}"/>
               </a:ext>
             </a:extLst>
           </p:cNvPr>
@@ -5216,9 +4787,1069 @@
           <p:nvPr/>
         </p:nvSpPr>
         <p:spPr>
+          <a:xfrm>
+            <a:off x="7196328" y="2267755"/>
+            <a:ext cx="262128" cy="249936"/>
+          </a:xfrm>
+          <a:prstGeom prst="star5">
+            <a:avLst/>
+          </a:prstGeom>
+          <a:solidFill>
+            <a:srgbClr val="66FF33"/>
+          </a:solidFill>
+          <a:ln>
+            <a:noFill/>
+          </a:ln>
+        </p:spPr>
+        <p:style>
+          <a:lnRef idx="2">
+            <a:schemeClr val="accent1">
+              <a:shade val="50000"/>
+            </a:schemeClr>
+          </a:lnRef>
+          <a:fillRef idx="1">
+            <a:schemeClr val="accent1"/>
+          </a:fillRef>
+          <a:effectRef idx="0">
+            <a:schemeClr val="accent1"/>
+          </a:effectRef>
+          <a:fontRef idx="minor">
+            <a:schemeClr val="lt1"/>
+          </a:fontRef>
+        </p:style>
+        <p:txBody>
+          <a:bodyPr rtlCol="0" anchor="ctr"/>
+          <a:lstStyle/>
+          <a:p>
+            <a:pPr algn="ctr"/>
+            <a:endParaRPr lang="en-CA"/>
+          </a:p>
+        </p:txBody>
+      </p:sp>
+      <p:cxnSp>
+        <p:nvCxnSpPr>
+          <p:cNvPr id="9" name="Straight Arrow Connector 8">
+            <a:extLst>
+              <a:ext uri="{FF2B5EF4-FFF2-40B4-BE49-F238E27FC236}">
+                <a16:creationId xmlns:a16="http://schemas.microsoft.com/office/drawing/2014/main" id="{5E505C69-1135-483F-BABF-EAFC045A700A}"/>
+              </a:ext>
+            </a:extLst>
+          </p:cNvPr>
+          <p:cNvCxnSpPr>
+            <a:cxnSpLocks/>
+          </p:cNvCxnSpPr>
+          <p:nvPr/>
+        </p:nvCxnSpPr>
+        <p:spPr>
+          <a:xfrm flipH="1">
+            <a:off x="6963060" y="2560320"/>
+            <a:ext cx="254604" cy="207264"/>
+          </a:xfrm>
+          <a:prstGeom prst="straightConnector1">
+            <a:avLst/>
+          </a:prstGeom>
+          <a:ln w="57150">
+            <a:solidFill>
+              <a:srgbClr val="FF0000"/>
+            </a:solidFill>
+            <a:tailEnd type="triangle"/>
+          </a:ln>
+        </p:spPr>
+        <p:style>
+          <a:lnRef idx="1">
+            <a:schemeClr val="accent1"/>
+          </a:lnRef>
+          <a:fillRef idx="0">
+            <a:schemeClr val="accent1"/>
+          </a:fillRef>
+          <a:effectRef idx="0">
+            <a:schemeClr val="accent1"/>
+          </a:effectRef>
+          <a:fontRef idx="minor">
+            <a:schemeClr val="tx1"/>
+          </a:fontRef>
+        </p:style>
+      </p:cxnSp>
+      <p:cxnSp>
+        <p:nvCxnSpPr>
+          <p:cNvPr id="11" name="Straight Arrow Connector 10">
+            <a:extLst>
+              <a:ext uri="{FF2B5EF4-FFF2-40B4-BE49-F238E27FC236}">
+                <a16:creationId xmlns:a16="http://schemas.microsoft.com/office/drawing/2014/main" id="{5B44C62A-000F-47BC-A214-D44CBC4728A8}"/>
+              </a:ext>
+            </a:extLst>
+          </p:cNvPr>
+          <p:cNvCxnSpPr>
+            <a:cxnSpLocks/>
+          </p:cNvCxnSpPr>
+          <p:nvPr/>
+        </p:nvCxnSpPr>
+        <p:spPr>
+          <a:xfrm flipH="1">
+            <a:off x="5894832" y="2740605"/>
+            <a:ext cx="1046698" cy="356163"/>
+          </a:xfrm>
+          <a:prstGeom prst="straightConnector1">
+            <a:avLst/>
+          </a:prstGeom>
+          <a:ln w="57150">
+            <a:solidFill>
+              <a:srgbClr val="FF0000"/>
+            </a:solidFill>
+            <a:tailEnd type="triangle"/>
+          </a:ln>
+        </p:spPr>
+        <p:style>
+          <a:lnRef idx="1">
+            <a:schemeClr val="accent1"/>
+          </a:lnRef>
+          <a:fillRef idx="0">
+            <a:schemeClr val="accent1"/>
+          </a:fillRef>
+          <a:effectRef idx="0">
+            <a:schemeClr val="accent1"/>
+          </a:effectRef>
+          <a:fontRef idx="minor">
+            <a:schemeClr val="tx1"/>
+          </a:fontRef>
+        </p:style>
+      </p:cxnSp>
+      <p:cxnSp>
+        <p:nvCxnSpPr>
+          <p:cNvPr id="13" name="Straight Arrow Connector 12">
+            <a:extLst>
+              <a:ext uri="{FF2B5EF4-FFF2-40B4-BE49-F238E27FC236}">
+                <a16:creationId xmlns:a16="http://schemas.microsoft.com/office/drawing/2014/main" id="{ADE33FB0-E524-49E8-B7FB-3626AABADA0A}"/>
+              </a:ext>
+            </a:extLst>
+          </p:cNvPr>
+          <p:cNvCxnSpPr>
+            <a:cxnSpLocks/>
+          </p:cNvCxnSpPr>
+          <p:nvPr/>
+        </p:nvCxnSpPr>
+        <p:spPr>
+          <a:xfrm flipH="1">
+            <a:off x="5401056" y="3140505"/>
+            <a:ext cx="493776" cy="352503"/>
+          </a:xfrm>
+          <a:prstGeom prst="straightConnector1">
+            <a:avLst/>
+          </a:prstGeom>
+          <a:ln w="57150">
+            <a:solidFill>
+              <a:srgbClr val="FF0000"/>
+            </a:solidFill>
+            <a:tailEnd type="triangle"/>
+          </a:ln>
+        </p:spPr>
+        <p:style>
+          <a:lnRef idx="1">
+            <a:schemeClr val="accent1"/>
+          </a:lnRef>
+          <a:fillRef idx="0">
+            <a:schemeClr val="accent1"/>
+          </a:fillRef>
+          <a:effectRef idx="0">
+            <a:schemeClr val="accent1"/>
+          </a:effectRef>
+          <a:fontRef idx="minor">
+            <a:schemeClr val="tx1"/>
+          </a:fontRef>
+        </p:style>
+      </p:cxnSp>
+      <p:cxnSp>
+        <p:nvCxnSpPr>
+          <p:cNvPr id="15" name="Straight Arrow Connector 14">
+            <a:extLst>
+              <a:ext uri="{FF2B5EF4-FFF2-40B4-BE49-F238E27FC236}">
+                <a16:creationId xmlns:a16="http://schemas.microsoft.com/office/drawing/2014/main" id="{450E5400-5F6F-4982-8D60-F379559B512B}"/>
+              </a:ext>
+            </a:extLst>
+          </p:cNvPr>
+          <p:cNvCxnSpPr>
+            <a:cxnSpLocks/>
+          </p:cNvCxnSpPr>
+          <p:nvPr/>
+        </p:nvCxnSpPr>
+        <p:spPr>
+          <a:xfrm flipH="1">
+            <a:off x="4145280" y="3512362"/>
+            <a:ext cx="1194816" cy="370790"/>
+          </a:xfrm>
+          <a:prstGeom prst="straightConnector1">
+            <a:avLst/>
+          </a:prstGeom>
+          <a:ln w="57150">
+            <a:solidFill>
+              <a:srgbClr val="FF0000"/>
+            </a:solidFill>
+            <a:tailEnd type="triangle"/>
+          </a:ln>
+        </p:spPr>
+        <p:style>
+          <a:lnRef idx="1">
+            <a:schemeClr val="accent1"/>
+          </a:lnRef>
+          <a:fillRef idx="0">
+            <a:schemeClr val="accent1"/>
+          </a:fillRef>
+          <a:effectRef idx="0">
+            <a:schemeClr val="accent1"/>
+          </a:effectRef>
+          <a:fontRef idx="minor">
+            <a:schemeClr val="tx1"/>
+          </a:fontRef>
+        </p:style>
+      </p:cxnSp>
+      <p:cxnSp>
+        <p:nvCxnSpPr>
+          <p:cNvPr id="17" name="Straight Arrow Connector 16">
+            <a:extLst>
+              <a:ext uri="{FF2B5EF4-FFF2-40B4-BE49-F238E27FC236}">
+                <a16:creationId xmlns:a16="http://schemas.microsoft.com/office/drawing/2014/main" id="{795274B9-67BF-4CB7-ADAA-FDC1A9D63FE5}"/>
+              </a:ext>
+            </a:extLst>
+          </p:cNvPr>
+          <p:cNvCxnSpPr>
+            <a:cxnSpLocks/>
+          </p:cNvCxnSpPr>
+          <p:nvPr/>
+        </p:nvCxnSpPr>
+        <p:spPr>
+          <a:xfrm flipH="1">
+            <a:off x="2200656" y="3919728"/>
+            <a:ext cx="1944624" cy="664464"/>
+          </a:xfrm>
+          <a:prstGeom prst="straightConnector1">
+            <a:avLst/>
+          </a:prstGeom>
+          <a:ln w="57150">
+            <a:solidFill>
+              <a:srgbClr val="FF0000"/>
+            </a:solidFill>
+            <a:tailEnd type="triangle"/>
+          </a:ln>
+        </p:spPr>
+        <p:style>
+          <a:lnRef idx="1">
+            <a:schemeClr val="accent1"/>
+          </a:lnRef>
+          <a:fillRef idx="0">
+            <a:schemeClr val="accent1"/>
+          </a:fillRef>
+          <a:effectRef idx="0">
+            <a:schemeClr val="accent1"/>
+          </a:effectRef>
+          <a:fontRef idx="minor">
+            <a:schemeClr val="tx1"/>
+          </a:fontRef>
+        </p:style>
+      </p:cxnSp>
+      <p:cxnSp>
+        <p:nvCxnSpPr>
+          <p:cNvPr id="24" name="Straight Arrow Connector 23">
+            <a:extLst>
+              <a:ext uri="{FF2B5EF4-FFF2-40B4-BE49-F238E27FC236}">
+                <a16:creationId xmlns:a16="http://schemas.microsoft.com/office/drawing/2014/main" id="{FD51844D-8092-4A54-9130-C88027CCE563}"/>
+              </a:ext>
+            </a:extLst>
+          </p:cNvPr>
+          <p:cNvCxnSpPr>
+            <a:cxnSpLocks/>
+          </p:cNvCxnSpPr>
+          <p:nvPr/>
+        </p:nvCxnSpPr>
+        <p:spPr>
+          <a:xfrm flipH="1" flipV="1">
+            <a:off x="1773936" y="4468368"/>
+            <a:ext cx="402336" cy="103632"/>
+          </a:xfrm>
+          <a:prstGeom prst="straightConnector1">
+            <a:avLst/>
+          </a:prstGeom>
+          <a:ln w="57150">
+            <a:solidFill>
+              <a:srgbClr val="FF0000"/>
+            </a:solidFill>
+            <a:tailEnd type="triangle"/>
+          </a:ln>
+        </p:spPr>
+        <p:style>
+          <a:lnRef idx="1">
+            <a:schemeClr val="accent1"/>
+          </a:lnRef>
+          <a:fillRef idx="0">
+            <a:schemeClr val="accent1"/>
+          </a:fillRef>
+          <a:effectRef idx="0">
+            <a:schemeClr val="accent1"/>
+          </a:effectRef>
+          <a:fontRef idx="minor">
+            <a:schemeClr val="tx1"/>
+          </a:fontRef>
+        </p:style>
+      </p:cxnSp>
+      <p:cxnSp>
+        <p:nvCxnSpPr>
+          <p:cNvPr id="26" name="Straight Arrow Connector 25">
+            <a:extLst>
+              <a:ext uri="{FF2B5EF4-FFF2-40B4-BE49-F238E27FC236}">
+                <a16:creationId xmlns:a16="http://schemas.microsoft.com/office/drawing/2014/main" id="{F89719F7-774E-49C7-9010-838490B3A24C}"/>
+              </a:ext>
+            </a:extLst>
+          </p:cNvPr>
+          <p:cNvCxnSpPr>
+            <a:cxnSpLocks/>
+          </p:cNvCxnSpPr>
+          <p:nvPr/>
+        </p:nvCxnSpPr>
+        <p:spPr>
+          <a:xfrm flipH="1">
+            <a:off x="530352" y="4498848"/>
+            <a:ext cx="1237488" cy="390144"/>
+          </a:xfrm>
+          <a:prstGeom prst="straightConnector1">
+            <a:avLst/>
+          </a:prstGeom>
+          <a:ln w="57150">
+            <a:solidFill>
+              <a:srgbClr val="FF0000"/>
+            </a:solidFill>
+            <a:tailEnd type="triangle"/>
+          </a:ln>
+        </p:spPr>
+        <p:style>
+          <a:lnRef idx="1">
+            <a:schemeClr val="accent1"/>
+          </a:lnRef>
+          <a:fillRef idx="0">
+            <a:schemeClr val="accent1"/>
+          </a:fillRef>
+          <a:effectRef idx="0">
+            <a:schemeClr val="accent1"/>
+          </a:effectRef>
+          <a:fontRef idx="minor">
+            <a:schemeClr val="tx1"/>
+          </a:fontRef>
+        </p:style>
+      </p:cxnSp>
+      <p:cxnSp>
+        <p:nvCxnSpPr>
+          <p:cNvPr id="31" name="Straight Arrow Connector 30">
+            <a:extLst>
+              <a:ext uri="{FF2B5EF4-FFF2-40B4-BE49-F238E27FC236}">
+                <a16:creationId xmlns:a16="http://schemas.microsoft.com/office/drawing/2014/main" id="{BB0297D5-F056-4A70-AADE-6585462F636A}"/>
+              </a:ext>
+            </a:extLst>
+          </p:cNvPr>
+          <p:cNvCxnSpPr>
+            <a:cxnSpLocks/>
+          </p:cNvCxnSpPr>
+          <p:nvPr/>
+        </p:nvCxnSpPr>
+        <p:spPr>
+          <a:xfrm>
+            <a:off x="615696" y="4956048"/>
+            <a:ext cx="304800" cy="835152"/>
+          </a:xfrm>
+          <a:prstGeom prst="straightConnector1">
+            <a:avLst/>
+          </a:prstGeom>
+          <a:ln w="57150">
+            <a:solidFill>
+              <a:srgbClr val="FF0000"/>
+            </a:solidFill>
+            <a:tailEnd type="triangle"/>
+          </a:ln>
+        </p:spPr>
+        <p:style>
+          <a:lnRef idx="1">
+            <a:schemeClr val="accent1"/>
+          </a:lnRef>
+          <a:fillRef idx="0">
+            <a:schemeClr val="accent1"/>
+          </a:fillRef>
+          <a:effectRef idx="0">
+            <a:schemeClr val="accent1"/>
+          </a:effectRef>
+          <a:fontRef idx="minor">
+            <a:schemeClr val="tx1"/>
+          </a:fontRef>
+        </p:style>
+      </p:cxnSp>
+      <p:cxnSp>
+        <p:nvCxnSpPr>
+          <p:cNvPr id="34" name="Straight Arrow Connector 33">
+            <a:extLst>
+              <a:ext uri="{FF2B5EF4-FFF2-40B4-BE49-F238E27FC236}">
+                <a16:creationId xmlns:a16="http://schemas.microsoft.com/office/drawing/2014/main" id="{F0E32B74-3483-4AFC-8C38-F7B2BCDD7656}"/>
+              </a:ext>
+            </a:extLst>
+          </p:cNvPr>
+          <p:cNvCxnSpPr>
+            <a:cxnSpLocks/>
+          </p:cNvCxnSpPr>
+          <p:nvPr/>
+        </p:nvCxnSpPr>
+        <p:spPr>
+          <a:xfrm flipV="1">
+            <a:off x="944880" y="5297424"/>
+            <a:ext cx="1389888" cy="493776"/>
+          </a:xfrm>
+          <a:prstGeom prst="straightConnector1">
+            <a:avLst/>
+          </a:prstGeom>
+          <a:ln w="57150">
+            <a:solidFill>
+              <a:srgbClr val="FF0000"/>
+            </a:solidFill>
+            <a:tailEnd type="triangle"/>
+          </a:ln>
+        </p:spPr>
+        <p:style>
+          <a:lnRef idx="1">
+            <a:schemeClr val="accent1"/>
+          </a:lnRef>
+          <a:fillRef idx="0">
+            <a:schemeClr val="accent1"/>
+          </a:fillRef>
+          <a:effectRef idx="0">
+            <a:schemeClr val="accent1"/>
+          </a:effectRef>
+          <a:fontRef idx="minor">
+            <a:schemeClr val="tx1"/>
+          </a:fontRef>
+        </p:style>
+      </p:cxnSp>
+      <p:cxnSp>
+        <p:nvCxnSpPr>
+          <p:cNvPr id="36" name="Straight Arrow Connector 35">
+            <a:extLst>
+              <a:ext uri="{FF2B5EF4-FFF2-40B4-BE49-F238E27FC236}">
+                <a16:creationId xmlns:a16="http://schemas.microsoft.com/office/drawing/2014/main" id="{C16F6500-CC6D-4DB2-9400-8DA6B6959042}"/>
+              </a:ext>
+            </a:extLst>
+          </p:cNvPr>
+          <p:cNvCxnSpPr>
+            <a:cxnSpLocks/>
+          </p:cNvCxnSpPr>
+          <p:nvPr/>
+        </p:nvCxnSpPr>
+        <p:spPr>
+          <a:xfrm flipH="1" flipV="1">
+            <a:off x="2261616" y="4651248"/>
+            <a:ext cx="24384" cy="573024"/>
+          </a:xfrm>
+          <a:prstGeom prst="straightConnector1">
+            <a:avLst/>
+          </a:prstGeom>
+          <a:ln w="57150">
+            <a:solidFill>
+              <a:srgbClr val="FF0000"/>
+            </a:solidFill>
+            <a:tailEnd type="triangle"/>
+          </a:ln>
+        </p:spPr>
+        <p:style>
+          <a:lnRef idx="1">
+            <a:schemeClr val="accent1"/>
+          </a:lnRef>
+          <a:fillRef idx="0">
+            <a:schemeClr val="accent1"/>
+          </a:fillRef>
+          <a:effectRef idx="0">
+            <a:schemeClr val="accent1"/>
+          </a:effectRef>
+          <a:fontRef idx="minor">
+            <a:schemeClr val="tx1"/>
+          </a:fontRef>
+        </p:style>
+      </p:cxnSp>
+      <p:cxnSp>
+        <p:nvCxnSpPr>
+          <p:cNvPr id="39" name="Straight Arrow Connector 38">
+            <a:extLst>
+              <a:ext uri="{FF2B5EF4-FFF2-40B4-BE49-F238E27FC236}">
+                <a16:creationId xmlns:a16="http://schemas.microsoft.com/office/drawing/2014/main" id="{07FEE7F3-76E6-4A85-A141-7648A62B395B}"/>
+              </a:ext>
+            </a:extLst>
+          </p:cNvPr>
+          <p:cNvCxnSpPr>
+            <a:cxnSpLocks/>
+          </p:cNvCxnSpPr>
+          <p:nvPr/>
+        </p:nvCxnSpPr>
+        <p:spPr>
+          <a:xfrm flipV="1">
+            <a:off x="2334768" y="4017264"/>
+            <a:ext cx="1859280" cy="640080"/>
+          </a:xfrm>
+          <a:prstGeom prst="straightConnector1">
+            <a:avLst/>
+          </a:prstGeom>
+          <a:ln w="57150">
+            <a:solidFill>
+              <a:srgbClr val="FF0000"/>
+            </a:solidFill>
+            <a:tailEnd type="triangle"/>
+          </a:ln>
+        </p:spPr>
+        <p:style>
+          <a:lnRef idx="1">
+            <a:schemeClr val="accent1"/>
+          </a:lnRef>
+          <a:fillRef idx="0">
+            <a:schemeClr val="accent1"/>
+          </a:fillRef>
+          <a:effectRef idx="0">
+            <a:schemeClr val="accent1"/>
+          </a:effectRef>
+          <a:fontRef idx="minor">
+            <a:schemeClr val="tx1"/>
+          </a:fontRef>
+        </p:style>
+      </p:cxnSp>
+      <p:cxnSp>
+        <p:nvCxnSpPr>
+          <p:cNvPr id="41" name="Straight Arrow Connector 40">
+            <a:extLst>
+              <a:ext uri="{FF2B5EF4-FFF2-40B4-BE49-F238E27FC236}">
+                <a16:creationId xmlns:a16="http://schemas.microsoft.com/office/drawing/2014/main" id="{298037CD-A51C-49FB-90E4-EA723FA1480A}"/>
+              </a:ext>
+            </a:extLst>
+          </p:cNvPr>
+          <p:cNvCxnSpPr>
+            <a:cxnSpLocks/>
+          </p:cNvCxnSpPr>
+          <p:nvPr/>
+        </p:nvCxnSpPr>
+        <p:spPr>
+          <a:xfrm flipV="1">
+            <a:off x="4230624" y="3608832"/>
+            <a:ext cx="1164336" cy="402336"/>
+          </a:xfrm>
+          <a:prstGeom prst="straightConnector1">
+            <a:avLst/>
+          </a:prstGeom>
+          <a:ln w="57150">
+            <a:solidFill>
+              <a:srgbClr val="FF0000"/>
+            </a:solidFill>
+            <a:tailEnd type="triangle"/>
+          </a:ln>
+        </p:spPr>
+        <p:style>
+          <a:lnRef idx="1">
+            <a:schemeClr val="accent1"/>
+          </a:lnRef>
+          <a:fillRef idx="0">
+            <a:schemeClr val="accent1"/>
+          </a:fillRef>
+          <a:effectRef idx="0">
+            <a:schemeClr val="accent1"/>
+          </a:effectRef>
+          <a:fontRef idx="minor">
+            <a:schemeClr val="tx1"/>
+          </a:fontRef>
+        </p:style>
+      </p:cxnSp>
+      <p:cxnSp>
+        <p:nvCxnSpPr>
+          <p:cNvPr id="43" name="Straight Arrow Connector 42">
+            <a:extLst>
+              <a:ext uri="{FF2B5EF4-FFF2-40B4-BE49-F238E27FC236}">
+                <a16:creationId xmlns:a16="http://schemas.microsoft.com/office/drawing/2014/main" id="{DA93D456-3475-4CD8-903E-8779B8CF3E96}"/>
+              </a:ext>
+            </a:extLst>
+          </p:cNvPr>
+          <p:cNvCxnSpPr>
+            <a:cxnSpLocks/>
+          </p:cNvCxnSpPr>
+          <p:nvPr/>
+        </p:nvCxnSpPr>
+        <p:spPr>
+          <a:xfrm flipV="1">
+            <a:off x="5449824" y="3230880"/>
+            <a:ext cx="554736" cy="371856"/>
+          </a:xfrm>
+          <a:prstGeom prst="straightConnector1">
+            <a:avLst/>
+          </a:prstGeom>
+          <a:ln w="57150">
+            <a:solidFill>
+              <a:srgbClr val="FF0000"/>
+            </a:solidFill>
+            <a:tailEnd type="triangle"/>
+          </a:ln>
+        </p:spPr>
+        <p:style>
+          <a:lnRef idx="1">
+            <a:schemeClr val="accent1"/>
+          </a:lnRef>
+          <a:fillRef idx="0">
+            <a:schemeClr val="accent1"/>
+          </a:fillRef>
+          <a:effectRef idx="0">
+            <a:schemeClr val="accent1"/>
+          </a:effectRef>
+          <a:fontRef idx="minor">
+            <a:schemeClr val="tx1"/>
+          </a:fontRef>
+        </p:style>
+      </p:cxnSp>
+      <p:cxnSp>
+        <p:nvCxnSpPr>
+          <p:cNvPr id="45" name="Straight Arrow Connector 44">
+            <a:extLst>
+              <a:ext uri="{FF2B5EF4-FFF2-40B4-BE49-F238E27FC236}">
+                <a16:creationId xmlns:a16="http://schemas.microsoft.com/office/drawing/2014/main" id="{12714248-8F29-4A57-9F0A-679C495DFA6E}"/>
+              </a:ext>
+            </a:extLst>
+          </p:cNvPr>
+          <p:cNvCxnSpPr>
+            <a:cxnSpLocks/>
+          </p:cNvCxnSpPr>
+          <p:nvPr/>
+        </p:nvCxnSpPr>
+        <p:spPr>
+          <a:xfrm flipV="1">
+            <a:off x="6028944" y="2852928"/>
+            <a:ext cx="981456" cy="359664"/>
+          </a:xfrm>
+          <a:prstGeom prst="straightConnector1">
+            <a:avLst/>
+          </a:prstGeom>
+          <a:ln w="57150">
+            <a:solidFill>
+              <a:srgbClr val="FF0000"/>
+            </a:solidFill>
+            <a:tailEnd type="triangle"/>
+          </a:ln>
+        </p:spPr>
+        <p:style>
+          <a:lnRef idx="1">
+            <a:schemeClr val="accent1"/>
+          </a:lnRef>
+          <a:fillRef idx="0">
+            <a:schemeClr val="accent1"/>
+          </a:fillRef>
+          <a:effectRef idx="0">
+            <a:schemeClr val="accent1"/>
+          </a:effectRef>
+          <a:fontRef idx="minor">
+            <a:schemeClr val="tx1"/>
+          </a:fontRef>
+        </p:style>
+      </p:cxnSp>
+      <p:cxnSp>
+        <p:nvCxnSpPr>
+          <p:cNvPr id="47" name="Straight Arrow Connector 46">
+            <a:extLst>
+              <a:ext uri="{FF2B5EF4-FFF2-40B4-BE49-F238E27FC236}">
+                <a16:creationId xmlns:a16="http://schemas.microsoft.com/office/drawing/2014/main" id="{DCC86058-7EC6-4D69-9C7A-B3667B3A7440}"/>
+              </a:ext>
+            </a:extLst>
+          </p:cNvPr>
+          <p:cNvCxnSpPr>
+            <a:cxnSpLocks/>
+          </p:cNvCxnSpPr>
+          <p:nvPr/>
+        </p:nvCxnSpPr>
+        <p:spPr>
+          <a:xfrm flipV="1">
+            <a:off x="7053072" y="2542032"/>
+            <a:ext cx="341376" cy="298704"/>
+          </a:xfrm>
+          <a:prstGeom prst="straightConnector1">
+            <a:avLst/>
+          </a:prstGeom>
+          <a:ln w="57150">
+            <a:solidFill>
+              <a:srgbClr val="FF0000"/>
+            </a:solidFill>
+            <a:tailEnd type="triangle"/>
+          </a:ln>
+        </p:spPr>
+        <p:style>
+          <a:lnRef idx="1">
+            <a:schemeClr val="accent1"/>
+          </a:lnRef>
+          <a:fillRef idx="0">
+            <a:schemeClr val="accent1"/>
+          </a:fillRef>
+          <a:effectRef idx="0">
+            <a:schemeClr val="accent1"/>
+          </a:effectRef>
+          <a:fontRef idx="minor">
+            <a:schemeClr val="tx1"/>
+          </a:fontRef>
+        </p:style>
+      </p:cxnSp>
+      <p:cxnSp>
+        <p:nvCxnSpPr>
+          <p:cNvPr id="22" name="Straight Arrow Connector 21">
+            <a:extLst>
+              <a:ext uri="{FF2B5EF4-FFF2-40B4-BE49-F238E27FC236}">
+                <a16:creationId xmlns:a16="http://schemas.microsoft.com/office/drawing/2014/main" id="{679CBFDC-110A-4C31-91B4-F6738F4582C7}"/>
+              </a:ext>
+            </a:extLst>
+          </p:cNvPr>
+          <p:cNvCxnSpPr>
+            <a:cxnSpLocks/>
+          </p:cNvCxnSpPr>
+          <p:nvPr/>
+        </p:nvCxnSpPr>
+        <p:spPr>
+          <a:xfrm>
+            <a:off x="5823712" y="3463085"/>
+            <a:ext cx="104648" cy="318975"/>
+          </a:xfrm>
+          <a:prstGeom prst="straightConnector1">
+            <a:avLst/>
+          </a:prstGeom>
+          <a:ln w="57150">
+            <a:solidFill>
+              <a:srgbClr val="FF0000"/>
+            </a:solidFill>
+            <a:tailEnd type="triangle"/>
+          </a:ln>
+        </p:spPr>
+        <p:style>
+          <a:lnRef idx="1">
+            <a:schemeClr val="accent1"/>
+          </a:lnRef>
+          <a:fillRef idx="0">
+            <a:schemeClr val="accent1"/>
+          </a:fillRef>
+          <a:effectRef idx="0">
+            <a:schemeClr val="accent1"/>
+          </a:effectRef>
+          <a:fontRef idx="minor">
+            <a:schemeClr val="tx1"/>
+          </a:fontRef>
+        </p:style>
+      </p:cxnSp>
+      <p:cxnSp>
+        <p:nvCxnSpPr>
+          <p:cNvPr id="25" name="Straight Arrow Connector 24">
+            <a:extLst>
+              <a:ext uri="{FF2B5EF4-FFF2-40B4-BE49-F238E27FC236}">
+                <a16:creationId xmlns:a16="http://schemas.microsoft.com/office/drawing/2014/main" id="{13310860-897A-4D14-9BC9-15D363BA2FD6}"/>
+              </a:ext>
+            </a:extLst>
+          </p:cNvPr>
+          <p:cNvCxnSpPr>
+            <a:cxnSpLocks/>
+          </p:cNvCxnSpPr>
+          <p:nvPr/>
+        </p:nvCxnSpPr>
+        <p:spPr>
+          <a:xfrm flipH="1" flipV="1">
+            <a:off x="5943600" y="3393440"/>
+            <a:ext cx="103632" cy="321105"/>
+          </a:xfrm>
+          <a:prstGeom prst="straightConnector1">
+            <a:avLst/>
+          </a:prstGeom>
+          <a:ln w="57150">
+            <a:solidFill>
+              <a:srgbClr val="FF0000"/>
+            </a:solidFill>
+            <a:tailEnd type="triangle"/>
+          </a:ln>
+        </p:spPr>
+        <p:style>
+          <a:lnRef idx="1">
+            <a:schemeClr val="accent1"/>
+          </a:lnRef>
+          <a:fillRef idx="0">
+            <a:schemeClr val="accent1"/>
+          </a:fillRef>
+          <a:effectRef idx="0">
+            <a:schemeClr val="accent1"/>
+          </a:effectRef>
+          <a:fontRef idx="minor">
+            <a:schemeClr val="tx1"/>
+          </a:fontRef>
+        </p:style>
+      </p:cxnSp>
+      <p:cxnSp>
+        <p:nvCxnSpPr>
+          <p:cNvPr id="27" name="Straight Arrow Connector 26">
+            <a:extLst>
+              <a:ext uri="{FF2B5EF4-FFF2-40B4-BE49-F238E27FC236}">
+                <a16:creationId xmlns:a16="http://schemas.microsoft.com/office/drawing/2014/main" id="{69631C9F-F666-43C7-9952-E06056E01319}"/>
+              </a:ext>
+            </a:extLst>
+          </p:cNvPr>
+          <p:cNvCxnSpPr>
+            <a:cxnSpLocks/>
+          </p:cNvCxnSpPr>
+          <p:nvPr/>
+        </p:nvCxnSpPr>
+        <p:spPr>
+          <a:xfrm>
+            <a:off x="4830066" y="3879645"/>
+            <a:ext cx="115314" cy="322785"/>
+          </a:xfrm>
+          <a:prstGeom prst="straightConnector1">
+            <a:avLst/>
+          </a:prstGeom>
+          <a:ln w="57150">
+            <a:solidFill>
+              <a:srgbClr val="FF0000"/>
+            </a:solidFill>
+            <a:tailEnd type="triangle"/>
+          </a:ln>
+        </p:spPr>
+        <p:style>
+          <a:lnRef idx="1">
+            <a:schemeClr val="accent1"/>
+          </a:lnRef>
+          <a:fillRef idx="0">
+            <a:schemeClr val="accent1"/>
+          </a:fillRef>
+          <a:effectRef idx="0">
+            <a:schemeClr val="accent1"/>
+          </a:effectRef>
+          <a:fontRef idx="minor">
+            <a:schemeClr val="tx1"/>
+          </a:fontRef>
+        </p:style>
+      </p:cxnSp>
+      <p:cxnSp>
+        <p:nvCxnSpPr>
+          <p:cNvPr id="28" name="Straight Arrow Connector 27">
+            <a:extLst>
+              <a:ext uri="{FF2B5EF4-FFF2-40B4-BE49-F238E27FC236}">
+                <a16:creationId xmlns:a16="http://schemas.microsoft.com/office/drawing/2014/main" id="{BE873A91-D5E4-4576-8419-B049B9A86B71}"/>
+              </a:ext>
+            </a:extLst>
+          </p:cNvPr>
+          <p:cNvCxnSpPr>
+            <a:cxnSpLocks/>
+          </p:cNvCxnSpPr>
+          <p:nvPr/>
+        </p:nvCxnSpPr>
+        <p:spPr>
+          <a:xfrm flipH="1" flipV="1">
+            <a:off x="4980434" y="3802382"/>
+            <a:ext cx="105916" cy="312418"/>
+          </a:xfrm>
+          <a:prstGeom prst="straightConnector1">
+            <a:avLst/>
+          </a:prstGeom>
+          <a:ln w="57150">
+            <a:solidFill>
+              <a:srgbClr val="FF0000"/>
+            </a:solidFill>
+            <a:tailEnd type="triangle"/>
+          </a:ln>
+        </p:spPr>
+        <p:style>
+          <a:lnRef idx="1">
+            <a:schemeClr val="accent1"/>
+          </a:lnRef>
+          <a:fillRef idx="0">
+            <a:schemeClr val="accent1"/>
+          </a:fillRef>
+          <a:effectRef idx="0">
+            <a:schemeClr val="accent1"/>
+          </a:effectRef>
+          <a:fontRef idx="minor">
+            <a:schemeClr val="tx1"/>
+          </a:fontRef>
+        </p:style>
+      </p:cxnSp>
+    </p:spTree>
+    <p:extLst>
+      <p:ext uri="{BB962C8B-B14F-4D97-AF65-F5344CB8AC3E}">
+        <p14:creationId xmlns:p14="http://schemas.microsoft.com/office/powerpoint/2010/main" val="756587673"/>
+      </p:ext>
+    </p:extLst>
+  </p:cSld>
+  <p:clrMapOvr>
+    <a:masterClrMapping/>
+  </p:clrMapOvr>
+</p:sld>
+</file>
+
+<file path=ppt/slides/slide14.xml><?xml version="1.0" encoding="utf-8"?>
+<p:sld xmlns:a="http://schemas.openxmlformats.org/drawingml/2006/main" xmlns:r="http://schemas.openxmlformats.org/officeDocument/2006/relationships" xmlns:p="http://schemas.openxmlformats.org/presentationml/2006/main">
+  <p:cSld>
+    <p:spTree>
+      <p:nvGrpSpPr>
+        <p:cNvPr id="1" name=""/>
+        <p:cNvGrpSpPr/>
+        <p:nvPr/>
+      </p:nvGrpSpPr>
+      <p:grpSpPr>
+        <a:xfrm>
+          <a:off x="0" y="0"/>
+          <a:ext cx="0" cy="0"/>
+          <a:chOff x="0" y="0"/>
+          <a:chExt cx="0" cy="0"/>
+        </a:xfrm>
+      </p:grpSpPr>
+      <p:sp>
+        <p:nvSpPr>
+          <p:cNvPr id="2" name="Title 1">
+            <a:extLst>
+              <a:ext uri="{FF2B5EF4-FFF2-40B4-BE49-F238E27FC236}">
+                <a16:creationId xmlns:a16="http://schemas.microsoft.com/office/drawing/2014/main" id="{A3831144-9A3B-4E88-8412-33193464A006}"/>
+              </a:ext>
+            </a:extLst>
+          </p:cNvPr>
+          <p:cNvSpPr>
+            <a:spLocks noGrp="1"/>
+          </p:cNvSpPr>
+          <p:nvPr>
+            <p:ph type="title"/>
+          </p:nvPr>
+        </p:nvSpPr>
+        <p:spPr>
+          <a:xfrm>
+            <a:off x="0" y="0"/>
+            <a:ext cx="9144000" cy="610234"/>
+          </a:xfrm>
+        </p:spPr>
+        <p:txBody>
+          <a:bodyPr/>
+          <a:lstStyle/>
+          <a:p>
+            <a:r>
+              <a:rPr lang="en-CA" dirty="0"/>
+              <a:t>Set 8: PSE Building</a:t>
+            </a:r>
+          </a:p>
+        </p:txBody>
+      </p:sp>
+      <p:sp>
+        <p:nvSpPr>
+          <p:cNvPr id="3" name="Content Placeholder 2">
+            <a:extLst>
+              <a:ext uri="{FF2B5EF4-FFF2-40B4-BE49-F238E27FC236}">
+                <a16:creationId xmlns:a16="http://schemas.microsoft.com/office/drawing/2014/main" id="{2273D2AB-9E26-45F2-8248-D2CC0D515B9D}"/>
+              </a:ext>
+            </a:extLst>
+          </p:cNvPr>
+          <p:cNvSpPr>
+            <a:spLocks noGrp="1"/>
+          </p:cNvSpPr>
+          <p:nvPr>
+            <p:ph idx="1"/>
+          </p:nvPr>
+        </p:nvSpPr>
+        <p:spPr>
+          <a:xfrm>
+            <a:off x="628650" y="735647"/>
+            <a:ext cx="7886700" cy="1800000"/>
+          </a:xfrm>
+        </p:spPr>
+        <p:txBody>
+          <a:bodyPr/>
+          <a:lstStyle/>
+          <a:p>
+            <a:r>
+              <a:rPr lang="en-CA" dirty="0"/>
+              <a:t>All Indoor Path</a:t>
+            </a:r>
+          </a:p>
+          <a:p>
+            <a:pPr lvl="1"/>
+            <a:r>
+              <a:rPr lang="en-CA" dirty="0"/>
+              <a:t>Scanning all floors (B, G, 2, 3, 4)</a:t>
+            </a:r>
+          </a:p>
+          <a:p>
+            <a:endParaRPr lang="en-CA" dirty="0"/>
+          </a:p>
+        </p:txBody>
+      </p:sp>
+      <p:sp>
+        <p:nvSpPr>
+          <p:cNvPr id="4" name="Slide Number Placeholder 3">
+            <a:extLst>
+              <a:ext uri="{FF2B5EF4-FFF2-40B4-BE49-F238E27FC236}">
+                <a16:creationId xmlns:a16="http://schemas.microsoft.com/office/drawing/2014/main" id="{79BA9CFF-D78D-49A8-9AB8-DEC246CAD4F6}"/>
+              </a:ext>
+            </a:extLst>
+          </p:cNvPr>
+          <p:cNvSpPr>
+            <a:spLocks noGrp="1"/>
+          </p:cNvSpPr>
+          <p:nvPr>
+            <p:ph type="sldNum" sz="quarter" idx="12"/>
+          </p:nvPr>
+        </p:nvSpPr>
+        <p:spPr/>
+        <p:txBody>
+          <a:bodyPr/>
+          <a:lstStyle/>
+          <a:p>
+            <a:fld id="{25FE67DE-5BF6-49D0-BF7A-76F5E776BCA1}" type="slidenum">
+              <a:rPr lang="ko-KR" altLang="en-US" smtClean="0"/>
+              <a:pPr/>
+              <a:t>14</a:t>
+            </a:fld>
+            <a:endParaRPr lang="ko-KR" altLang="en-US" dirty="0"/>
+          </a:p>
+        </p:txBody>
+      </p:sp>
+      <p:pic>
+        <p:nvPicPr>
+          <p:cNvPr id="6" name="Picture 5" descr="A picture containing electronics, circuit&#10;&#10;Description generated with very high confidence">
+            <a:extLst>
+              <a:ext uri="{FF2B5EF4-FFF2-40B4-BE49-F238E27FC236}">
+                <a16:creationId xmlns:a16="http://schemas.microsoft.com/office/drawing/2014/main" id="{D76C2199-8D58-4986-BD90-000B003F19E1}"/>
+              </a:ext>
+            </a:extLst>
+          </p:cNvPr>
+          <p:cNvPicPr>
+            <a:picLocks noChangeAspect="1"/>
+          </p:cNvPicPr>
+          <p:nvPr/>
+        </p:nvPicPr>
+        <p:blipFill>
+          <a:blip r:embed="rId2">
+            <a:extLst>
+              <a:ext uri="{28A0092B-C50C-407E-A947-70E740481C1C}">
+                <a14:useLocalDpi xmlns:a14="http://schemas.microsoft.com/office/drawing/2010/main" val="0"/>
+              </a:ext>
+            </a:extLst>
+          </a:blip>
+          <a:stretch>
+            <a:fillRect/>
+          </a:stretch>
+        </p:blipFill>
+        <p:spPr>
+          <a:xfrm>
+            <a:off x="0" y="1558119"/>
+            <a:ext cx="9144000" cy="5299881"/>
+          </a:xfrm>
+          <a:prstGeom prst="rect">
+            <a:avLst/>
+          </a:prstGeom>
+        </p:spPr>
+      </p:pic>
+      <p:sp>
+        <p:nvSpPr>
+          <p:cNvPr id="7" name="Rectangle 6">
+            <a:extLst>
+              <a:ext uri="{FF2B5EF4-FFF2-40B4-BE49-F238E27FC236}">
+                <a16:creationId xmlns:a16="http://schemas.microsoft.com/office/drawing/2014/main" id="{2BF0DE2A-3BEC-4342-818A-252020DBA67D}"/>
+              </a:ext>
+            </a:extLst>
+          </p:cNvPr>
+          <p:cNvSpPr/>
+          <p:nvPr/>
+        </p:nvSpPr>
+        <p:spPr>
           <a:xfrm rot="20590258">
-            <a:off x="492447" y="3881719"/>
-            <a:ext cx="827188" cy="830885"/>
+            <a:off x="1323167" y="3771730"/>
+            <a:ext cx="700576" cy="655199"/>
           </a:xfrm>
           <a:prstGeom prst="rect">
             <a:avLst/>
@@ -5262,7 +5893,450 @@
     </p:spTree>
     <p:extLst>
       <p:ext uri="{BB962C8B-B14F-4D97-AF65-F5344CB8AC3E}">
+        <p14:creationId xmlns:p14="http://schemas.microsoft.com/office/powerpoint/2010/main" val="2479446583"/>
+      </p:ext>
+    </p:extLst>
+  </p:cSld>
+  <p:clrMapOvr>
+    <a:masterClrMapping/>
+  </p:clrMapOvr>
+</p:sld>
+</file>
+
+<file path=ppt/slides/slide15.xml><?xml version="1.0" encoding="utf-8"?>
+<p:sld xmlns:a="http://schemas.openxmlformats.org/drawingml/2006/main" xmlns:r="http://schemas.openxmlformats.org/officeDocument/2006/relationships" xmlns:p="http://schemas.openxmlformats.org/presentationml/2006/main">
+  <p:cSld>
+    <p:spTree>
+      <p:nvGrpSpPr>
+        <p:cNvPr id="1" name=""/>
+        <p:cNvGrpSpPr/>
+        <p:nvPr/>
+      </p:nvGrpSpPr>
+      <p:grpSpPr>
+        <a:xfrm>
+          <a:off x="0" y="0"/>
+          <a:ext cx="0" cy="0"/>
+          <a:chOff x="0" y="0"/>
+          <a:chExt cx="0" cy="0"/>
+        </a:xfrm>
+      </p:grpSpPr>
+      <p:sp>
+        <p:nvSpPr>
+          <p:cNvPr id="2" name="Title 1">
+            <a:extLst>
+              <a:ext uri="{FF2B5EF4-FFF2-40B4-BE49-F238E27FC236}">
+                <a16:creationId xmlns:a16="http://schemas.microsoft.com/office/drawing/2014/main" id="{A3831144-9A3B-4E88-8412-33193464A006}"/>
+              </a:ext>
+            </a:extLst>
+          </p:cNvPr>
+          <p:cNvSpPr>
+            <a:spLocks noGrp="1"/>
+          </p:cNvSpPr>
+          <p:nvPr>
+            <p:ph type="title"/>
+          </p:nvPr>
+        </p:nvSpPr>
+        <p:spPr>
+          <a:xfrm>
+            <a:off x="0" y="0"/>
+            <a:ext cx="9144000" cy="610234"/>
+          </a:xfrm>
+        </p:spPr>
+        <p:txBody>
+          <a:bodyPr/>
+          <a:lstStyle/>
+          <a:p>
+            <a:r>
+              <a:rPr lang="en-CA" dirty="0"/>
+              <a:t>Set 9: Chemistry Building</a:t>
+            </a:r>
+          </a:p>
+        </p:txBody>
+      </p:sp>
+      <p:sp>
+        <p:nvSpPr>
+          <p:cNvPr id="3" name="Content Placeholder 2">
+            <a:extLst>
+              <a:ext uri="{FF2B5EF4-FFF2-40B4-BE49-F238E27FC236}">
+                <a16:creationId xmlns:a16="http://schemas.microsoft.com/office/drawing/2014/main" id="{2273D2AB-9E26-45F2-8248-D2CC0D515B9D}"/>
+              </a:ext>
+            </a:extLst>
+          </p:cNvPr>
+          <p:cNvSpPr>
+            <a:spLocks noGrp="1"/>
+          </p:cNvSpPr>
+          <p:nvPr>
+            <p:ph idx="1"/>
+          </p:nvPr>
+        </p:nvSpPr>
+        <p:spPr>
+          <a:xfrm>
+            <a:off x="628650" y="735647"/>
+            <a:ext cx="7886700" cy="4809717"/>
+          </a:xfrm>
+        </p:spPr>
+        <p:txBody>
+          <a:bodyPr/>
+          <a:lstStyle/>
+          <a:p>
+            <a:r>
+              <a:rPr lang="en-CA" dirty="0"/>
+              <a:t>All Indoor Path</a:t>
+            </a:r>
+          </a:p>
+          <a:p>
+            <a:pPr lvl="1"/>
+            <a:r>
+              <a:rPr lang="en-CA" dirty="0"/>
+              <a:t>Scanning all floors (G, 2, 3, 4)</a:t>
+            </a:r>
+          </a:p>
+          <a:p>
+            <a:pPr lvl="1"/>
+            <a:endParaRPr lang="en-CA" dirty="0"/>
+          </a:p>
+        </p:txBody>
+      </p:sp>
+      <p:sp>
+        <p:nvSpPr>
+          <p:cNvPr id="4" name="Slide Number Placeholder 3">
+            <a:extLst>
+              <a:ext uri="{FF2B5EF4-FFF2-40B4-BE49-F238E27FC236}">
+                <a16:creationId xmlns:a16="http://schemas.microsoft.com/office/drawing/2014/main" id="{79BA9CFF-D78D-49A8-9AB8-DEC246CAD4F6}"/>
+              </a:ext>
+            </a:extLst>
+          </p:cNvPr>
+          <p:cNvSpPr>
+            <a:spLocks noGrp="1"/>
+          </p:cNvSpPr>
+          <p:nvPr>
+            <p:ph type="sldNum" sz="quarter" idx="12"/>
+          </p:nvPr>
+        </p:nvSpPr>
+        <p:spPr/>
+        <p:txBody>
+          <a:bodyPr/>
+          <a:lstStyle/>
+          <a:p>
+            <a:fld id="{25FE67DE-5BF6-49D0-BF7A-76F5E776BCA1}" type="slidenum">
+              <a:rPr lang="ko-KR" altLang="en-US" smtClean="0"/>
+              <a:pPr/>
+              <a:t>15</a:t>
+            </a:fld>
+            <a:endParaRPr lang="ko-KR" altLang="en-US" dirty="0"/>
+          </a:p>
+        </p:txBody>
+      </p:sp>
+      <p:pic>
+        <p:nvPicPr>
+          <p:cNvPr id="6" name="Picture 5" descr="A picture containing electronics, circuit&#10;&#10;Description generated with very high confidence">
+            <a:extLst>
+              <a:ext uri="{FF2B5EF4-FFF2-40B4-BE49-F238E27FC236}">
+                <a16:creationId xmlns:a16="http://schemas.microsoft.com/office/drawing/2014/main" id="{D76C2199-8D58-4986-BD90-000B003F19E1}"/>
+              </a:ext>
+            </a:extLst>
+          </p:cNvPr>
+          <p:cNvPicPr>
+            <a:picLocks noChangeAspect="1"/>
+          </p:cNvPicPr>
+          <p:nvPr/>
+        </p:nvPicPr>
+        <p:blipFill>
+          <a:blip r:embed="rId2">
+            <a:extLst>
+              <a:ext uri="{28A0092B-C50C-407E-A947-70E740481C1C}">
+                <a14:useLocalDpi xmlns:a14="http://schemas.microsoft.com/office/drawing/2010/main" val="0"/>
+              </a:ext>
+            </a:extLst>
+          </a:blip>
+          <a:stretch>
+            <a:fillRect/>
+          </a:stretch>
+        </p:blipFill>
+        <p:spPr>
+          <a:xfrm>
+            <a:off x="0" y="1558119"/>
+            <a:ext cx="9144000" cy="5299881"/>
+          </a:xfrm>
+          <a:prstGeom prst="rect">
+            <a:avLst/>
+          </a:prstGeom>
+        </p:spPr>
+      </p:pic>
+      <p:sp>
+        <p:nvSpPr>
+          <p:cNvPr id="7" name="Rectangle 6">
+            <a:extLst>
+              <a:ext uri="{FF2B5EF4-FFF2-40B4-BE49-F238E27FC236}">
+                <a16:creationId xmlns:a16="http://schemas.microsoft.com/office/drawing/2014/main" id="{59ABA43B-FAFD-4A88-988D-9A4B42DD2668}"/>
+              </a:ext>
+            </a:extLst>
+          </p:cNvPr>
+          <p:cNvSpPr/>
+          <p:nvPr/>
+        </p:nvSpPr>
+        <p:spPr>
+          <a:xfrm rot="20590258">
+            <a:off x="492447" y="3881719"/>
+            <a:ext cx="827188" cy="830885"/>
+          </a:xfrm>
+          <a:prstGeom prst="rect">
+            <a:avLst/>
+          </a:prstGeom>
+          <a:solidFill>
+            <a:srgbClr val="ED7D31">
+              <a:alpha val="69804"/>
+            </a:srgbClr>
+          </a:solidFill>
+          <a:ln w="57150">
+            <a:solidFill>
+              <a:srgbClr val="FF0000"/>
+            </a:solidFill>
+          </a:ln>
+        </p:spPr>
+        <p:style>
+          <a:lnRef idx="2">
+            <a:schemeClr val="accent1">
+              <a:shade val="50000"/>
+            </a:schemeClr>
+          </a:lnRef>
+          <a:fillRef idx="1">
+            <a:schemeClr val="accent1"/>
+          </a:fillRef>
+          <a:effectRef idx="0">
+            <a:schemeClr val="accent1"/>
+          </a:effectRef>
+          <a:fontRef idx="minor">
+            <a:schemeClr val="lt1"/>
+          </a:fontRef>
+        </p:style>
+        <p:txBody>
+          <a:bodyPr rtlCol="0" anchor="ctr"/>
+          <a:lstStyle/>
+          <a:p>
+            <a:pPr algn="ctr"/>
+            <a:endParaRPr lang="en-CA"/>
+          </a:p>
+        </p:txBody>
+      </p:sp>
+    </p:spTree>
+    <p:extLst>
+      <p:ext uri="{BB962C8B-B14F-4D97-AF65-F5344CB8AC3E}">
         <p14:creationId xmlns:p14="http://schemas.microsoft.com/office/powerpoint/2010/main" val="1632638660"/>
+      </p:ext>
+    </p:extLst>
+  </p:cSld>
+  <p:clrMapOvr>
+    <a:masterClrMapping/>
+  </p:clrMapOvr>
+</p:sld>
+</file>
+
+<file path=ppt/slides/slide16.xml><?xml version="1.0" encoding="utf-8"?>
+<p:sld xmlns:a="http://schemas.openxmlformats.org/drawingml/2006/main" xmlns:r="http://schemas.openxmlformats.org/officeDocument/2006/relationships" xmlns:p="http://schemas.openxmlformats.org/presentationml/2006/main">
+  <p:cSld>
+    <p:spTree>
+      <p:nvGrpSpPr>
+        <p:cNvPr id="1" name=""/>
+        <p:cNvGrpSpPr/>
+        <p:nvPr/>
+      </p:nvGrpSpPr>
+      <p:grpSpPr>
+        <a:xfrm>
+          <a:off x="0" y="0"/>
+          <a:ext cx="0" cy="0"/>
+          <a:chOff x="0" y="0"/>
+          <a:chExt cx="0" cy="0"/>
+        </a:xfrm>
+      </p:grpSpPr>
+      <p:sp>
+        <p:nvSpPr>
+          <p:cNvPr id="2" name="Title 1">
+            <a:extLst>
+              <a:ext uri="{FF2B5EF4-FFF2-40B4-BE49-F238E27FC236}">
+                <a16:creationId xmlns:a16="http://schemas.microsoft.com/office/drawing/2014/main" id="{5ABD9A10-6BE0-4871-8EC4-288A5F4152E7}"/>
+              </a:ext>
+            </a:extLst>
+          </p:cNvPr>
+          <p:cNvSpPr>
+            <a:spLocks noGrp="1"/>
+          </p:cNvSpPr>
+          <p:nvPr>
+            <p:ph type="title"/>
+          </p:nvPr>
+        </p:nvSpPr>
+        <p:spPr/>
+        <p:txBody>
+          <a:bodyPr/>
+          <a:lstStyle/>
+          <a:p>
+            <a:r>
+              <a:rPr lang="en-CA" dirty="0"/>
+              <a:t>Further Discussion</a:t>
+            </a:r>
+          </a:p>
+        </p:txBody>
+      </p:sp>
+      <p:sp>
+        <p:nvSpPr>
+          <p:cNvPr id="3" name="Content Placeholder 2">
+            <a:extLst>
+              <a:ext uri="{FF2B5EF4-FFF2-40B4-BE49-F238E27FC236}">
+                <a16:creationId xmlns:a16="http://schemas.microsoft.com/office/drawing/2014/main" id="{1D2F3081-DCE3-4566-B012-B4FF983BF695}"/>
+              </a:ext>
+            </a:extLst>
+          </p:cNvPr>
+          <p:cNvSpPr>
+            <a:spLocks noGrp="1"/>
+          </p:cNvSpPr>
+          <p:nvPr>
+            <p:ph idx="1"/>
+          </p:nvPr>
+        </p:nvSpPr>
+        <p:spPr>
+          <a:xfrm>
+            <a:off x="628650" y="1367246"/>
+            <a:ext cx="7886700" cy="3960000"/>
+          </a:xfrm>
+        </p:spPr>
+        <p:txBody>
+          <a:bodyPr/>
+          <a:lstStyle/>
+          <a:p>
+            <a:r>
+              <a:rPr lang="en-CA" dirty="0"/>
+              <a:t>Issues for 8:40AM(Mar 16) Meeting</a:t>
+            </a:r>
+          </a:p>
+          <a:p>
+            <a:pPr lvl="1">
+              <a:lnSpc>
+                <a:spcPct val="150000"/>
+              </a:lnSpc>
+            </a:pPr>
+            <a:r>
+              <a:rPr lang="en-CA" dirty="0"/>
+              <a:t>Priority &amp; sequence for scanning</a:t>
+            </a:r>
+          </a:p>
+          <a:p>
+            <a:pPr lvl="1">
+              <a:lnSpc>
+                <a:spcPct val="150000"/>
+              </a:lnSpc>
+            </a:pPr>
+            <a:r>
+              <a:rPr lang="en-CA" dirty="0"/>
+              <a:t>Indoor Path for 'Set 5: </a:t>
+            </a:r>
+            <a:r>
+              <a:rPr lang="en-CA" dirty="0" err="1"/>
+              <a:t>Vari</a:t>
+            </a:r>
+            <a:r>
+              <a:rPr lang="en-CA" dirty="0"/>
+              <a:t> Hall', 'Set 6: Ross Building', </a:t>
+            </a:r>
+            <a:br>
+              <a:rPr lang="en-CA" dirty="0"/>
+            </a:br>
+            <a:r>
+              <a:rPr lang="en-CA" dirty="0"/>
+              <a:t>'Set 8: PSE Building', and 'Set 9: Chemistry Building'</a:t>
+            </a:r>
+          </a:p>
+          <a:p>
+            <a:pPr lvl="1">
+              <a:lnSpc>
+                <a:spcPct val="150000"/>
+              </a:lnSpc>
+            </a:pPr>
+            <a:r>
+              <a:rPr lang="en-CA" dirty="0"/>
+              <a:t>Principal accompanying people</a:t>
+            </a:r>
+          </a:p>
+          <a:p>
+            <a:pPr lvl="2">
+              <a:lnSpc>
+                <a:spcPct val="150000"/>
+              </a:lnSpc>
+            </a:pPr>
+            <a:r>
+              <a:rPr lang="en-CA" sz="1600" dirty="0"/>
+              <a:t>Originally plan - 8:40 AM: </a:t>
+            </a:r>
+            <a:r>
+              <a:rPr lang="en-CA" sz="1600" dirty="0" err="1"/>
+              <a:t>Kivanc</a:t>
+            </a:r>
+            <a:r>
+              <a:rPr lang="en-CA" sz="1600" dirty="0"/>
+              <a:t>, 10 AM: Pio, 11 AM: Kang, </a:t>
+            </a:r>
+            <a:br>
+              <a:rPr lang="en-CA" sz="1600" dirty="0"/>
+            </a:br>
+            <a:r>
+              <a:rPr lang="en-CA" sz="1600" dirty="0"/>
+              <a:t>2 PM: Yi-Chen, 3 PM: Afnan</a:t>
+            </a:r>
+          </a:p>
+          <a:p>
+            <a:pPr lvl="2">
+              <a:lnSpc>
+                <a:spcPct val="150000"/>
+              </a:lnSpc>
+            </a:pPr>
+            <a:r>
+              <a:rPr lang="en-CA" sz="1600" dirty="0"/>
+              <a:t>However, it should be changed as Afnan has to join in the Thales meeting (~ 3 PM or late).</a:t>
+            </a:r>
+          </a:p>
+          <a:p>
+            <a:pPr lvl="2"/>
+            <a:endParaRPr lang="en-CA" sz="1600" dirty="0"/>
+          </a:p>
+          <a:p>
+            <a:pPr lvl="1"/>
+            <a:endParaRPr lang="en-CA" dirty="0"/>
+          </a:p>
+        </p:txBody>
+      </p:sp>
+      <p:sp>
+        <p:nvSpPr>
+          <p:cNvPr id="4" name="Slide Number Placeholder 3">
+            <a:extLst>
+              <a:ext uri="{FF2B5EF4-FFF2-40B4-BE49-F238E27FC236}">
+                <a16:creationId xmlns:a16="http://schemas.microsoft.com/office/drawing/2014/main" id="{4E6CCD59-A2D3-46B9-9AD1-83B588301D5D}"/>
+              </a:ext>
+            </a:extLst>
+          </p:cNvPr>
+          <p:cNvSpPr>
+            <a:spLocks noGrp="1"/>
+          </p:cNvSpPr>
+          <p:nvPr>
+            <p:ph type="sldNum" sz="quarter" idx="12"/>
+          </p:nvPr>
+        </p:nvSpPr>
+        <p:spPr/>
+        <p:txBody>
+          <a:bodyPr/>
+          <a:lstStyle/>
+          <a:p>
+            <a:fld id="{25FE67DE-5BF6-49D0-BF7A-76F5E776BCA1}" type="slidenum">
+              <a:rPr lang="ko-KR" altLang="en-US" smtClean="0"/>
+              <a:pPr/>
+              <a:t>16</a:t>
+            </a:fld>
+            <a:endParaRPr lang="ko-KR" altLang="en-US" dirty="0"/>
+          </a:p>
+        </p:txBody>
+      </p:sp>
+    </p:spTree>
+    <p:extLst>
+      <p:ext uri="{BB962C8B-B14F-4D97-AF65-F5344CB8AC3E}">
+        <p14:creationId xmlns:p14="http://schemas.microsoft.com/office/powerpoint/2010/main" val="3623650452"/>
       </p:ext>
     </p:extLst>
   </p:cSld>
@@ -5705,7 +6779,7 @@
           <p:cNvPr id="2" name="Title 1">
             <a:extLst>
               <a:ext uri="{FF2B5EF4-FFF2-40B4-BE49-F238E27FC236}">
-                <a16:creationId xmlns:a16="http://schemas.microsoft.com/office/drawing/2014/main" id="{F7D33F2E-3F52-4EA5-B2E3-AC02500DF1B3}"/>
+                <a16:creationId xmlns:a16="http://schemas.microsoft.com/office/drawing/2014/main" id="{763A574D-8C29-4FA7-A0D3-3270DF4DC7E9}"/>
               </a:ext>
             </a:extLst>
           </p:cNvPr>
@@ -5723,8 +6797,99 @@
           <a:p>
             <a:r>
               <a:rPr lang="en-CA" dirty="0"/>
-              <a:t>Plan for Scanning Set</a:t>
-            </a:r>
+              <a:t>Comments </a:t>
+            </a:r>
+            <a:r>
+              <a:rPr lang="en-CA" baseline="30000" dirty="0"/>
+              <a:t>(1/2)</a:t>
+            </a:r>
+          </a:p>
+        </p:txBody>
+      </p:sp>
+      <p:sp>
+        <p:nvSpPr>
+          <p:cNvPr id="3" name="Content Placeholder 2">
+            <a:extLst>
+              <a:ext uri="{FF2B5EF4-FFF2-40B4-BE49-F238E27FC236}">
+                <a16:creationId xmlns:a16="http://schemas.microsoft.com/office/drawing/2014/main" id="{E4013045-E4D6-4956-BBFE-34AE358A8A5D}"/>
+              </a:ext>
+            </a:extLst>
+          </p:cNvPr>
+          <p:cNvSpPr>
+            <a:spLocks noGrp="1"/>
+          </p:cNvSpPr>
+          <p:nvPr>
+            <p:ph idx="1"/>
+          </p:nvPr>
+        </p:nvSpPr>
+        <p:spPr>
+          <a:xfrm>
+            <a:off x="628650" y="1367246"/>
+            <a:ext cx="8388000" cy="4809717"/>
+          </a:xfrm>
+        </p:spPr>
+        <p:txBody>
+          <a:bodyPr/>
+          <a:lstStyle/>
+          <a:p>
+            <a:r>
+              <a:rPr lang="en-CA" dirty="0"/>
+              <a:t>Pio's comment on 'Set 7: Campus Walk' </a:t>
+            </a:r>
+          </a:p>
+          <a:p>
+            <a:pPr lvl="1"/>
+            <a:r>
+              <a:rPr lang="en-CA" dirty="0"/>
+              <a:t>Some buildings (e.g. York lanes - Student Centre, </a:t>
+            </a:r>
+            <a:br>
+              <a:rPr lang="en-CA" dirty="0"/>
+            </a:br>
+            <a:r>
+              <a:rPr lang="en-CA" dirty="0"/>
+              <a:t>Student Centre - </a:t>
+            </a:r>
+            <a:r>
+              <a:rPr lang="en-CA" dirty="0" err="1"/>
+              <a:t>Vari</a:t>
+            </a:r>
+            <a:r>
+              <a:rPr lang="en-CA" dirty="0"/>
+              <a:t> Hall) have short indoor paths connecting </a:t>
+            </a:r>
+            <a:br>
+              <a:rPr lang="en-CA" dirty="0"/>
+            </a:br>
+            <a:r>
+              <a:rPr lang="en-CA" dirty="0"/>
+              <a:t>them. These are important for us.</a:t>
+            </a:r>
+          </a:p>
+          <a:p>
+            <a:pPr lvl="1"/>
+            <a:endParaRPr lang="en-CA" dirty="0"/>
+          </a:p>
+          <a:p>
+            <a:r>
+              <a:rPr lang="en-CA" dirty="0" err="1"/>
+              <a:t>Kivanc's</a:t>
+            </a:r>
+            <a:r>
+              <a:rPr lang="en-CA" dirty="0"/>
+              <a:t> comment for open space movement</a:t>
+            </a:r>
+          </a:p>
+          <a:p>
+            <a:pPr lvl="1"/>
+            <a:r>
+              <a:rPr lang="en-CA" dirty="0"/>
+              <a:t>To make a turn from the area between chemistry and life science buildings might be preferred to capture a little pedestrian square to model the open space movements.</a:t>
+            </a:r>
+          </a:p>
+          <a:p>
+            <a:pPr lvl="1"/>
+            <a:endParaRPr lang="en-CA" dirty="0"/>
           </a:p>
         </p:txBody>
       </p:sp>
@@ -5733,7 +6898,7 @@
           <p:cNvPr id="4" name="Slide Number Placeholder 3">
             <a:extLst>
               <a:ext uri="{FF2B5EF4-FFF2-40B4-BE49-F238E27FC236}">
-                <a16:creationId xmlns:a16="http://schemas.microsoft.com/office/drawing/2014/main" id="{945EBEA1-1068-48E8-B706-22D238FA8473}"/>
+                <a16:creationId xmlns:a16="http://schemas.microsoft.com/office/drawing/2014/main" id="{39079F0D-97AB-4EA6-A63C-3B65A4B86F79}"/>
               </a:ext>
             </a:extLst>
           </p:cNvPr>
@@ -5753,6 +6918,260 @@
               <a:rPr lang="ko-KR" altLang="en-US" smtClean="0"/>
               <a:pPr/>
               <a:t>4</a:t>
+            </a:fld>
+            <a:endParaRPr lang="ko-KR" altLang="en-US" dirty="0"/>
+          </a:p>
+        </p:txBody>
+      </p:sp>
+    </p:spTree>
+    <p:extLst>
+      <p:ext uri="{BB962C8B-B14F-4D97-AF65-F5344CB8AC3E}">
+        <p14:creationId xmlns:p14="http://schemas.microsoft.com/office/powerpoint/2010/main" val="3714182801"/>
+      </p:ext>
+    </p:extLst>
+  </p:cSld>
+  <p:clrMapOvr>
+    <a:masterClrMapping/>
+  </p:clrMapOvr>
+</p:sld>
+</file>
+
+<file path=ppt/slides/slide5.xml><?xml version="1.0" encoding="utf-8"?>
+<p:sld xmlns:a="http://schemas.openxmlformats.org/drawingml/2006/main" xmlns:r="http://schemas.openxmlformats.org/officeDocument/2006/relationships" xmlns:p="http://schemas.openxmlformats.org/presentationml/2006/main">
+  <p:cSld>
+    <p:spTree>
+      <p:nvGrpSpPr>
+        <p:cNvPr id="1" name=""/>
+        <p:cNvGrpSpPr/>
+        <p:nvPr/>
+      </p:nvGrpSpPr>
+      <p:grpSpPr>
+        <a:xfrm>
+          <a:off x="0" y="0"/>
+          <a:ext cx="0" cy="0"/>
+          <a:chOff x="0" y="0"/>
+          <a:chExt cx="0" cy="0"/>
+        </a:xfrm>
+      </p:grpSpPr>
+      <p:sp>
+        <p:nvSpPr>
+          <p:cNvPr id="2" name="Title 1">
+            <a:extLst>
+              <a:ext uri="{FF2B5EF4-FFF2-40B4-BE49-F238E27FC236}">
+                <a16:creationId xmlns:a16="http://schemas.microsoft.com/office/drawing/2014/main" id="{763A574D-8C29-4FA7-A0D3-3270DF4DC7E9}"/>
+              </a:ext>
+            </a:extLst>
+          </p:cNvPr>
+          <p:cNvSpPr>
+            <a:spLocks noGrp="1"/>
+          </p:cNvSpPr>
+          <p:nvPr>
+            <p:ph type="title"/>
+          </p:nvPr>
+        </p:nvSpPr>
+        <p:spPr/>
+        <p:txBody>
+          <a:bodyPr/>
+          <a:lstStyle/>
+          <a:p>
+            <a:r>
+              <a:rPr lang="en-CA" dirty="0"/>
+              <a:t>Comments </a:t>
+            </a:r>
+            <a:r>
+              <a:rPr lang="en-CA" baseline="30000" dirty="0"/>
+              <a:t>(2/2)</a:t>
+            </a:r>
+          </a:p>
+        </p:txBody>
+      </p:sp>
+      <p:sp>
+        <p:nvSpPr>
+          <p:cNvPr id="3" name="Content Placeholder 2">
+            <a:extLst>
+              <a:ext uri="{FF2B5EF4-FFF2-40B4-BE49-F238E27FC236}">
+                <a16:creationId xmlns:a16="http://schemas.microsoft.com/office/drawing/2014/main" id="{E4013045-E4D6-4956-BBFE-34AE358A8A5D}"/>
+              </a:ext>
+            </a:extLst>
+          </p:cNvPr>
+          <p:cNvSpPr>
+            <a:spLocks noGrp="1"/>
+          </p:cNvSpPr>
+          <p:nvPr>
+            <p:ph idx="1"/>
+          </p:nvPr>
+        </p:nvSpPr>
+        <p:spPr/>
+        <p:txBody>
+          <a:bodyPr/>
+          <a:lstStyle/>
+          <a:p>
+            <a:r>
+              <a:rPr lang="en-CA" dirty="0" err="1"/>
+              <a:t>Kivanc's</a:t>
+            </a:r>
+            <a:r>
+              <a:rPr lang="en-CA" dirty="0"/>
+              <a:t> comment on Scanning Priority</a:t>
+            </a:r>
+          </a:p>
+          <a:p>
+            <a:pPr lvl="1"/>
+            <a:r>
+              <a:rPr lang="en-CA" dirty="0"/>
+              <a:t>Scan Set 3, 4, 5, 6, and 7 could be set as priority, </a:t>
+            </a:r>
+            <a:br>
+              <a:rPr lang="en-CA" dirty="0"/>
+            </a:br>
+            <a:r>
+              <a:rPr lang="en-CA" dirty="0"/>
+              <a:t>and then 8, 9 sample floors, and 1, 2 if time is tight. </a:t>
+            </a:r>
+          </a:p>
+          <a:p>
+            <a:pPr lvl="1"/>
+            <a:endParaRPr lang="en-CA" dirty="0"/>
+          </a:p>
+          <a:p>
+            <a:r>
+              <a:rPr lang="en-CA" dirty="0" err="1"/>
+              <a:t>Kivanc's</a:t>
+            </a:r>
+            <a:r>
+              <a:rPr lang="en-CA" dirty="0"/>
+              <a:t> comment on processing &amp; file format</a:t>
+            </a:r>
+          </a:p>
+          <a:p>
+            <a:pPr lvl="1"/>
+            <a:r>
+              <a:rPr lang="en-CA" dirty="0"/>
+              <a:t>Asking for preprocessing ? postprocessing?</a:t>
+            </a:r>
+          </a:p>
+          <a:p>
+            <a:pPr lvl="1"/>
+            <a:r>
+              <a:rPr lang="en-CA" dirty="0"/>
+              <a:t>.las file?</a:t>
+            </a:r>
+          </a:p>
+        </p:txBody>
+      </p:sp>
+      <p:sp>
+        <p:nvSpPr>
+          <p:cNvPr id="4" name="Slide Number Placeholder 3">
+            <a:extLst>
+              <a:ext uri="{FF2B5EF4-FFF2-40B4-BE49-F238E27FC236}">
+                <a16:creationId xmlns:a16="http://schemas.microsoft.com/office/drawing/2014/main" id="{39079F0D-97AB-4EA6-A63C-3B65A4B86F79}"/>
+              </a:ext>
+            </a:extLst>
+          </p:cNvPr>
+          <p:cNvSpPr>
+            <a:spLocks noGrp="1"/>
+          </p:cNvSpPr>
+          <p:nvPr>
+            <p:ph type="sldNum" sz="quarter" idx="12"/>
+          </p:nvPr>
+        </p:nvSpPr>
+        <p:spPr/>
+        <p:txBody>
+          <a:bodyPr/>
+          <a:lstStyle/>
+          <a:p>
+            <a:fld id="{25FE67DE-5BF6-49D0-BF7A-76F5E776BCA1}" type="slidenum">
+              <a:rPr lang="ko-KR" altLang="en-US" smtClean="0"/>
+              <a:pPr/>
+              <a:t>5</a:t>
+            </a:fld>
+            <a:endParaRPr lang="ko-KR" altLang="en-US" dirty="0"/>
+          </a:p>
+        </p:txBody>
+      </p:sp>
+    </p:spTree>
+    <p:extLst>
+      <p:ext uri="{BB962C8B-B14F-4D97-AF65-F5344CB8AC3E}">
+        <p14:creationId xmlns:p14="http://schemas.microsoft.com/office/powerpoint/2010/main" val="2330223179"/>
+      </p:ext>
+    </p:extLst>
+  </p:cSld>
+  <p:clrMapOvr>
+    <a:masterClrMapping/>
+  </p:clrMapOvr>
+</p:sld>
+</file>
+
+<file path=ppt/slides/slide6.xml><?xml version="1.0" encoding="utf-8"?>
+<p:sld xmlns:a="http://schemas.openxmlformats.org/drawingml/2006/main" xmlns:r="http://schemas.openxmlformats.org/officeDocument/2006/relationships" xmlns:p="http://schemas.openxmlformats.org/presentationml/2006/main">
+  <p:cSld>
+    <p:spTree>
+      <p:nvGrpSpPr>
+        <p:cNvPr id="1" name=""/>
+        <p:cNvGrpSpPr/>
+        <p:nvPr/>
+      </p:nvGrpSpPr>
+      <p:grpSpPr>
+        <a:xfrm>
+          <a:off x="0" y="0"/>
+          <a:ext cx="0" cy="0"/>
+          <a:chOff x="0" y="0"/>
+          <a:chExt cx="0" cy="0"/>
+        </a:xfrm>
+      </p:grpSpPr>
+      <p:sp>
+        <p:nvSpPr>
+          <p:cNvPr id="2" name="Title 1">
+            <a:extLst>
+              <a:ext uri="{FF2B5EF4-FFF2-40B4-BE49-F238E27FC236}">
+                <a16:creationId xmlns:a16="http://schemas.microsoft.com/office/drawing/2014/main" id="{F7D33F2E-3F52-4EA5-B2E3-AC02500DF1B3}"/>
+              </a:ext>
+            </a:extLst>
+          </p:cNvPr>
+          <p:cNvSpPr>
+            <a:spLocks noGrp="1"/>
+          </p:cNvSpPr>
+          <p:nvPr>
+            <p:ph type="title"/>
+          </p:nvPr>
+        </p:nvSpPr>
+        <p:spPr/>
+        <p:txBody>
+          <a:bodyPr/>
+          <a:lstStyle/>
+          <a:p>
+            <a:r>
+              <a:rPr lang="en-CA" dirty="0"/>
+              <a:t>Plan for Scanning Set</a:t>
+            </a:r>
+          </a:p>
+        </p:txBody>
+      </p:sp>
+      <p:sp>
+        <p:nvSpPr>
+          <p:cNvPr id="4" name="Slide Number Placeholder 3">
+            <a:extLst>
+              <a:ext uri="{FF2B5EF4-FFF2-40B4-BE49-F238E27FC236}">
+                <a16:creationId xmlns:a16="http://schemas.microsoft.com/office/drawing/2014/main" id="{945EBEA1-1068-48E8-B706-22D238FA8473}"/>
+              </a:ext>
+            </a:extLst>
+          </p:cNvPr>
+          <p:cNvSpPr>
+            <a:spLocks noGrp="1"/>
+          </p:cNvSpPr>
+          <p:nvPr>
+            <p:ph type="sldNum" sz="quarter" idx="12"/>
+          </p:nvPr>
+        </p:nvSpPr>
+        <p:spPr/>
+        <p:txBody>
+          <a:bodyPr/>
+          <a:lstStyle/>
+          <a:p>
+            <a:fld id="{25FE67DE-5BF6-49D0-BF7A-76F5E776BCA1}" type="slidenum">
+              <a:rPr lang="ko-KR" altLang="en-US" smtClean="0"/>
+              <a:pPr/>
+              <a:t>6</a:t>
             </a:fld>
             <a:endParaRPr lang="ko-KR" altLang="en-US" dirty="0"/>
           </a:p>
@@ -6464,1003 +7883,6 @@
 </p:sld>
 </file>
 
-<file path=ppt/slides/slide5.xml><?xml version="1.0" encoding="utf-8"?>
-<p:sld xmlns:a="http://schemas.openxmlformats.org/drawingml/2006/main" xmlns:r="http://schemas.openxmlformats.org/officeDocument/2006/relationships" xmlns:p="http://schemas.openxmlformats.org/presentationml/2006/main">
-  <p:cSld>
-    <p:spTree>
-      <p:nvGrpSpPr>
-        <p:cNvPr id="1" name=""/>
-        <p:cNvGrpSpPr/>
-        <p:nvPr/>
-      </p:nvGrpSpPr>
-      <p:grpSpPr>
-        <a:xfrm>
-          <a:off x="0" y="0"/>
-          <a:ext cx="0" cy="0"/>
-          <a:chOff x="0" y="0"/>
-          <a:chExt cx="0" cy="0"/>
-        </a:xfrm>
-      </p:grpSpPr>
-      <p:sp>
-        <p:nvSpPr>
-          <p:cNvPr id="2" name="Title 1">
-            <a:extLst>
-              <a:ext uri="{FF2B5EF4-FFF2-40B4-BE49-F238E27FC236}">
-                <a16:creationId xmlns:a16="http://schemas.microsoft.com/office/drawing/2014/main" id="{A3831144-9A3B-4E88-8412-33193464A006}"/>
-              </a:ext>
-            </a:extLst>
-          </p:cNvPr>
-          <p:cNvSpPr>
-            <a:spLocks noGrp="1"/>
-          </p:cNvSpPr>
-          <p:nvPr>
-            <p:ph type="title"/>
-          </p:nvPr>
-        </p:nvSpPr>
-        <p:spPr>
-          <a:xfrm>
-            <a:off x="0" y="0"/>
-            <a:ext cx="9144000" cy="610234"/>
-          </a:xfrm>
-        </p:spPr>
-        <p:txBody>
-          <a:bodyPr/>
-          <a:lstStyle/>
-          <a:p>
-            <a:r>
-              <a:rPr lang="en-CA" dirty="0"/>
-              <a:t>Set 1: York Blvd Outdoor Loop</a:t>
-            </a:r>
-          </a:p>
-        </p:txBody>
-      </p:sp>
-      <p:sp>
-        <p:nvSpPr>
-          <p:cNvPr id="3" name="Content Placeholder 2">
-            <a:extLst>
-              <a:ext uri="{FF2B5EF4-FFF2-40B4-BE49-F238E27FC236}">
-                <a16:creationId xmlns:a16="http://schemas.microsoft.com/office/drawing/2014/main" id="{2273D2AB-9E26-45F2-8248-D2CC0D515B9D}"/>
-              </a:ext>
-            </a:extLst>
-          </p:cNvPr>
-          <p:cNvSpPr>
-            <a:spLocks noGrp="1"/>
-          </p:cNvSpPr>
-          <p:nvPr>
-            <p:ph idx="1"/>
-          </p:nvPr>
-        </p:nvSpPr>
-        <p:spPr>
-          <a:xfrm>
-            <a:off x="628650" y="735647"/>
-            <a:ext cx="7886700" cy="1800000"/>
-          </a:xfrm>
-        </p:spPr>
-        <p:txBody>
-          <a:bodyPr/>
-          <a:lstStyle/>
-          <a:p>
-            <a:r>
-              <a:rPr lang="en-CA" dirty="0"/>
-              <a:t>All Outdoor Path</a:t>
-            </a:r>
-          </a:p>
-          <a:p>
-            <a:pPr lvl="1"/>
-            <a:r>
-              <a:rPr lang="en-CA" dirty="0"/>
-              <a:t>Scanning the building wall outside.</a:t>
-            </a:r>
-          </a:p>
-        </p:txBody>
-      </p:sp>
-      <p:sp>
-        <p:nvSpPr>
-          <p:cNvPr id="4" name="Slide Number Placeholder 3">
-            <a:extLst>
-              <a:ext uri="{FF2B5EF4-FFF2-40B4-BE49-F238E27FC236}">
-                <a16:creationId xmlns:a16="http://schemas.microsoft.com/office/drawing/2014/main" id="{79BA9CFF-D78D-49A8-9AB8-DEC246CAD4F6}"/>
-              </a:ext>
-            </a:extLst>
-          </p:cNvPr>
-          <p:cNvSpPr>
-            <a:spLocks noGrp="1"/>
-          </p:cNvSpPr>
-          <p:nvPr>
-            <p:ph type="sldNum" sz="quarter" idx="12"/>
-          </p:nvPr>
-        </p:nvSpPr>
-        <p:spPr/>
-        <p:txBody>
-          <a:bodyPr/>
-          <a:lstStyle/>
-          <a:p>
-            <a:fld id="{25FE67DE-5BF6-49D0-BF7A-76F5E776BCA1}" type="slidenum">
-              <a:rPr lang="ko-KR" altLang="en-US" smtClean="0"/>
-              <a:pPr/>
-              <a:t>5</a:t>
-            </a:fld>
-            <a:endParaRPr lang="ko-KR" altLang="en-US" dirty="0"/>
-          </a:p>
-        </p:txBody>
-      </p:sp>
-      <p:pic>
-        <p:nvPicPr>
-          <p:cNvPr id="6" name="Picture 5" descr="A picture containing electronics, circuit&#10;&#10;Description generated with very high confidence">
-            <a:extLst>
-              <a:ext uri="{FF2B5EF4-FFF2-40B4-BE49-F238E27FC236}">
-                <a16:creationId xmlns:a16="http://schemas.microsoft.com/office/drawing/2014/main" id="{D76C2199-8D58-4986-BD90-000B003F19E1}"/>
-              </a:ext>
-            </a:extLst>
-          </p:cNvPr>
-          <p:cNvPicPr>
-            <a:picLocks noChangeAspect="1"/>
-          </p:cNvPicPr>
-          <p:nvPr/>
-        </p:nvPicPr>
-        <p:blipFill>
-          <a:blip r:embed="rId2">
-            <a:extLst>
-              <a:ext uri="{28A0092B-C50C-407E-A947-70E740481C1C}">
-                <a14:useLocalDpi xmlns:a14="http://schemas.microsoft.com/office/drawing/2010/main" val="0"/>
-              </a:ext>
-            </a:extLst>
-          </a:blip>
-          <a:stretch>
-            <a:fillRect/>
-          </a:stretch>
-        </p:blipFill>
-        <p:spPr>
-          <a:xfrm>
-            <a:off x="0" y="1558119"/>
-            <a:ext cx="9144000" cy="5299881"/>
-          </a:xfrm>
-          <a:prstGeom prst="rect">
-            <a:avLst/>
-          </a:prstGeom>
-        </p:spPr>
-      </p:pic>
-      <p:cxnSp>
-        <p:nvCxnSpPr>
-          <p:cNvPr id="8" name="Straight Arrow Connector 7">
-            <a:extLst>
-              <a:ext uri="{FF2B5EF4-FFF2-40B4-BE49-F238E27FC236}">
-                <a16:creationId xmlns:a16="http://schemas.microsoft.com/office/drawing/2014/main" id="{C8B63B89-4B13-4CAC-B023-EA651FB89FEE}"/>
-              </a:ext>
-            </a:extLst>
-          </p:cNvPr>
-          <p:cNvCxnSpPr>
-            <a:cxnSpLocks/>
-          </p:cNvCxnSpPr>
-          <p:nvPr/>
-        </p:nvCxnSpPr>
-        <p:spPr>
-          <a:xfrm flipH="1">
-            <a:off x="5169408" y="3535680"/>
-            <a:ext cx="2109216" cy="633984"/>
-          </a:xfrm>
-          <a:prstGeom prst="straightConnector1">
-            <a:avLst/>
-          </a:prstGeom>
-          <a:ln w="57150">
-            <a:solidFill>
-              <a:srgbClr val="FF0000"/>
-            </a:solidFill>
-            <a:tailEnd type="triangle"/>
-          </a:ln>
-        </p:spPr>
-        <p:style>
-          <a:lnRef idx="1">
-            <a:schemeClr val="accent1"/>
-          </a:lnRef>
-          <a:fillRef idx="0">
-            <a:schemeClr val="accent1"/>
-          </a:fillRef>
-          <a:effectRef idx="0">
-            <a:schemeClr val="accent1"/>
-          </a:effectRef>
-          <a:fontRef idx="minor">
-            <a:schemeClr val="tx1"/>
-          </a:fontRef>
-        </p:style>
-      </p:cxnSp>
-      <p:cxnSp>
-        <p:nvCxnSpPr>
-          <p:cNvPr id="9" name="Straight Arrow Connector 8">
-            <a:extLst>
-              <a:ext uri="{FF2B5EF4-FFF2-40B4-BE49-F238E27FC236}">
-                <a16:creationId xmlns:a16="http://schemas.microsoft.com/office/drawing/2014/main" id="{1787DFAE-A1AE-4E77-A4BF-225C3D951C1F}"/>
-              </a:ext>
-            </a:extLst>
-          </p:cNvPr>
-          <p:cNvCxnSpPr>
-            <a:cxnSpLocks/>
-          </p:cNvCxnSpPr>
-          <p:nvPr/>
-        </p:nvCxnSpPr>
-        <p:spPr>
-          <a:xfrm>
-            <a:off x="5114544" y="4181856"/>
-            <a:ext cx="390144" cy="1213104"/>
-          </a:xfrm>
-          <a:prstGeom prst="straightConnector1">
-            <a:avLst/>
-          </a:prstGeom>
-          <a:ln w="57150">
-            <a:solidFill>
-              <a:srgbClr val="FF0000"/>
-            </a:solidFill>
-            <a:tailEnd type="triangle"/>
-          </a:ln>
-        </p:spPr>
-        <p:style>
-          <a:lnRef idx="1">
-            <a:schemeClr val="accent1"/>
-          </a:lnRef>
-          <a:fillRef idx="0">
-            <a:schemeClr val="accent1"/>
-          </a:fillRef>
-          <a:effectRef idx="0">
-            <a:schemeClr val="accent1"/>
-          </a:effectRef>
-          <a:fontRef idx="minor">
-            <a:schemeClr val="tx1"/>
-          </a:fontRef>
-        </p:style>
-      </p:cxnSp>
-      <p:sp>
-        <p:nvSpPr>
-          <p:cNvPr id="11" name="Star: 5 Points 10">
-            <a:extLst>
-              <a:ext uri="{FF2B5EF4-FFF2-40B4-BE49-F238E27FC236}">
-                <a16:creationId xmlns:a16="http://schemas.microsoft.com/office/drawing/2014/main" id="{4D03951F-3DAC-4CD3-892C-8974A13A87DC}"/>
-              </a:ext>
-            </a:extLst>
-          </p:cNvPr>
-          <p:cNvSpPr/>
-          <p:nvPr/>
-        </p:nvSpPr>
-        <p:spPr>
-          <a:xfrm>
-            <a:off x="7254621" y="3346705"/>
-            <a:ext cx="262128" cy="249936"/>
-          </a:xfrm>
-          <a:prstGeom prst="star5">
-            <a:avLst/>
-          </a:prstGeom>
-          <a:solidFill>
-            <a:srgbClr val="66FF33"/>
-          </a:solidFill>
-          <a:ln>
-            <a:noFill/>
-          </a:ln>
-        </p:spPr>
-        <p:style>
-          <a:lnRef idx="2">
-            <a:schemeClr val="accent1">
-              <a:shade val="50000"/>
-            </a:schemeClr>
-          </a:lnRef>
-          <a:fillRef idx="1">
-            <a:schemeClr val="accent1"/>
-          </a:fillRef>
-          <a:effectRef idx="0">
-            <a:schemeClr val="accent1"/>
-          </a:effectRef>
-          <a:fontRef idx="minor">
-            <a:schemeClr val="lt1"/>
-          </a:fontRef>
-        </p:style>
-        <p:txBody>
-          <a:bodyPr rtlCol="0" anchor="ctr"/>
-          <a:lstStyle/>
-          <a:p>
-            <a:pPr algn="ctr"/>
-            <a:endParaRPr lang="en-CA"/>
-          </a:p>
-        </p:txBody>
-      </p:sp>
-      <p:cxnSp>
-        <p:nvCxnSpPr>
-          <p:cNvPr id="14" name="Straight Arrow Connector 13">
-            <a:extLst>
-              <a:ext uri="{FF2B5EF4-FFF2-40B4-BE49-F238E27FC236}">
-                <a16:creationId xmlns:a16="http://schemas.microsoft.com/office/drawing/2014/main" id="{819467A7-FE35-4A13-BCB5-FE4B2855A379}"/>
-              </a:ext>
-            </a:extLst>
-          </p:cNvPr>
-          <p:cNvCxnSpPr>
-            <a:cxnSpLocks/>
-          </p:cNvCxnSpPr>
-          <p:nvPr/>
-        </p:nvCxnSpPr>
-        <p:spPr>
-          <a:xfrm flipV="1">
-            <a:off x="5504688" y="4620768"/>
-            <a:ext cx="2273808" cy="774192"/>
-          </a:xfrm>
-          <a:prstGeom prst="straightConnector1">
-            <a:avLst/>
-          </a:prstGeom>
-          <a:ln w="57150">
-            <a:solidFill>
-              <a:srgbClr val="FF0000"/>
-            </a:solidFill>
-            <a:tailEnd type="triangle"/>
-          </a:ln>
-        </p:spPr>
-        <p:style>
-          <a:lnRef idx="1">
-            <a:schemeClr val="accent1"/>
-          </a:lnRef>
-          <a:fillRef idx="0">
-            <a:schemeClr val="accent1"/>
-          </a:fillRef>
-          <a:effectRef idx="0">
-            <a:schemeClr val="accent1"/>
-          </a:effectRef>
-          <a:fontRef idx="minor">
-            <a:schemeClr val="tx1"/>
-          </a:fontRef>
-        </p:style>
-      </p:cxnSp>
-      <p:cxnSp>
-        <p:nvCxnSpPr>
-          <p:cNvPr id="16" name="Straight Arrow Connector 15">
-            <a:extLst>
-              <a:ext uri="{FF2B5EF4-FFF2-40B4-BE49-F238E27FC236}">
-                <a16:creationId xmlns:a16="http://schemas.microsoft.com/office/drawing/2014/main" id="{0CECB9DC-7A95-49EF-B2D6-C0FA8D793A3F}"/>
-              </a:ext>
-            </a:extLst>
-          </p:cNvPr>
-          <p:cNvCxnSpPr>
-            <a:cxnSpLocks/>
-          </p:cNvCxnSpPr>
-          <p:nvPr/>
-        </p:nvCxnSpPr>
-        <p:spPr>
-          <a:xfrm flipH="1" flipV="1">
-            <a:off x="7461504" y="3627120"/>
-            <a:ext cx="280416" cy="969264"/>
-          </a:xfrm>
-          <a:prstGeom prst="straightConnector1">
-            <a:avLst/>
-          </a:prstGeom>
-          <a:ln w="57150">
-            <a:solidFill>
-              <a:srgbClr val="FF0000"/>
-            </a:solidFill>
-            <a:tailEnd type="triangle"/>
-          </a:ln>
-        </p:spPr>
-        <p:style>
-          <a:lnRef idx="1">
-            <a:schemeClr val="accent1"/>
-          </a:lnRef>
-          <a:fillRef idx="0">
-            <a:schemeClr val="accent1"/>
-          </a:fillRef>
-          <a:effectRef idx="0">
-            <a:schemeClr val="accent1"/>
-          </a:effectRef>
-          <a:fontRef idx="minor">
-            <a:schemeClr val="tx1"/>
-          </a:fontRef>
-        </p:style>
-      </p:cxnSp>
-      <p:sp>
-        <p:nvSpPr>
-          <p:cNvPr id="20" name="Star: 5 Points 19">
-            <a:extLst>
-              <a:ext uri="{FF2B5EF4-FFF2-40B4-BE49-F238E27FC236}">
-                <a16:creationId xmlns:a16="http://schemas.microsoft.com/office/drawing/2014/main" id="{0A0B100B-EF5D-46FE-A9ED-4695977E40AE}"/>
-              </a:ext>
-            </a:extLst>
-          </p:cNvPr>
-          <p:cNvSpPr/>
-          <p:nvPr/>
-        </p:nvSpPr>
-        <p:spPr>
-          <a:xfrm>
-            <a:off x="6887669" y="676653"/>
-            <a:ext cx="262128" cy="249936"/>
-          </a:xfrm>
-          <a:prstGeom prst="star5">
-            <a:avLst/>
-          </a:prstGeom>
-          <a:solidFill>
-            <a:srgbClr val="66FF33"/>
-          </a:solidFill>
-          <a:ln>
-            <a:noFill/>
-          </a:ln>
-        </p:spPr>
-        <p:style>
-          <a:lnRef idx="2">
-            <a:schemeClr val="accent1">
-              <a:shade val="50000"/>
-            </a:schemeClr>
-          </a:lnRef>
-          <a:fillRef idx="1">
-            <a:schemeClr val="accent1"/>
-          </a:fillRef>
-          <a:effectRef idx="0">
-            <a:schemeClr val="accent1"/>
-          </a:effectRef>
-          <a:fontRef idx="minor">
-            <a:schemeClr val="lt1"/>
-          </a:fontRef>
-        </p:style>
-        <p:txBody>
-          <a:bodyPr rtlCol="0" anchor="ctr"/>
-          <a:lstStyle/>
-          <a:p>
-            <a:pPr algn="ctr"/>
-            <a:endParaRPr lang="en-CA"/>
-          </a:p>
-        </p:txBody>
-      </p:sp>
-      <p:cxnSp>
-        <p:nvCxnSpPr>
-          <p:cNvPr id="21" name="Straight Arrow Connector 20">
-            <a:extLst>
-              <a:ext uri="{FF2B5EF4-FFF2-40B4-BE49-F238E27FC236}">
-                <a16:creationId xmlns:a16="http://schemas.microsoft.com/office/drawing/2014/main" id="{D7475109-0AE2-413A-ACB9-7ABA67895290}"/>
-              </a:ext>
-            </a:extLst>
-          </p:cNvPr>
-          <p:cNvCxnSpPr>
-            <a:cxnSpLocks/>
-          </p:cNvCxnSpPr>
-          <p:nvPr/>
-        </p:nvCxnSpPr>
-        <p:spPr>
-          <a:xfrm flipH="1">
-            <a:off x="6820733" y="1082150"/>
-            <a:ext cx="396000" cy="0"/>
-          </a:xfrm>
-          <a:prstGeom prst="straightConnector1">
-            <a:avLst/>
-          </a:prstGeom>
-          <a:ln w="57150">
-            <a:solidFill>
-              <a:srgbClr val="FF0000"/>
-            </a:solidFill>
-            <a:tailEnd type="triangle"/>
-          </a:ln>
-        </p:spPr>
-        <p:style>
-          <a:lnRef idx="1">
-            <a:schemeClr val="accent1"/>
-          </a:lnRef>
-          <a:fillRef idx="0">
-            <a:schemeClr val="accent1"/>
-          </a:fillRef>
-          <a:effectRef idx="0">
-            <a:schemeClr val="accent1"/>
-          </a:effectRef>
-          <a:fontRef idx="minor">
-            <a:schemeClr val="tx1"/>
-          </a:fontRef>
-        </p:style>
-      </p:cxnSp>
-      <p:cxnSp>
-        <p:nvCxnSpPr>
-          <p:cNvPr id="23" name="Straight Arrow Connector 22">
-            <a:extLst>
-              <a:ext uri="{FF2B5EF4-FFF2-40B4-BE49-F238E27FC236}">
-                <a16:creationId xmlns:a16="http://schemas.microsoft.com/office/drawing/2014/main" id="{49642052-24FA-4A32-8965-6824EBC01F1F}"/>
-              </a:ext>
-            </a:extLst>
-          </p:cNvPr>
-          <p:cNvCxnSpPr>
-            <a:cxnSpLocks/>
-          </p:cNvCxnSpPr>
-          <p:nvPr/>
-        </p:nvCxnSpPr>
-        <p:spPr>
-          <a:xfrm flipH="1">
-            <a:off x="6820733" y="1321272"/>
-            <a:ext cx="396000" cy="0"/>
-          </a:xfrm>
-          <a:prstGeom prst="straightConnector1">
-            <a:avLst/>
-          </a:prstGeom>
-          <a:ln w="57150">
-            <a:solidFill>
-              <a:srgbClr val="0000FF"/>
-            </a:solidFill>
-            <a:tailEnd type="triangle"/>
-          </a:ln>
-        </p:spPr>
-        <p:style>
-          <a:lnRef idx="1">
-            <a:schemeClr val="accent1"/>
-          </a:lnRef>
-          <a:fillRef idx="0">
-            <a:schemeClr val="accent1"/>
-          </a:fillRef>
-          <a:effectRef idx="0">
-            <a:schemeClr val="accent1"/>
-          </a:effectRef>
-          <a:fontRef idx="minor">
-            <a:schemeClr val="tx1"/>
-          </a:fontRef>
-        </p:style>
-      </p:cxnSp>
-      <p:sp>
-        <p:nvSpPr>
-          <p:cNvPr id="24" name="TextBox 23">
-            <a:extLst>
-              <a:ext uri="{FF2B5EF4-FFF2-40B4-BE49-F238E27FC236}">
-                <a16:creationId xmlns:a16="http://schemas.microsoft.com/office/drawing/2014/main" id="{CC4146F6-368D-4737-85AC-1211527CA45F}"/>
-              </a:ext>
-            </a:extLst>
-          </p:cNvPr>
-          <p:cNvSpPr txBox="1"/>
-          <p:nvPr/>
-        </p:nvSpPr>
-        <p:spPr>
-          <a:xfrm>
-            <a:off x="7319567" y="631046"/>
-            <a:ext cx="1462132" cy="369332"/>
-          </a:xfrm>
-          <a:prstGeom prst="rect">
-            <a:avLst/>
-          </a:prstGeom>
-          <a:noFill/>
-        </p:spPr>
-        <p:txBody>
-          <a:bodyPr wrap="none" rtlCol="0">
-            <a:spAutoFit/>
-          </a:bodyPr>
-          <a:lstStyle/>
-          <a:p>
-            <a:r>
-              <a:rPr lang="en-CA" dirty="0"/>
-              <a:t>Starting point</a:t>
-            </a:r>
-          </a:p>
-        </p:txBody>
-      </p:sp>
-      <p:sp>
-        <p:nvSpPr>
-          <p:cNvPr id="25" name="TextBox 24">
-            <a:extLst>
-              <a:ext uri="{FF2B5EF4-FFF2-40B4-BE49-F238E27FC236}">
-                <a16:creationId xmlns:a16="http://schemas.microsoft.com/office/drawing/2014/main" id="{9020FA84-E037-49D2-BDE9-17BA97A30BEB}"/>
-              </a:ext>
-            </a:extLst>
-          </p:cNvPr>
-          <p:cNvSpPr txBox="1"/>
-          <p:nvPr/>
-        </p:nvSpPr>
-        <p:spPr>
-          <a:xfrm>
-            <a:off x="7319567" y="897484"/>
-            <a:ext cx="1460785" cy="369332"/>
-          </a:xfrm>
-          <a:prstGeom prst="rect">
-            <a:avLst/>
-          </a:prstGeom>
-          <a:noFill/>
-        </p:spPr>
-        <p:txBody>
-          <a:bodyPr wrap="none" rtlCol="0">
-            <a:spAutoFit/>
-          </a:bodyPr>
-          <a:lstStyle/>
-          <a:p>
-            <a:r>
-              <a:rPr lang="en-CA" dirty="0"/>
-              <a:t>Outdoor path</a:t>
-            </a:r>
-          </a:p>
-        </p:txBody>
-      </p:sp>
-      <p:sp>
-        <p:nvSpPr>
-          <p:cNvPr id="26" name="TextBox 25">
-            <a:extLst>
-              <a:ext uri="{FF2B5EF4-FFF2-40B4-BE49-F238E27FC236}">
-                <a16:creationId xmlns:a16="http://schemas.microsoft.com/office/drawing/2014/main" id="{9C036D4B-8926-4063-8E45-7F58D1B6A0EB}"/>
-              </a:ext>
-            </a:extLst>
-          </p:cNvPr>
-          <p:cNvSpPr txBox="1"/>
-          <p:nvPr/>
-        </p:nvSpPr>
-        <p:spPr>
-          <a:xfrm>
-            <a:off x="7319567" y="1143109"/>
-            <a:ext cx="1291829" cy="369332"/>
-          </a:xfrm>
-          <a:prstGeom prst="rect">
-            <a:avLst/>
-          </a:prstGeom>
-          <a:noFill/>
-        </p:spPr>
-        <p:txBody>
-          <a:bodyPr wrap="none" rtlCol="0">
-            <a:spAutoFit/>
-          </a:bodyPr>
-          <a:lstStyle/>
-          <a:p>
-            <a:r>
-              <a:rPr lang="en-CA" dirty="0"/>
-              <a:t>Indoor path</a:t>
-            </a:r>
-          </a:p>
-        </p:txBody>
-      </p:sp>
-      <p:sp>
-        <p:nvSpPr>
-          <p:cNvPr id="27" name="Rectangle 26">
-            <a:extLst>
-              <a:ext uri="{FF2B5EF4-FFF2-40B4-BE49-F238E27FC236}">
-                <a16:creationId xmlns:a16="http://schemas.microsoft.com/office/drawing/2014/main" id="{D53B440A-C1D5-4C0A-8B0F-0519DD7880FA}"/>
-              </a:ext>
-            </a:extLst>
-          </p:cNvPr>
-          <p:cNvSpPr/>
-          <p:nvPr/>
-        </p:nvSpPr>
-        <p:spPr>
-          <a:xfrm>
-            <a:off x="6659880" y="609600"/>
-            <a:ext cx="2293620" cy="861060"/>
-          </a:xfrm>
-          <a:prstGeom prst="rect">
-            <a:avLst/>
-          </a:prstGeom>
-          <a:noFill/>
-          <a:ln>
-            <a:solidFill>
-              <a:schemeClr val="tx1"/>
-            </a:solidFill>
-          </a:ln>
-        </p:spPr>
-        <p:style>
-          <a:lnRef idx="2">
-            <a:schemeClr val="accent1">
-              <a:shade val="50000"/>
-            </a:schemeClr>
-          </a:lnRef>
-          <a:fillRef idx="1">
-            <a:schemeClr val="accent1"/>
-          </a:fillRef>
-          <a:effectRef idx="0">
-            <a:schemeClr val="accent1"/>
-          </a:effectRef>
-          <a:fontRef idx="minor">
-            <a:schemeClr val="lt1"/>
-          </a:fontRef>
-        </p:style>
-        <p:txBody>
-          <a:bodyPr rtlCol="0" anchor="ctr"/>
-          <a:lstStyle/>
-          <a:p>
-            <a:pPr algn="ctr"/>
-            <a:endParaRPr lang="en-CA"/>
-          </a:p>
-        </p:txBody>
-      </p:sp>
-    </p:spTree>
-    <p:extLst>
-      <p:ext uri="{BB962C8B-B14F-4D97-AF65-F5344CB8AC3E}">
-        <p14:creationId xmlns:p14="http://schemas.microsoft.com/office/powerpoint/2010/main" val="3537071477"/>
-      </p:ext>
-    </p:extLst>
-  </p:cSld>
-  <p:clrMapOvr>
-    <a:masterClrMapping/>
-  </p:clrMapOvr>
-</p:sld>
-</file>
-
-<file path=ppt/slides/slide6.xml><?xml version="1.0" encoding="utf-8"?>
-<p:sld xmlns:a="http://schemas.openxmlformats.org/drawingml/2006/main" xmlns:r="http://schemas.openxmlformats.org/officeDocument/2006/relationships" xmlns:p="http://schemas.openxmlformats.org/presentationml/2006/main">
-  <p:cSld>
-    <p:spTree>
-      <p:nvGrpSpPr>
-        <p:cNvPr id="1" name=""/>
-        <p:cNvGrpSpPr/>
-        <p:nvPr/>
-      </p:nvGrpSpPr>
-      <p:grpSpPr>
-        <a:xfrm>
-          <a:off x="0" y="0"/>
-          <a:ext cx="0" cy="0"/>
-          <a:chOff x="0" y="0"/>
-          <a:chExt cx="0" cy="0"/>
-        </a:xfrm>
-      </p:grpSpPr>
-      <p:sp>
-        <p:nvSpPr>
-          <p:cNvPr id="2" name="Title 1">
-            <a:extLst>
-              <a:ext uri="{FF2B5EF4-FFF2-40B4-BE49-F238E27FC236}">
-                <a16:creationId xmlns:a16="http://schemas.microsoft.com/office/drawing/2014/main" id="{A3831144-9A3B-4E88-8412-33193464A006}"/>
-              </a:ext>
-            </a:extLst>
-          </p:cNvPr>
-          <p:cNvSpPr>
-            <a:spLocks noGrp="1"/>
-          </p:cNvSpPr>
-          <p:nvPr>
-            <p:ph type="title"/>
-          </p:nvPr>
-        </p:nvSpPr>
-        <p:spPr>
-          <a:xfrm>
-            <a:off x="0" y="0"/>
-            <a:ext cx="9144000" cy="610234"/>
-          </a:xfrm>
-        </p:spPr>
-        <p:txBody>
-          <a:bodyPr/>
-          <a:lstStyle/>
-          <a:p>
-            <a:pPr algn="l"/>
-            <a:r>
-              <a:rPr lang="en-CA" spc="-150" dirty="0"/>
-              <a:t>Set 2: South York Blvd Building Corridor Loop </a:t>
-            </a:r>
-          </a:p>
-        </p:txBody>
-      </p:sp>
-      <p:sp>
-        <p:nvSpPr>
-          <p:cNvPr id="3" name="Content Placeholder 2">
-            <a:extLst>
-              <a:ext uri="{FF2B5EF4-FFF2-40B4-BE49-F238E27FC236}">
-                <a16:creationId xmlns:a16="http://schemas.microsoft.com/office/drawing/2014/main" id="{2273D2AB-9E26-45F2-8248-D2CC0D515B9D}"/>
-              </a:ext>
-            </a:extLst>
-          </p:cNvPr>
-          <p:cNvSpPr>
-            <a:spLocks noGrp="1"/>
-          </p:cNvSpPr>
-          <p:nvPr>
-            <p:ph idx="1"/>
-          </p:nvPr>
-        </p:nvSpPr>
-        <p:spPr>
-          <a:xfrm>
-            <a:off x="628650" y="735647"/>
-            <a:ext cx="7886700" cy="1800000"/>
-          </a:xfrm>
-        </p:spPr>
-        <p:txBody>
-          <a:bodyPr/>
-          <a:lstStyle/>
-          <a:p>
-            <a:r>
-              <a:rPr lang="en-CA" dirty="0"/>
-              <a:t>Indoor + Outdoor Path</a:t>
-            </a:r>
-          </a:p>
-        </p:txBody>
-      </p:sp>
-      <p:sp>
-        <p:nvSpPr>
-          <p:cNvPr id="4" name="Slide Number Placeholder 3">
-            <a:extLst>
-              <a:ext uri="{FF2B5EF4-FFF2-40B4-BE49-F238E27FC236}">
-                <a16:creationId xmlns:a16="http://schemas.microsoft.com/office/drawing/2014/main" id="{79BA9CFF-D78D-49A8-9AB8-DEC246CAD4F6}"/>
-              </a:ext>
-            </a:extLst>
-          </p:cNvPr>
-          <p:cNvSpPr>
-            <a:spLocks noGrp="1"/>
-          </p:cNvSpPr>
-          <p:nvPr>
-            <p:ph type="sldNum" sz="quarter" idx="12"/>
-          </p:nvPr>
-        </p:nvSpPr>
-        <p:spPr/>
-        <p:txBody>
-          <a:bodyPr/>
-          <a:lstStyle/>
-          <a:p>
-            <a:fld id="{25FE67DE-5BF6-49D0-BF7A-76F5E776BCA1}" type="slidenum">
-              <a:rPr lang="ko-KR" altLang="en-US" smtClean="0"/>
-              <a:pPr/>
-              <a:t>6</a:t>
-            </a:fld>
-            <a:endParaRPr lang="ko-KR" altLang="en-US" dirty="0"/>
-          </a:p>
-        </p:txBody>
-      </p:sp>
-      <p:pic>
-        <p:nvPicPr>
-          <p:cNvPr id="6" name="Picture 5" descr="A picture containing electronics, circuit&#10;&#10;Description generated with very high confidence">
-            <a:extLst>
-              <a:ext uri="{FF2B5EF4-FFF2-40B4-BE49-F238E27FC236}">
-                <a16:creationId xmlns:a16="http://schemas.microsoft.com/office/drawing/2014/main" id="{D76C2199-8D58-4986-BD90-000B003F19E1}"/>
-              </a:ext>
-            </a:extLst>
-          </p:cNvPr>
-          <p:cNvPicPr>
-            <a:picLocks noChangeAspect="1"/>
-          </p:cNvPicPr>
-          <p:nvPr/>
-        </p:nvPicPr>
-        <p:blipFill>
-          <a:blip r:embed="rId2">
-            <a:extLst>
-              <a:ext uri="{28A0092B-C50C-407E-A947-70E740481C1C}">
-                <a14:useLocalDpi xmlns:a14="http://schemas.microsoft.com/office/drawing/2010/main" val="0"/>
-              </a:ext>
-            </a:extLst>
-          </a:blip>
-          <a:stretch>
-            <a:fillRect/>
-          </a:stretch>
-        </p:blipFill>
-        <p:spPr>
-          <a:xfrm>
-            <a:off x="0" y="1558119"/>
-            <a:ext cx="9144000" cy="5299881"/>
-          </a:xfrm>
-          <a:prstGeom prst="rect">
-            <a:avLst/>
-          </a:prstGeom>
-        </p:spPr>
-      </p:pic>
-      <p:sp>
-        <p:nvSpPr>
-          <p:cNvPr id="9" name="Star: 5 Points 8">
-            <a:extLst>
-              <a:ext uri="{FF2B5EF4-FFF2-40B4-BE49-F238E27FC236}">
-                <a16:creationId xmlns:a16="http://schemas.microsoft.com/office/drawing/2014/main" id="{D5FEE560-177F-430A-8C40-3BF2721B993B}"/>
-              </a:ext>
-            </a:extLst>
-          </p:cNvPr>
-          <p:cNvSpPr/>
-          <p:nvPr/>
-        </p:nvSpPr>
-        <p:spPr>
-          <a:xfrm>
-            <a:off x="5258181" y="5299881"/>
-            <a:ext cx="262128" cy="249936"/>
-          </a:xfrm>
-          <a:prstGeom prst="star5">
-            <a:avLst/>
-          </a:prstGeom>
-          <a:solidFill>
-            <a:srgbClr val="66FF33"/>
-          </a:solidFill>
-          <a:ln>
-            <a:noFill/>
-          </a:ln>
-        </p:spPr>
-        <p:style>
-          <a:lnRef idx="2">
-            <a:schemeClr val="accent1">
-              <a:shade val="50000"/>
-            </a:schemeClr>
-          </a:lnRef>
-          <a:fillRef idx="1">
-            <a:schemeClr val="accent1"/>
-          </a:fillRef>
-          <a:effectRef idx="0">
-            <a:schemeClr val="accent1"/>
-          </a:effectRef>
-          <a:fontRef idx="minor">
-            <a:schemeClr val="lt1"/>
-          </a:fontRef>
-        </p:style>
-        <p:txBody>
-          <a:bodyPr rtlCol="0" anchor="ctr"/>
-          <a:lstStyle/>
-          <a:p>
-            <a:pPr algn="ctr"/>
-            <a:endParaRPr lang="en-CA"/>
-          </a:p>
-        </p:txBody>
-      </p:sp>
-      <p:cxnSp>
-        <p:nvCxnSpPr>
-          <p:cNvPr id="10" name="Straight Arrow Connector 9">
-            <a:extLst>
-              <a:ext uri="{FF2B5EF4-FFF2-40B4-BE49-F238E27FC236}">
-                <a16:creationId xmlns:a16="http://schemas.microsoft.com/office/drawing/2014/main" id="{3FA9E29F-151B-466B-A0A0-04F8286DEE04}"/>
-              </a:ext>
-            </a:extLst>
-          </p:cNvPr>
-          <p:cNvCxnSpPr>
-            <a:cxnSpLocks/>
-          </p:cNvCxnSpPr>
-          <p:nvPr/>
-        </p:nvCxnSpPr>
-        <p:spPr>
-          <a:xfrm flipV="1">
-            <a:off x="5468112" y="4352544"/>
-            <a:ext cx="3194304" cy="987552"/>
-          </a:xfrm>
-          <a:prstGeom prst="straightConnector1">
-            <a:avLst/>
-          </a:prstGeom>
-          <a:ln w="57150">
-            <a:solidFill>
-              <a:srgbClr val="FF0000"/>
-            </a:solidFill>
-            <a:tailEnd type="triangle"/>
-          </a:ln>
-        </p:spPr>
-        <p:style>
-          <a:lnRef idx="1">
-            <a:schemeClr val="accent1"/>
-          </a:lnRef>
-          <a:fillRef idx="0">
-            <a:schemeClr val="accent1"/>
-          </a:fillRef>
-          <a:effectRef idx="0">
-            <a:schemeClr val="accent1"/>
-          </a:effectRef>
-          <a:fontRef idx="minor">
-            <a:schemeClr val="tx1"/>
-          </a:fontRef>
-        </p:style>
-      </p:cxnSp>
-      <p:cxnSp>
-        <p:nvCxnSpPr>
-          <p:cNvPr id="12" name="Straight Arrow Connector 11">
-            <a:extLst>
-              <a:ext uri="{FF2B5EF4-FFF2-40B4-BE49-F238E27FC236}">
-                <a16:creationId xmlns:a16="http://schemas.microsoft.com/office/drawing/2014/main" id="{F34173D5-22D7-43A9-8262-C717BBFECAAD}"/>
-              </a:ext>
-            </a:extLst>
-          </p:cNvPr>
-          <p:cNvCxnSpPr>
-            <a:cxnSpLocks/>
-          </p:cNvCxnSpPr>
-          <p:nvPr/>
-        </p:nvCxnSpPr>
-        <p:spPr>
-          <a:xfrm flipH="1">
-            <a:off x="5495925" y="4511040"/>
-            <a:ext cx="3160395" cy="970493"/>
-          </a:xfrm>
-          <a:prstGeom prst="straightConnector1">
-            <a:avLst/>
-          </a:prstGeom>
-          <a:ln w="57150">
-            <a:solidFill>
-              <a:srgbClr val="0000FF"/>
-            </a:solidFill>
-            <a:tailEnd type="triangle"/>
-          </a:ln>
-        </p:spPr>
-        <p:style>
-          <a:lnRef idx="1">
-            <a:schemeClr val="accent1"/>
-          </a:lnRef>
-          <a:fillRef idx="0">
-            <a:schemeClr val="accent1"/>
-          </a:fillRef>
-          <a:effectRef idx="0">
-            <a:schemeClr val="accent1"/>
-          </a:effectRef>
-          <a:fontRef idx="minor">
-            <a:schemeClr val="tx1"/>
-          </a:fontRef>
-        </p:style>
-      </p:cxnSp>
-    </p:spTree>
-    <p:extLst>
-      <p:ext uri="{BB962C8B-B14F-4D97-AF65-F5344CB8AC3E}">
-        <p14:creationId xmlns:p14="http://schemas.microsoft.com/office/powerpoint/2010/main" val="2653636222"/>
-      </p:ext>
-    </p:extLst>
-  </p:cSld>
-  <p:clrMapOvr>
-    <a:masterClrMapping/>
-  </p:clrMapOvr>
-</p:sld>
-</file>
-
 <file path=ppt/slides/slide7.xml><?xml version="1.0" encoding="utf-8"?>
 <p:sld xmlns:a="http://schemas.openxmlformats.org/drawingml/2006/main" xmlns:r="http://schemas.openxmlformats.org/officeDocument/2006/relationships" xmlns:p="http://schemas.openxmlformats.org/presentationml/2006/main">
   <p:cSld>
@@ -7506,7 +7928,7 @@
           <a:p>
             <a:r>
               <a:rPr lang="en-CA" dirty="0"/>
-              <a:t>Set 3: Student Centre</a:t>
+              <a:t>Set 1: York Blvd Outdoor Loop</a:t>
             </a:r>
           </a:p>
         </p:txBody>
@@ -7539,18 +7961,15 @@
           <a:p>
             <a:r>
               <a:rPr lang="en-CA" dirty="0"/>
-              <a:t>Indoor + Outdoor Path</a:t>
+              <a:t>All Outdoor Path</a:t>
             </a:r>
           </a:p>
           <a:p>
             <a:pPr lvl="1"/>
             <a:r>
               <a:rPr lang="en-CA" dirty="0"/>
-              <a:t>Including a corridor basically, and indoor space if possible</a:t>
-            </a:r>
-          </a:p>
-          <a:p>
-            <a:endParaRPr lang="en-CA" dirty="0"/>
+              <a:t>Scanning the building wall outside.</a:t>
+            </a:r>
           </a:p>
         </p:txBody>
       </p:sp>
@@ -7620,12 +8039,100 @@
           </a:prstGeom>
         </p:spPr>
       </p:pic>
-      <p:sp>
-        <p:nvSpPr>
-          <p:cNvPr id="7" name="Star: 5 Points 6">
-            <a:extLst>
-              <a:ext uri="{FF2B5EF4-FFF2-40B4-BE49-F238E27FC236}">
-                <a16:creationId xmlns:a16="http://schemas.microsoft.com/office/drawing/2014/main" id="{70295DED-2A03-429A-AE6C-76FBDFC141DA}"/>
+      <p:cxnSp>
+        <p:nvCxnSpPr>
+          <p:cNvPr id="8" name="Straight Arrow Connector 7">
+            <a:extLst>
+              <a:ext uri="{FF2B5EF4-FFF2-40B4-BE49-F238E27FC236}">
+                <a16:creationId xmlns:a16="http://schemas.microsoft.com/office/drawing/2014/main" id="{C8B63B89-4B13-4CAC-B023-EA651FB89FEE}"/>
+              </a:ext>
+            </a:extLst>
+          </p:cNvPr>
+          <p:cNvCxnSpPr>
+            <a:cxnSpLocks/>
+          </p:cNvCxnSpPr>
+          <p:nvPr/>
+        </p:nvCxnSpPr>
+        <p:spPr>
+          <a:xfrm flipH="1">
+            <a:off x="5169408" y="3535680"/>
+            <a:ext cx="2109216" cy="633984"/>
+          </a:xfrm>
+          <a:prstGeom prst="straightConnector1">
+            <a:avLst/>
+          </a:prstGeom>
+          <a:ln w="57150">
+            <a:solidFill>
+              <a:srgbClr val="FF0000"/>
+            </a:solidFill>
+            <a:tailEnd type="triangle"/>
+          </a:ln>
+        </p:spPr>
+        <p:style>
+          <a:lnRef idx="1">
+            <a:schemeClr val="accent1"/>
+          </a:lnRef>
+          <a:fillRef idx="0">
+            <a:schemeClr val="accent1"/>
+          </a:fillRef>
+          <a:effectRef idx="0">
+            <a:schemeClr val="accent1"/>
+          </a:effectRef>
+          <a:fontRef idx="minor">
+            <a:schemeClr val="tx1"/>
+          </a:fontRef>
+        </p:style>
+      </p:cxnSp>
+      <p:cxnSp>
+        <p:nvCxnSpPr>
+          <p:cNvPr id="9" name="Straight Arrow Connector 8">
+            <a:extLst>
+              <a:ext uri="{FF2B5EF4-FFF2-40B4-BE49-F238E27FC236}">
+                <a16:creationId xmlns:a16="http://schemas.microsoft.com/office/drawing/2014/main" id="{1787DFAE-A1AE-4E77-A4BF-225C3D951C1F}"/>
+              </a:ext>
+            </a:extLst>
+          </p:cNvPr>
+          <p:cNvCxnSpPr>
+            <a:cxnSpLocks/>
+          </p:cNvCxnSpPr>
+          <p:nvPr/>
+        </p:nvCxnSpPr>
+        <p:spPr>
+          <a:xfrm>
+            <a:off x="5114544" y="4181856"/>
+            <a:ext cx="390144" cy="1213104"/>
+          </a:xfrm>
+          <a:prstGeom prst="straightConnector1">
+            <a:avLst/>
+          </a:prstGeom>
+          <a:ln w="57150">
+            <a:solidFill>
+              <a:srgbClr val="FF0000"/>
+            </a:solidFill>
+            <a:tailEnd type="triangle"/>
+          </a:ln>
+        </p:spPr>
+        <p:style>
+          <a:lnRef idx="1">
+            <a:schemeClr val="accent1"/>
+          </a:lnRef>
+          <a:fillRef idx="0">
+            <a:schemeClr val="accent1"/>
+          </a:fillRef>
+          <a:effectRef idx="0">
+            <a:schemeClr val="accent1"/>
+          </a:effectRef>
+          <a:fontRef idx="minor">
+            <a:schemeClr val="tx1"/>
+          </a:fontRef>
+        </p:style>
+      </p:cxnSp>
+      <p:sp>
+        <p:nvSpPr>
+          <p:cNvPr id="11" name="Star: 5 Points 10">
+            <a:extLst>
+              <a:ext uri="{FF2B5EF4-FFF2-40B4-BE49-F238E27FC236}">
+                <a16:creationId xmlns:a16="http://schemas.microsoft.com/office/drawing/2014/main" id="{4D03951F-3DAC-4CD3-892C-8974A13A87DC}"/>
               </a:ext>
             </a:extLst>
           </p:cNvPr>
@@ -7634,7 +8141,7 @@
         </p:nvSpPr>
         <p:spPr>
           <a:xfrm>
-            <a:off x="4916805" y="4056297"/>
+            <a:off x="7254621" y="3346705"/>
             <a:ext cx="262128" cy="249936"/>
           </a:xfrm>
           <a:prstGeom prst="star5">
@@ -7674,10 +8181,10 @@
       </p:sp>
       <p:cxnSp>
         <p:nvCxnSpPr>
-          <p:cNvPr id="8" name="Straight Arrow Connector 7">
-            <a:extLst>
-              <a:ext uri="{FF2B5EF4-FFF2-40B4-BE49-F238E27FC236}">
-                <a16:creationId xmlns:a16="http://schemas.microsoft.com/office/drawing/2014/main" id="{69244778-1AF3-4E5B-9CDA-562DEF013F4F}"/>
+          <p:cNvPr id="14" name="Straight Arrow Connector 13">
+            <a:extLst>
+              <a:ext uri="{FF2B5EF4-FFF2-40B4-BE49-F238E27FC236}">
+                <a16:creationId xmlns:a16="http://schemas.microsoft.com/office/drawing/2014/main" id="{819467A7-FE35-4A13-BCB5-FE4B2855A379}"/>
               </a:ext>
             </a:extLst>
           </p:cNvPr>
@@ -7688,8 +8195,8 @@
         </p:nvCxnSpPr>
         <p:spPr>
           <a:xfrm flipV="1">
-            <a:off x="5224272" y="3913632"/>
-            <a:ext cx="755904" cy="231648"/>
+            <a:off x="5504688" y="4620768"/>
+            <a:ext cx="2273808" cy="774192"/>
           </a:xfrm>
           <a:prstGeom prst="straightConnector1">
             <a:avLst/>
@@ -7718,10 +8225,10 @@
       </p:cxnSp>
       <p:cxnSp>
         <p:nvCxnSpPr>
-          <p:cNvPr id="9" name="Straight Arrow Connector 8">
-            <a:extLst>
-              <a:ext uri="{FF2B5EF4-FFF2-40B4-BE49-F238E27FC236}">
-                <a16:creationId xmlns:a16="http://schemas.microsoft.com/office/drawing/2014/main" id="{A1B40054-DD25-442E-ABCC-ABDB2F206E54}"/>
+          <p:cNvPr id="16" name="Straight Arrow Connector 15">
+            <a:extLst>
+              <a:ext uri="{FF2B5EF4-FFF2-40B4-BE49-F238E27FC236}">
+                <a16:creationId xmlns:a16="http://schemas.microsoft.com/office/drawing/2014/main" id="{0CECB9DC-7A95-49EF-B2D6-C0FA8D793A3F}"/>
               </a:ext>
             </a:extLst>
           </p:cNvPr>
@@ -7731,9 +8238,149 @@
           <p:nvPr/>
         </p:nvCxnSpPr>
         <p:spPr>
+          <a:xfrm flipH="1" flipV="1">
+            <a:off x="7461504" y="3627120"/>
+            <a:ext cx="280416" cy="969264"/>
+          </a:xfrm>
+          <a:prstGeom prst="straightConnector1">
+            <a:avLst/>
+          </a:prstGeom>
+          <a:ln w="57150">
+            <a:solidFill>
+              <a:srgbClr val="FF0000"/>
+            </a:solidFill>
+            <a:tailEnd type="triangle"/>
+          </a:ln>
+        </p:spPr>
+        <p:style>
+          <a:lnRef idx="1">
+            <a:schemeClr val="accent1"/>
+          </a:lnRef>
+          <a:fillRef idx="0">
+            <a:schemeClr val="accent1"/>
+          </a:fillRef>
+          <a:effectRef idx="0">
+            <a:schemeClr val="accent1"/>
+          </a:effectRef>
+          <a:fontRef idx="minor">
+            <a:schemeClr val="tx1"/>
+          </a:fontRef>
+        </p:style>
+      </p:cxnSp>
+      <p:sp>
+        <p:nvSpPr>
+          <p:cNvPr id="20" name="Star: 5 Points 19">
+            <a:extLst>
+              <a:ext uri="{FF2B5EF4-FFF2-40B4-BE49-F238E27FC236}">
+                <a16:creationId xmlns:a16="http://schemas.microsoft.com/office/drawing/2014/main" id="{0A0B100B-EF5D-46FE-A9ED-4695977E40AE}"/>
+              </a:ext>
+            </a:extLst>
+          </p:cNvPr>
+          <p:cNvSpPr/>
+          <p:nvPr/>
+        </p:nvSpPr>
+        <p:spPr>
+          <a:xfrm>
+            <a:off x="6887669" y="676653"/>
+            <a:ext cx="262128" cy="249936"/>
+          </a:xfrm>
+          <a:prstGeom prst="star5">
+            <a:avLst/>
+          </a:prstGeom>
+          <a:solidFill>
+            <a:srgbClr val="66FF33"/>
+          </a:solidFill>
+          <a:ln>
+            <a:noFill/>
+          </a:ln>
+        </p:spPr>
+        <p:style>
+          <a:lnRef idx="2">
+            <a:schemeClr val="accent1">
+              <a:shade val="50000"/>
+            </a:schemeClr>
+          </a:lnRef>
+          <a:fillRef idx="1">
+            <a:schemeClr val="accent1"/>
+          </a:fillRef>
+          <a:effectRef idx="0">
+            <a:schemeClr val="accent1"/>
+          </a:effectRef>
+          <a:fontRef idx="minor">
+            <a:schemeClr val="lt1"/>
+          </a:fontRef>
+        </p:style>
+        <p:txBody>
+          <a:bodyPr rtlCol="0" anchor="ctr"/>
+          <a:lstStyle/>
+          <a:p>
+            <a:pPr algn="ctr"/>
+            <a:endParaRPr lang="en-CA"/>
+          </a:p>
+        </p:txBody>
+      </p:sp>
+      <p:cxnSp>
+        <p:nvCxnSpPr>
+          <p:cNvPr id="21" name="Straight Arrow Connector 20">
+            <a:extLst>
+              <a:ext uri="{FF2B5EF4-FFF2-40B4-BE49-F238E27FC236}">
+                <a16:creationId xmlns:a16="http://schemas.microsoft.com/office/drawing/2014/main" id="{D7475109-0AE2-413A-ACB9-7ABA67895290}"/>
+              </a:ext>
+            </a:extLst>
+          </p:cNvPr>
+          <p:cNvCxnSpPr>
+            <a:cxnSpLocks/>
+          </p:cNvCxnSpPr>
+          <p:nvPr/>
+        </p:nvCxnSpPr>
+        <p:spPr>
           <a:xfrm flipH="1">
-            <a:off x="5069206" y="3791712"/>
-            <a:ext cx="782954" cy="238973"/>
+            <a:off x="6820733" y="1082150"/>
+            <a:ext cx="396000" cy="0"/>
+          </a:xfrm>
+          <a:prstGeom prst="straightConnector1">
+            <a:avLst/>
+          </a:prstGeom>
+          <a:ln w="57150">
+            <a:solidFill>
+              <a:srgbClr val="FF0000"/>
+            </a:solidFill>
+            <a:tailEnd type="triangle"/>
+          </a:ln>
+        </p:spPr>
+        <p:style>
+          <a:lnRef idx="1">
+            <a:schemeClr val="accent1"/>
+          </a:lnRef>
+          <a:fillRef idx="0">
+            <a:schemeClr val="accent1"/>
+          </a:fillRef>
+          <a:effectRef idx="0">
+            <a:schemeClr val="accent1"/>
+          </a:effectRef>
+          <a:fontRef idx="minor">
+            <a:schemeClr val="tx1"/>
+          </a:fontRef>
+        </p:style>
+      </p:cxnSp>
+      <p:cxnSp>
+        <p:nvCxnSpPr>
+          <p:cNvPr id="23" name="Straight Arrow Connector 22">
+            <a:extLst>
+              <a:ext uri="{FF2B5EF4-FFF2-40B4-BE49-F238E27FC236}">
+                <a16:creationId xmlns:a16="http://schemas.microsoft.com/office/drawing/2014/main" id="{49642052-24FA-4A32-8965-6824EBC01F1F}"/>
+              </a:ext>
+            </a:extLst>
+          </p:cNvPr>
+          <p:cNvCxnSpPr>
+            <a:cxnSpLocks/>
+          </p:cNvCxnSpPr>
+          <p:nvPr/>
+        </p:nvCxnSpPr>
+        <p:spPr>
+          <a:xfrm flipH="1">
+            <a:off x="6820733" y="1321272"/>
+            <a:ext cx="396000" cy="0"/>
           </a:xfrm>
           <a:prstGeom prst="straightConnector1">
             <a:avLst/>
@@ -7760,10 +8407,167 @@
           </a:fontRef>
         </p:style>
       </p:cxnSp>
+      <p:sp>
+        <p:nvSpPr>
+          <p:cNvPr id="24" name="TextBox 23">
+            <a:extLst>
+              <a:ext uri="{FF2B5EF4-FFF2-40B4-BE49-F238E27FC236}">
+                <a16:creationId xmlns:a16="http://schemas.microsoft.com/office/drawing/2014/main" id="{CC4146F6-368D-4737-85AC-1211527CA45F}"/>
+              </a:ext>
+            </a:extLst>
+          </p:cNvPr>
+          <p:cNvSpPr txBox="1"/>
+          <p:nvPr/>
+        </p:nvSpPr>
+        <p:spPr>
+          <a:xfrm>
+            <a:off x="7319567" y="631046"/>
+            <a:ext cx="1462132" cy="369332"/>
+          </a:xfrm>
+          <a:prstGeom prst="rect">
+            <a:avLst/>
+          </a:prstGeom>
+          <a:noFill/>
+        </p:spPr>
+        <p:txBody>
+          <a:bodyPr wrap="none" rtlCol="0">
+            <a:spAutoFit/>
+          </a:bodyPr>
+          <a:lstStyle/>
+          <a:p>
+            <a:r>
+              <a:rPr lang="en-CA" dirty="0"/>
+              <a:t>Starting point</a:t>
+            </a:r>
+          </a:p>
+        </p:txBody>
+      </p:sp>
+      <p:sp>
+        <p:nvSpPr>
+          <p:cNvPr id="25" name="TextBox 24">
+            <a:extLst>
+              <a:ext uri="{FF2B5EF4-FFF2-40B4-BE49-F238E27FC236}">
+                <a16:creationId xmlns:a16="http://schemas.microsoft.com/office/drawing/2014/main" id="{9020FA84-E037-49D2-BDE9-17BA97A30BEB}"/>
+              </a:ext>
+            </a:extLst>
+          </p:cNvPr>
+          <p:cNvSpPr txBox="1"/>
+          <p:nvPr/>
+        </p:nvSpPr>
+        <p:spPr>
+          <a:xfrm>
+            <a:off x="7319567" y="897484"/>
+            <a:ext cx="1460785" cy="369332"/>
+          </a:xfrm>
+          <a:prstGeom prst="rect">
+            <a:avLst/>
+          </a:prstGeom>
+          <a:noFill/>
+        </p:spPr>
+        <p:txBody>
+          <a:bodyPr wrap="none" rtlCol="0">
+            <a:spAutoFit/>
+          </a:bodyPr>
+          <a:lstStyle/>
+          <a:p>
+            <a:r>
+              <a:rPr lang="en-CA" dirty="0"/>
+              <a:t>Outdoor path</a:t>
+            </a:r>
+          </a:p>
+        </p:txBody>
+      </p:sp>
+      <p:sp>
+        <p:nvSpPr>
+          <p:cNvPr id="26" name="TextBox 25">
+            <a:extLst>
+              <a:ext uri="{FF2B5EF4-FFF2-40B4-BE49-F238E27FC236}">
+                <a16:creationId xmlns:a16="http://schemas.microsoft.com/office/drawing/2014/main" id="{9C036D4B-8926-4063-8E45-7F58D1B6A0EB}"/>
+              </a:ext>
+            </a:extLst>
+          </p:cNvPr>
+          <p:cNvSpPr txBox="1"/>
+          <p:nvPr/>
+        </p:nvSpPr>
+        <p:spPr>
+          <a:xfrm>
+            <a:off x="7319567" y="1143109"/>
+            <a:ext cx="1291829" cy="369332"/>
+          </a:xfrm>
+          <a:prstGeom prst="rect">
+            <a:avLst/>
+          </a:prstGeom>
+          <a:noFill/>
+        </p:spPr>
+        <p:txBody>
+          <a:bodyPr wrap="none" rtlCol="0">
+            <a:spAutoFit/>
+          </a:bodyPr>
+          <a:lstStyle/>
+          <a:p>
+            <a:r>
+              <a:rPr lang="en-CA" dirty="0"/>
+              <a:t>Indoor path</a:t>
+            </a:r>
+          </a:p>
+        </p:txBody>
+      </p:sp>
+      <p:sp>
+        <p:nvSpPr>
+          <p:cNvPr id="27" name="Rectangle 26">
+            <a:extLst>
+              <a:ext uri="{FF2B5EF4-FFF2-40B4-BE49-F238E27FC236}">
+                <a16:creationId xmlns:a16="http://schemas.microsoft.com/office/drawing/2014/main" id="{D53B440A-C1D5-4C0A-8B0F-0519DD7880FA}"/>
+              </a:ext>
+            </a:extLst>
+          </p:cNvPr>
+          <p:cNvSpPr/>
+          <p:nvPr/>
+        </p:nvSpPr>
+        <p:spPr>
+          <a:xfrm>
+            <a:off x="6659880" y="609600"/>
+            <a:ext cx="2293620" cy="861060"/>
+          </a:xfrm>
+          <a:prstGeom prst="rect">
+            <a:avLst/>
+          </a:prstGeom>
+          <a:noFill/>
+          <a:ln>
+            <a:solidFill>
+              <a:schemeClr val="tx1"/>
+            </a:solidFill>
+          </a:ln>
+        </p:spPr>
+        <p:style>
+          <a:lnRef idx="2">
+            <a:schemeClr val="accent1">
+              <a:shade val="50000"/>
+            </a:schemeClr>
+          </a:lnRef>
+          <a:fillRef idx="1">
+            <a:schemeClr val="accent1"/>
+          </a:fillRef>
+          <a:effectRef idx="0">
+            <a:schemeClr val="accent1"/>
+          </a:effectRef>
+          <a:fontRef idx="minor">
+            <a:schemeClr val="lt1"/>
+          </a:fontRef>
+        </p:style>
+        <p:txBody>
+          <a:bodyPr rtlCol="0" anchor="ctr"/>
+          <a:lstStyle/>
+          <a:p>
+            <a:pPr algn="ctr"/>
+            <a:endParaRPr lang="en-CA"/>
+          </a:p>
+        </p:txBody>
+      </p:sp>
     </p:spTree>
     <p:extLst>
       <p:ext uri="{BB962C8B-B14F-4D97-AF65-F5344CB8AC3E}">
-        <p14:creationId xmlns:p14="http://schemas.microsoft.com/office/powerpoint/2010/main" val="91824680"/>
+        <p14:creationId xmlns:p14="http://schemas.microsoft.com/office/powerpoint/2010/main" val="3537071477"/>
       </p:ext>
     </p:extLst>
   </p:cSld>
@@ -7816,9 +8620,10 @@
           <a:bodyPr/>
           <a:lstStyle/>
           <a:p>
-            <a:r>
-              <a:rPr lang="en-CA" dirty="0"/>
-              <a:t>Set 4: York Lane</a:t>
+            <a:pPr algn="l"/>
+            <a:r>
+              <a:rPr lang="en-CA" spc="-150" dirty="0"/>
+              <a:t>Set 2: South York Blvd Building Corridor Loop </a:t>
             </a:r>
           </a:p>
         </p:txBody>
@@ -7853,16 +8658,6 @@
               <a:rPr lang="en-CA" dirty="0"/>
               <a:t>Indoor + Outdoor Path</a:t>
             </a:r>
-          </a:p>
-          <a:p>
-            <a:pPr lvl="1"/>
-            <a:r>
-              <a:rPr lang="en-CA" dirty="0"/>
-              <a:t>Including all the corridors</a:t>
-            </a:r>
-          </a:p>
-          <a:p>
-            <a:endParaRPr lang="en-CA" dirty="0"/>
           </a:p>
         </p:txBody>
       </p:sp>
@@ -7934,10 +8729,10 @@
       </p:pic>
       <p:sp>
         <p:nvSpPr>
-          <p:cNvPr id="7" name="Star: 5 Points 6">
-            <a:extLst>
-              <a:ext uri="{FF2B5EF4-FFF2-40B4-BE49-F238E27FC236}">
-                <a16:creationId xmlns:a16="http://schemas.microsoft.com/office/drawing/2014/main" id="{789983F1-606D-4E7E-B9A7-0243F4AD4DF6}"/>
+          <p:cNvPr id="9" name="Star: 5 Points 8">
+            <a:extLst>
+              <a:ext uri="{FF2B5EF4-FFF2-40B4-BE49-F238E27FC236}">
+                <a16:creationId xmlns:a16="http://schemas.microsoft.com/office/drawing/2014/main" id="{D5FEE560-177F-430A-8C40-3BF2721B993B}"/>
               </a:ext>
             </a:extLst>
           </p:cNvPr>
@@ -7946,7 +8741,7 @@
         </p:nvSpPr>
         <p:spPr>
           <a:xfrm>
-            <a:off x="5863112" y="3674281"/>
+            <a:off x="5258181" y="5299881"/>
             <a:ext cx="262128" cy="249936"/>
           </a:xfrm>
           <a:prstGeom prst="star5">
@@ -7986,10 +8781,10 @@
       </p:sp>
       <p:cxnSp>
         <p:nvCxnSpPr>
-          <p:cNvPr id="8" name="Straight Arrow Connector 7">
-            <a:extLst>
-              <a:ext uri="{FF2B5EF4-FFF2-40B4-BE49-F238E27FC236}">
-                <a16:creationId xmlns:a16="http://schemas.microsoft.com/office/drawing/2014/main" id="{CC37E179-BA7A-43B3-A829-87A825218F7B}"/>
+          <p:cNvPr id="10" name="Straight Arrow Connector 9">
+            <a:extLst>
+              <a:ext uri="{FF2B5EF4-FFF2-40B4-BE49-F238E27FC236}">
+                <a16:creationId xmlns:a16="http://schemas.microsoft.com/office/drawing/2014/main" id="{3FA9E29F-151B-466B-A0A0-04F8286DEE04}"/>
               </a:ext>
             </a:extLst>
           </p:cNvPr>
@@ -8000,8 +8795,8 @@
         </p:nvCxnSpPr>
         <p:spPr>
           <a:xfrm flipV="1">
-            <a:off x="6129333" y="3438144"/>
-            <a:ext cx="1210251" cy="369303"/>
+            <a:off x="5468112" y="4352544"/>
+            <a:ext cx="3194304" cy="987552"/>
           </a:xfrm>
           <a:prstGeom prst="straightConnector1">
             <a:avLst/>
@@ -8030,10 +8825,10 @@
       </p:cxnSp>
       <p:cxnSp>
         <p:nvCxnSpPr>
-          <p:cNvPr id="9" name="Straight Arrow Connector 8">
-            <a:extLst>
-              <a:ext uri="{FF2B5EF4-FFF2-40B4-BE49-F238E27FC236}">
-                <a16:creationId xmlns:a16="http://schemas.microsoft.com/office/drawing/2014/main" id="{45324F4F-9799-475A-9C13-41519E73CBDD}"/>
+          <p:cNvPr id="12" name="Straight Arrow Connector 11">
+            <a:extLst>
+              <a:ext uri="{FF2B5EF4-FFF2-40B4-BE49-F238E27FC236}">
+                <a16:creationId xmlns:a16="http://schemas.microsoft.com/office/drawing/2014/main" id="{F34173D5-22D7-43A9-8262-C717BBFECAAD}"/>
               </a:ext>
             </a:extLst>
           </p:cNvPr>
@@ -8044,8 +8839,8 @@
         </p:nvCxnSpPr>
         <p:spPr>
           <a:xfrm flipH="1">
-            <a:off x="6071803" y="3340608"/>
-            <a:ext cx="1255589" cy="381495"/>
+            <a:off x="5495925" y="4511040"/>
+            <a:ext cx="3160395" cy="970493"/>
           </a:xfrm>
           <a:prstGeom prst="straightConnector1">
             <a:avLst/>
@@ -8072,142 +8867,10 @@
           </a:fontRef>
         </p:style>
       </p:cxnSp>
-      <p:cxnSp>
-        <p:nvCxnSpPr>
-          <p:cNvPr id="11" name="Straight Arrow Connector 10">
-            <a:extLst>
-              <a:ext uri="{FF2B5EF4-FFF2-40B4-BE49-F238E27FC236}">
-                <a16:creationId xmlns:a16="http://schemas.microsoft.com/office/drawing/2014/main" id="{70858518-051B-454E-A35C-9E549A9873CF}"/>
-              </a:ext>
-            </a:extLst>
-          </p:cNvPr>
-          <p:cNvCxnSpPr>
-            <a:cxnSpLocks/>
-          </p:cNvCxnSpPr>
-          <p:nvPr/>
-        </p:nvCxnSpPr>
-        <p:spPr>
-          <a:xfrm flipV="1">
-            <a:off x="6077712" y="3273552"/>
-            <a:ext cx="310896" cy="377952"/>
-          </a:xfrm>
-          <a:prstGeom prst="straightConnector1">
-            <a:avLst/>
-          </a:prstGeom>
-          <a:ln w="57150">
-            <a:solidFill>
-              <a:srgbClr val="0000FF"/>
-            </a:solidFill>
-            <a:tailEnd type="triangle"/>
-          </a:ln>
-        </p:spPr>
-        <p:style>
-          <a:lnRef idx="1">
-            <a:schemeClr val="accent1"/>
-          </a:lnRef>
-          <a:fillRef idx="0">
-            <a:schemeClr val="accent1"/>
-          </a:fillRef>
-          <a:effectRef idx="0">
-            <a:schemeClr val="accent1"/>
-          </a:effectRef>
-          <a:fontRef idx="minor">
-            <a:schemeClr val="tx1"/>
-          </a:fontRef>
-        </p:style>
-      </p:cxnSp>
-      <p:cxnSp>
-        <p:nvCxnSpPr>
-          <p:cNvPr id="13" name="Straight Arrow Connector 12">
-            <a:extLst>
-              <a:ext uri="{FF2B5EF4-FFF2-40B4-BE49-F238E27FC236}">
-                <a16:creationId xmlns:a16="http://schemas.microsoft.com/office/drawing/2014/main" id="{0BA7CF2C-1A81-4BC0-A482-B48028E5060F}"/>
-              </a:ext>
-            </a:extLst>
-          </p:cNvPr>
-          <p:cNvCxnSpPr>
-            <a:cxnSpLocks/>
-          </p:cNvCxnSpPr>
-          <p:nvPr/>
-        </p:nvCxnSpPr>
-        <p:spPr>
-          <a:xfrm flipV="1">
-            <a:off x="6431281" y="2993136"/>
-            <a:ext cx="816863" cy="274320"/>
-          </a:xfrm>
-          <a:prstGeom prst="straightConnector1">
-            <a:avLst/>
-          </a:prstGeom>
-          <a:ln w="57150">
-            <a:solidFill>
-              <a:srgbClr val="0000FF"/>
-            </a:solidFill>
-            <a:tailEnd type="triangle"/>
-          </a:ln>
-        </p:spPr>
-        <p:style>
-          <a:lnRef idx="1">
-            <a:schemeClr val="accent1"/>
-          </a:lnRef>
-          <a:fillRef idx="0">
-            <a:schemeClr val="accent1"/>
-          </a:fillRef>
-          <a:effectRef idx="0">
-            <a:schemeClr val="accent1"/>
-          </a:effectRef>
-          <a:fontRef idx="minor">
-            <a:schemeClr val="tx1"/>
-          </a:fontRef>
-        </p:style>
-      </p:cxnSp>
-      <p:cxnSp>
-        <p:nvCxnSpPr>
-          <p:cNvPr id="17" name="Straight Arrow Connector 16">
-            <a:extLst>
-              <a:ext uri="{FF2B5EF4-FFF2-40B4-BE49-F238E27FC236}">
-                <a16:creationId xmlns:a16="http://schemas.microsoft.com/office/drawing/2014/main" id="{43640AAD-8428-491A-ADE5-EA6AAD9A83D4}"/>
-              </a:ext>
-            </a:extLst>
-          </p:cNvPr>
-          <p:cNvCxnSpPr>
-            <a:cxnSpLocks/>
-          </p:cNvCxnSpPr>
-          <p:nvPr/>
-        </p:nvCxnSpPr>
-        <p:spPr>
-          <a:xfrm>
-            <a:off x="7235952" y="3060192"/>
-            <a:ext cx="97536" cy="286512"/>
-          </a:xfrm>
-          <a:prstGeom prst="straightConnector1">
-            <a:avLst/>
-          </a:prstGeom>
-          <a:ln w="57150">
-            <a:solidFill>
-              <a:srgbClr val="0000FF"/>
-            </a:solidFill>
-            <a:tailEnd type="triangle"/>
-          </a:ln>
-        </p:spPr>
-        <p:style>
-          <a:lnRef idx="1">
-            <a:schemeClr val="accent1"/>
-          </a:lnRef>
-          <a:fillRef idx="0">
-            <a:schemeClr val="accent1"/>
-          </a:fillRef>
-          <a:effectRef idx="0">
-            <a:schemeClr val="accent1"/>
-          </a:effectRef>
-          <a:fontRef idx="minor">
-            <a:schemeClr val="tx1"/>
-          </a:fontRef>
-        </p:style>
-      </p:cxnSp>
     </p:spTree>
     <p:extLst>
       <p:ext uri="{BB962C8B-B14F-4D97-AF65-F5344CB8AC3E}">
-        <p14:creationId xmlns:p14="http://schemas.microsoft.com/office/powerpoint/2010/main" val="2466632176"/>
+        <p14:creationId xmlns:p14="http://schemas.microsoft.com/office/powerpoint/2010/main" val="2653636222"/>
       </p:ext>
     </p:extLst>
   </p:cSld>
@@ -8262,15 +8925,7 @@
           <a:p>
             <a:r>
               <a:rPr lang="en-CA" dirty="0"/>
-              <a:t>Set 5: </a:t>
-            </a:r>
-            <a:r>
-              <a:rPr lang="en-CA" dirty="0" err="1"/>
-              <a:t>Vari</a:t>
-            </a:r>
-            <a:r>
-              <a:rPr lang="en-CA" dirty="0"/>
-              <a:t> Hall</a:t>
+              <a:t>Set 3: Student Centre</a:t>
             </a:r>
           </a:p>
         </p:txBody>
@@ -8303,19 +8958,18 @@
           <a:p>
             <a:r>
               <a:rPr lang="en-CA" dirty="0"/>
-              <a:t>All Indoor Path</a:t>
+              <a:t>Indoor + Outdoor Path</a:t>
             </a:r>
           </a:p>
           <a:p>
             <a:pPr lvl="1"/>
             <a:r>
-              <a:rPr lang="en-CA" b="1" dirty="0">
-                <a:solidFill>
-                  <a:srgbClr val="FF0000"/>
-                </a:solidFill>
-              </a:rPr>
-              <a:t>Path: Not determined yet</a:t>
-            </a:r>
+              <a:rPr lang="en-CA" dirty="0"/>
+              <a:t>Including a corridor basically, and indoor space if possible</a:t>
+            </a:r>
+          </a:p>
+          <a:p>
+            <a:endParaRPr lang="en-CA" dirty="0"/>
           </a:p>
         </p:txBody>
       </p:sp>
@@ -8387,10 +9041,10 @@
       </p:pic>
       <p:sp>
         <p:nvSpPr>
-          <p:cNvPr id="5" name="Rectangle 4">
-            <a:extLst>
-              <a:ext uri="{FF2B5EF4-FFF2-40B4-BE49-F238E27FC236}">
-                <a16:creationId xmlns:a16="http://schemas.microsoft.com/office/drawing/2014/main" id="{049869DB-1A66-4AFC-8107-7EDACDAB439E}"/>
+          <p:cNvPr id="7" name="Star: 5 Points 6">
+            <a:extLst>
+              <a:ext uri="{FF2B5EF4-FFF2-40B4-BE49-F238E27FC236}">
+                <a16:creationId xmlns:a16="http://schemas.microsoft.com/office/drawing/2014/main" id="{70295DED-2A03-429A-AE6C-76FBDFC141DA}"/>
               </a:ext>
             </a:extLst>
           </p:cNvPr>
@@ -8398,22 +9052,18 @@
           <p:nvPr/>
         </p:nvSpPr>
         <p:spPr>
-          <a:xfrm rot="20651112">
-            <a:off x="4768589" y="4565256"/>
-            <a:ext cx="538480" cy="1624643"/>
-          </a:xfrm>
-          <a:prstGeom prst="rect">
+          <a:xfrm>
+            <a:off x="4916805" y="4056297"/>
+            <a:ext cx="262128" cy="249936"/>
+          </a:xfrm>
+          <a:prstGeom prst="star5">
             <a:avLst/>
           </a:prstGeom>
           <a:solidFill>
-            <a:srgbClr val="ED7D31">
-              <a:alpha val="69804"/>
-            </a:srgbClr>
+            <a:srgbClr val="66FF33"/>
           </a:solidFill>
-          <a:ln w="57150">
-            <a:solidFill>
-              <a:srgbClr val="FF0000"/>
-            </a:solidFill>
+          <a:ln>
+            <a:noFill/>
           </a:ln>
         </p:spPr>
         <p:style>
@@ -8441,10 +9091,98 @@
           </a:p>
         </p:txBody>
       </p:sp>
+      <p:cxnSp>
+        <p:nvCxnSpPr>
+          <p:cNvPr id="8" name="Straight Arrow Connector 7">
+            <a:extLst>
+              <a:ext uri="{FF2B5EF4-FFF2-40B4-BE49-F238E27FC236}">
+                <a16:creationId xmlns:a16="http://schemas.microsoft.com/office/drawing/2014/main" id="{69244778-1AF3-4E5B-9CDA-562DEF013F4F}"/>
+              </a:ext>
+            </a:extLst>
+          </p:cNvPr>
+          <p:cNvCxnSpPr>
+            <a:cxnSpLocks/>
+          </p:cNvCxnSpPr>
+          <p:nvPr/>
+        </p:nvCxnSpPr>
+        <p:spPr>
+          <a:xfrm flipV="1">
+            <a:off x="5224272" y="3913632"/>
+            <a:ext cx="755904" cy="231648"/>
+          </a:xfrm>
+          <a:prstGeom prst="straightConnector1">
+            <a:avLst/>
+          </a:prstGeom>
+          <a:ln w="57150">
+            <a:solidFill>
+              <a:srgbClr val="FF0000"/>
+            </a:solidFill>
+            <a:tailEnd type="triangle"/>
+          </a:ln>
+        </p:spPr>
+        <p:style>
+          <a:lnRef idx="1">
+            <a:schemeClr val="accent1"/>
+          </a:lnRef>
+          <a:fillRef idx="0">
+            <a:schemeClr val="accent1"/>
+          </a:fillRef>
+          <a:effectRef idx="0">
+            <a:schemeClr val="accent1"/>
+          </a:effectRef>
+          <a:fontRef idx="minor">
+            <a:schemeClr val="tx1"/>
+          </a:fontRef>
+        </p:style>
+      </p:cxnSp>
+      <p:cxnSp>
+        <p:nvCxnSpPr>
+          <p:cNvPr id="9" name="Straight Arrow Connector 8">
+            <a:extLst>
+              <a:ext uri="{FF2B5EF4-FFF2-40B4-BE49-F238E27FC236}">
+                <a16:creationId xmlns:a16="http://schemas.microsoft.com/office/drawing/2014/main" id="{A1B40054-DD25-442E-ABCC-ABDB2F206E54}"/>
+              </a:ext>
+            </a:extLst>
+          </p:cNvPr>
+          <p:cNvCxnSpPr>
+            <a:cxnSpLocks/>
+          </p:cNvCxnSpPr>
+          <p:nvPr/>
+        </p:nvCxnSpPr>
+        <p:spPr>
+          <a:xfrm flipH="1">
+            <a:off x="5069206" y="3791712"/>
+            <a:ext cx="782954" cy="238973"/>
+          </a:xfrm>
+          <a:prstGeom prst="straightConnector1">
+            <a:avLst/>
+          </a:prstGeom>
+          <a:ln w="57150">
+            <a:solidFill>
+              <a:srgbClr val="0000FF"/>
+            </a:solidFill>
+            <a:tailEnd type="triangle"/>
+          </a:ln>
+        </p:spPr>
+        <p:style>
+          <a:lnRef idx="1">
+            <a:schemeClr val="accent1"/>
+          </a:lnRef>
+          <a:fillRef idx="0">
+            <a:schemeClr val="accent1"/>
+          </a:fillRef>
+          <a:effectRef idx="0">
+            <a:schemeClr val="accent1"/>
+          </a:effectRef>
+          <a:fontRef idx="minor">
+            <a:schemeClr val="tx1"/>
+          </a:fontRef>
+        </p:style>
+      </p:cxnSp>
     </p:spTree>
     <p:extLst>
       <p:ext uri="{BB962C8B-B14F-4D97-AF65-F5344CB8AC3E}">
-        <p14:creationId xmlns:p14="http://schemas.microsoft.com/office/powerpoint/2010/main" val="2429325989"/>
+        <p14:creationId xmlns:p14="http://schemas.microsoft.com/office/powerpoint/2010/main" val="91824680"/>
       </p:ext>
     </p:extLst>
   </p:cSld>

--- a/doc/Scanningday_20180316/plan_for_scanning_day_20180316.pptx
+++ b/doc/Scanningday_20180316/plan_for_scanning_day_20180316.pptx
@@ -6196,7 +6196,7 @@
         <p:spPr>
           <a:xfrm>
             <a:off x="628650" y="1367246"/>
-            <a:ext cx="7886700" cy="3960000"/>
+            <a:ext cx="8030158" cy="3960000"/>
           </a:xfrm>
         </p:spPr>
         <p:txBody>
@@ -6205,7 +6205,7 @@
           <a:p>
             <a:r>
               <a:rPr lang="en-CA" dirty="0"/>
-              <a:t>Issues for 8:40AM(Mar 16) Meeting</a:t>
+              <a:t>Issues for 8:40 AM (Mar 16) Meeting</a:t>
             </a:r>
           </a:p>
           <a:p>
@@ -7012,7 +7012,7 @@
             </a:r>
             <a:r>
               <a:rPr lang="en-CA" dirty="0"/>
-              <a:t> comment on Scanning Priority</a:t>
+              <a:t> comment on scanning priority</a:t>
             </a:r>
           </a:p>
           <a:p>
